--- a/DOC/G4_Portes.pptx
+++ b/DOC/G4_Portes.pptx
@@ -16,16 +16,17 @@
     <p:sldId id="261" r:id="rId11"/>
     <p:sldId id="262" r:id="rId12"/>
     <p:sldId id="263" r:id="rId13"/>
+    <p:sldId id="264" r:id="rId14"/>
   </p:sldIdLst>
   <p:sldSz cy="5143500" cx="9144000"/>
   <p:notesSz cx="6858000" cy="9144000"/>
   <p:embeddedFontLst>
     <p:embeddedFont>
       <p:font typeface="Roboto"/>
-      <p:regular r:id="rId14"/>
-      <p:bold r:id="rId15"/>
-      <p:italic r:id="rId16"/>
-      <p:boldItalic r:id="rId17"/>
+      <p:regular r:id="rId15"/>
+      <p:bold r:id="rId16"/>
+      <p:italic r:id="rId17"/>
+      <p:boldItalic r:id="rId18"/>
     </p:embeddedFont>
   </p:embeddedFontLst>
   <p:defaultTextStyle>
@@ -1414,7 +1415,7 @@
       </p:grpSpPr>
       <p:sp>
         <p:nvSpPr>
-          <p:cNvPr id="126" name="Google Shape;126;g2cf57075b03_0_0:notes"/>
+          <p:cNvPr id="126" name="Google Shape;126;g2cf9ef3180b_0_0:notes"/>
           <p:cNvSpPr/>
           <p:nvPr>
             <p:ph idx="2" type="sldImg"/>
@@ -1449,7 +1450,106 @@
       </p:sp>
       <p:sp>
         <p:nvSpPr>
-          <p:cNvPr id="127" name="Google Shape;127;g2cf57075b03_0_0:notes"/>
+          <p:cNvPr id="127" name="Google Shape;127;g2cf9ef3180b_0_0:notes"/>
+          <p:cNvSpPr txBox="1"/>
+          <p:nvPr>
+            <p:ph idx="1" type="body"/>
+          </p:nvPr>
+        </p:nvSpPr>
+        <p:spPr>
+          <a:xfrm>
+            <a:off x="685800" y="4343400"/>
+            <a:ext cx="5486400" cy="4114800"/>
+          </a:xfrm>
+          <a:prstGeom prst="rect">
+            <a:avLst/>
+          </a:prstGeom>
+        </p:spPr>
+        <p:txBody>
+          <a:bodyPr anchorCtr="0" anchor="t" bIns="91425" lIns="91425" spcFirstLastPara="1" rIns="91425" wrap="square" tIns="91425">
+            <a:noAutofit/>
+          </a:bodyPr>
+          <a:lstStyle/>
+          <a:p>
+            <a:pPr indent="0" lvl="0" marL="0" rtl="0" algn="l">
+              <a:spcBef>
+                <a:spcPts val="0"/>
+              </a:spcBef>
+              <a:spcAft>
+                <a:spcPts val="0"/>
+              </a:spcAft>
+              <a:buNone/>
+            </a:pPr>
+            <a:r>
+              <a:t/>
+            </a:r>
+            <a:endParaRPr/>
+          </a:p>
+        </p:txBody>
+      </p:sp>
+    </p:spTree>
+  </p:cSld>
+  <p:clrMapOvr>
+    <a:masterClrMapping/>
+  </p:clrMapOvr>
+</p:notes>
+</file>
+
+<file path=ppt/notesSlides/notesSlide9.xml><?xml version="1.0" encoding="utf-8"?>
+<p:notes xmlns:a="http://schemas.openxmlformats.org/drawingml/2006/main" xmlns:r="http://schemas.openxmlformats.org/officeDocument/2006/relationships" xmlns:mc="http://schemas.openxmlformats.org/markup-compatibility/2006" xmlns:mv="urn:schemas-microsoft-com:mac:vml" xmlns:p="http://schemas.openxmlformats.org/presentationml/2006/main" xmlns:c="http://schemas.openxmlformats.org/drawingml/2006/chart" xmlns:dgm="http://schemas.openxmlformats.org/drawingml/2006/diagram" xmlns:o="urn:schemas-microsoft-com:office:office" xmlns:v="urn:schemas-microsoft-com:vml" xmlns:pvml="urn:schemas-microsoft-com:office:powerpoint" xmlns:com="http://schemas.openxmlformats.org/drawingml/2006/compatibility" xmlns:p14="http://schemas.microsoft.com/office/powerpoint/2010/main" xmlns:p15="http://schemas.microsoft.com/office/powerpoint/2012/main" xmlns:ahyp="http://schemas.microsoft.com/office/drawing/2018/hyperlinkcolor" showMasterPhAnim="0" showMasterSp="0">
+  <p:cSld>
+    <p:spTree>
+      <p:nvGrpSpPr>
+        <p:cNvPr id="132" name="Shape 132"/>
+        <p:cNvGrpSpPr/>
+        <p:nvPr/>
+      </p:nvGrpSpPr>
+      <p:grpSpPr>
+        <a:xfrm>
+          <a:off x="0" y="0"/>
+          <a:ext cx="0" cy="0"/>
+          <a:chOff x="0" y="0"/>
+          <a:chExt cx="0" cy="0"/>
+        </a:xfrm>
+      </p:grpSpPr>
+      <p:sp>
+        <p:nvSpPr>
+          <p:cNvPr id="133" name="Google Shape;133;g2cf57075b03_0_0:notes"/>
+          <p:cNvSpPr/>
+          <p:nvPr>
+            <p:ph idx="2" type="sldImg"/>
+          </p:nvPr>
+        </p:nvSpPr>
+        <p:spPr>
+          <a:xfrm>
+            <a:off x="381300" y="685800"/>
+            <a:ext cx="6096000" cy="3429000"/>
+          </a:xfrm>
+          <a:custGeom>
+            <a:rect b="b" l="l" r="r" t="t"/>
+            <a:pathLst>
+              <a:path extrusionOk="0" h="120000" w="120000">
+                <a:moveTo>
+                  <a:pt x="0" y="0"/>
+                </a:moveTo>
+                <a:lnTo>
+                  <a:pt x="120000" y="0"/>
+                </a:lnTo>
+                <a:lnTo>
+                  <a:pt x="120000" y="120000"/>
+                </a:lnTo>
+                <a:lnTo>
+                  <a:pt x="0" y="120000"/>
+                </a:lnTo>
+                <a:close/>
+              </a:path>
+            </a:pathLst>
+          </a:custGeom>
+        </p:spPr>
+      </p:sp>
+      <p:sp>
+        <p:nvSpPr>
+          <p:cNvPr id="134" name="Google Shape;134;g2cf57075b03_0_0:notes"/>
           <p:cNvSpPr txBox="1"/>
           <p:nvPr>
             <p:ph idx="1" type="body"/>
@@ -8963,7 +9063,7 @@
             </a:pPr>
             <a:r>
               <a:rPr lang="es"/>
-              <a:t>Pressupost</a:t>
+              <a:t>Model 3D</a:t>
             </a:r>
             <a:endParaRPr/>
           </a:p>
@@ -8975,17 +9075,167 @@
           <p:cNvPicPr preferRelativeResize="0"/>
           <p:nvPr/>
         </p:nvPicPr>
-        <p:blipFill rotWithShape="1">
+        <p:blipFill>
           <a:blip r:embed="rId3">
             <a:alphaModFix/>
           </a:blip>
-          <a:srcRect b="0" l="0" r="8441" t="10305"/>
-          <a:stretch/>
+          <a:stretch>
+            <a:fillRect/>
+          </a:stretch>
         </p:blipFill>
         <p:spPr>
           <a:xfrm>
-            <a:off x="1911888" y="945375"/>
-            <a:ext cx="4729027" cy="3474451"/>
+            <a:off x="949988" y="1090675"/>
+            <a:ext cx="3565250" cy="3557200"/>
+          </a:xfrm>
+          <a:prstGeom prst="rect">
+            <a:avLst/>
+          </a:prstGeom>
+          <a:noFill/>
+          <a:ln>
+            <a:noFill/>
+          </a:ln>
+        </p:spPr>
+      </p:pic>
+      <p:pic>
+        <p:nvPicPr>
+          <p:cNvPr id="131" name="Google Shape;131;p20"/>
+          <p:cNvPicPr preferRelativeResize="0"/>
+          <p:nvPr/>
+        </p:nvPicPr>
+        <p:blipFill>
+          <a:blip r:embed="rId4">
+            <a:alphaModFix/>
+          </a:blip>
+          <a:stretch>
+            <a:fillRect/>
+          </a:stretch>
+        </p:blipFill>
+        <p:spPr>
+          <a:xfrm>
+            <a:off x="4844662" y="1090675"/>
+            <a:ext cx="3349358" cy="3557201"/>
+          </a:xfrm>
+          <a:prstGeom prst="rect">
+            <a:avLst/>
+          </a:prstGeom>
+          <a:noFill/>
+          <a:ln>
+            <a:noFill/>
+          </a:ln>
+        </p:spPr>
+      </p:pic>
+    </p:spTree>
+  </p:cSld>
+  <p:clrMapOvr>
+    <a:masterClrMapping/>
+  </p:clrMapOvr>
+</p:sld>
+</file>
+
+<file path=ppt/slides/slide9.xml><?xml version="1.0" encoding="utf-8"?>
+<p:sld xmlns:a="http://schemas.openxmlformats.org/drawingml/2006/main" xmlns:r="http://schemas.openxmlformats.org/officeDocument/2006/relationships" xmlns:mc="http://schemas.openxmlformats.org/markup-compatibility/2006" xmlns:mv="urn:schemas-microsoft-com:mac:vml" xmlns:p="http://schemas.openxmlformats.org/presentationml/2006/main" xmlns:c="http://schemas.openxmlformats.org/drawingml/2006/chart" xmlns:dgm="http://schemas.openxmlformats.org/drawingml/2006/diagram" xmlns:o="urn:schemas-microsoft-com:office:office" xmlns:v="urn:schemas-microsoft-com:vml" xmlns:pvml="urn:schemas-microsoft-com:office:powerpoint" xmlns:com="http://schemas.openxmlformats.org/drawingml/2006/compatibility" xmlns:p14="http://schemas.microsoft.com/office/powerpoint/2010/main" xmlns:p15="http://schemas.microsoft.com/office/powerpoint/2012/main" xmlns:ahyp="http://schemas.microsoft.com/office/drawing/2018/hyperlinkcolor">
+  <p:cSld>
+    <p:spTree>
+      <p:nvGrpSpPr>
+        <p:cNvPr id="135" name="Shape 135"/>
+        <p:cNvGrpSpPr/>
+        <p:nvPr/>
+      </p:nvGrpSpPr>
+      <p:grpSpPr>
+        <a:xfrm>
+          <a:off x="0" y="0"/>
+          <a:ext cx="0" cy="0"/>
+          <a:chOff x="0" y="0"/>
+          <a:chExt cx="0" cy="0"/>
+        </a:xfrm>
+      </p:grpSpPr>
+      <p:sp>
+        <p:nvSpPr>
+          <p:cNvPr id="136" name="Google Shape;136;p21"/>
+          <p:cNvSpPr txBox="1"/>
+          <p:nvPr>
+            <p:ph type="title"/>
+          </p:nvPr>
+        </p:nvSpPr>
+        <p:spPr>
+          <a:xfrm>
+            <a:off x="311700" y="410000"/>
+            <a:ext cx="8520600" cy="607800"/>
+          </a:xfrm>
+          <a:prstGeom prst="rect">
+            <a:avLst/>
+          </a:prstGeom>
+        </p:spPr>
+        <p:txBody>
+          <a:bodyPr anchorCtr="0" anchor="t" bIns="91425" lIns="91425" spcFirstLastPara="1" rIns="91425" wrap="square" tIns="91425">
+            <a:normAutofit fontScale="90000"/>
+          </a:bodyPr>
+          <a:lstStyle/>
+          <a:p>
+            <a:pPr indent="0" lvl="0" marL="0" rtl="0" algn="l">
+              <a:spcBef>
+                <a:spcPts val="0"/>
+              </a:spcBef>
+              <a:spcAft>
+                <a:spcPts val="0"/>
+              </a:spcAft>
+              <a:buNone/>
+            </a:pPr>
+            <a:r>
+              <a:rPr lang="es"/>
+              <a:t>Pressupost</a:t>
+            </a:r>
+            <a:endParaRPr/>
+          </a:p>
+        </p:txBody>
+      </p:sp>
+      <p:pic>
+        <p:nvPicPr>
+          <p:cNvPr id="137" name="Google Shape;137;p21"/>
+          <p:cNvPicPr preferRelativeResize="0"/>
+          <p:nvPr/>
+        </p:nvPicPr>
+        <p:blipFill>
+          <a:blip r:embed="rId3">
+            <a:alphaModFix/>
+          </a:blip>
+          <a:stretch>
+            <a:fillRect/>
+          </a:stretch>
+        </p:blipFill>
+        <p:spPr>
+          <a:xfrm>
+            <a:off x="4779150" y="740225"/>
+            <a:ext cx="4215900" cy="3161925"/>
+          </a:xfrm>
+          <a:prstGeom prst="rect">
+            <a:avLst/>
+          </a:prstGeom>
+          <a:noFill/>
+          <a:ln>
+            <a:noFill/>
+          </a:ln>
+        </p:spPr>
+      </p:pic>
+      <p:pic>
+        <p:nvPicPr>
+          <p:cNvPr id="138" name="Google Shape;138;p21"/>
+          <p:cNvPicPr preferRelativeResize="0"/>
+          <p:nvPr/>
+        </p:nvPicPr>
+        <p:blipFill>
+          <a:blip r:embed="rId4">
+            <a:alphaModFix/>
+          </a:blip>
+          <a:stretch>
+            <a:fillRect/>
+          </a:stretch>
+        </p:blipFill>
+        <p:spPr>
+          <a:xfrm>
+            <a:off x="395150" y="927750"/>
+            <a:ext cx="4215900" cy="3161925"/>
           </a:xfrm>
           <a:prstGeom prst="rect">
             <a:avLst/>
@@ -9005,6 +9255,285 @@
 </file>
 
 <file path=ppt/theme/theme1.xml><?xml version="1.0" encoding="utf-8"?>
+<a:theme xmlns:a="http://schemas.openxmlformats.org/drawingml/2006/main" xmlns:r="http://schemas.openxmlformats.org/officeDocument/2006/relationships" name="Geometric">
+  <a:themeElements>
+    <a:clrScheme name="Geometric">
+      <a:dk1>
+        <a:srgbClr val="2A3990"/>
+      </a:dk1>
+      <a:lt1>
+        <a:srgbClr val="FFFFFF"/>
+      </a:lt1>
+      <a:dk2>
+        <a:srgbClr val="434343"/>
+      </a:dk2>
+      <a:lt2>
+        <a:srgbClr val="999999"/>
+      </a:lt2>
+      <a:accent1>
+        <a:srgbClr val="212D74"/>
+      </a:accent1>
+      <a:accent2>
+        <a:srgbClr val="3949AB"/>
+      </a:accent2>
+      <a:accent3>
+        <a:srgbClr val="9C254D"/>
+      </a:accent3>
+      <a:accent4>
+        <a:srgbClr val="D23369"/>
+      </a:accent4>
+      <a:accent5>
+        <a:srgbClr val="F06292"/>
+      </a:accent5>
+      <a:accent6>
+        <a:srgbClr val="7890CD"/>
+      </a:accent6>
+      <a:hlink>
+        <a:srgbClr val="F06292"/>
+      </a:hlink>
+      <a:folHlink>
+        <a:srgbClr val="F06292"/>
+      </a:folHlink>
+    </a:clrScheme>
+    <a:fontScheme name="Office">
+      <a:majorFont>
+        <a:latin typeface="Arial"/>
+        <a:ea typeface=""/>
+        <a:cs typeface=""/>
+        <a:font script="Jpan" typeface="ＭＳ Ｐゴシック"/>
+        <a:font script="Hang" typeface="맑은 고딕"/>
+        <a:font script="Hans" typeface="宋体"/>
+        <a:font script="Hant" typeface="新細明體"/>
+        <a:font script="Arab" typeface="Times New Roman"/>
+        <a:font script="Hebr" typeface="Times New Roman"/>
+        <a:font script="Thai" typeface="Angsana New"/>
+        <a:font script="Ethi" typeface="Nyala"/>
+        <a:font script="Beng" typeface="Vrinda"/>
+        <a:font script="Gujr" typeface="Shruti"/>
+        <a:font script="Khmr" typeface="MoolBoran"/>
+        <a:font script="Knda" typeface="Tunga"/>
+        <a:font script="Guru" typeface="Raavi"/>
+        <a:font script="Cans" typeface="Euphemia"/>
+        <a:font script="Cher" typeface="Plantagenet Cherokee"/>
+        <a:font script="Yiii" typeface="Microsoft Yi Baiti"/>
+        <a:font script="Tibt" typeface="Microsoft Himalaya"/>
+        <a:font script="Thaa" typeface="MV Boli"/>
+        <a:font script="Deva" typeface="Mangal"/>
+        <a:font script="Telu" typeface="Gautami"/>
+        <a:font script="Taml" typeface="Latha"/>
+        <a:font script="Syrc" typeface="Estrangelo Edessa"/>
+        <a:font script="Orya" typeface="Kalinga"/>
+        <a:font script="Mlym" typeface="Kartika"/>
+        <a:font script="Laoo" typeface="DokChampa"/>
+        <a:font script="Sinh" typeface="Iskoola Pota"/>
+        <a:font script="Mong" typeface="Mongolian Baiti"/>
+        <a:font script="Viet" typeface="Times New Roman"/>
+        <a:font script="Uigh" typeface="Microsoft Uighur"/>
+        <a:font script="Geor" typeface="Sylfaen"/>
+      </a:majorFont>
+      <a:minorFont>
+        <a:latin typeface="Arial"/>
+        <a:ea typeface=""/>
+        <a:cs typeface=""/>
+        <a:font script="Jpan" typeface="ＭＳ Ｐゴシック"/>
+        <a:font script="Hang" typeface="맑은 고딕"/>
+        <a:font script="Hans" typeface="宋体"/>
+        <a:font script="Hant" typeface="新細明體"/>
+        <a:font script="Arab" typeface="Arial"/>
+        <a:font script="Hebr" typeface="Arial"/>
+        <a:font script="Thai" typeface="Cordia New"/>
+        <a:font script="Ethi" typeface="Nyala"/>
+        <a:font script="Beng" typeface="Vrinda"/>
+        <a:font script="Gujr" typeface="Shruti"/>
+        <a:font script="Khmr" typeface="DaunPenh"/>
+        <a:font script="Knda" typeface="Tunga"/>
+        <a:font script="Guru" typeface="Raavi"/>
+        <a:font script="Cans" typeface="Euphemia"/>
+        <a:font script="Cher" typeface="Plantagenet Cherokee"/>
+        <a:font script="Yiii" typeface="Microsoft Yi Baiti"/>
+        <a:font script="Tibt" typeface="Microsoft Himalaya"/>
+        <a:font script="Thaa" typeface="MV Boli"/>
+        <a:font script="Deva" typeface="Mangal"/>
+        <a:font script="Telu" typeface="Gautami"/>
+        <a:font script="Taml" typeface="Latha"/>
+        <a:font script="Syrc" typeface="Estrangelo Edessa"/>
+        <a:font script="Orya" typeface="Kalinga"/>
+        <a:font script="Mlym" typeface="Kartika"/>
+        <a:font script="Laoo" typeface="DokChampa"/>
+        <a:font script="Sinh" typeface="Iskoola Pota"/>
+        <a:font script="Mong" typeface="Mongolian Baiti"/>
+        <a:font script="Viet" typeface="Arial"/>
+        <a:font script="Uigh" typeface="Microsoft Uighur"/>
+        <a:font script="Geor" typeface="Sylfaen"/>
+      </a:minorFont>
+    </a:fontScheme>
+    <a:fmtScheme name="Office">
+      <a:fillStyleLst>
+        <a:solidFill>
+          <a:schemeClr val="phClr"/>
+        </a:solidFill>
+        <a:gradFill rotWithShape="1">
+          <a:gsLst>
+            <a:gs pos="0">
+              <a:schemeClr val="phClr">
+                <a:tint val="50000"/>
+                <a:satMod val="300000"/>
+              </a:schemeClr>
+            </a:gs>
+            <a:gs pos="35000">
+              <a:schemeClr val="phClr">
+                <a:tint val="37000"/>
+                <a:satMod val="300000"/>
+              </a:schemeClr>
+            </a:gs>
+            <a:gs pos="100000">
+              <a:schemeClr val="phClr">
+                <a:tint val="15000"/>
+                <a:satMod val="350000"/>
+              </a:schemeClr>
+            </a:gs>
+          </a:gsLst>
+          <a:lin ang="16200000" scaled="1"/>
+        </a:gradFill>
+        <a:gradFill rotWithShape="1">
+          <a:gsLst>
+            <a:gs pos="0">
+              <a:schemeClr val="phClr">
+                <a:tint val="100000"/>
+                <a:shade val="100000"/>
+                <a:satMod val="130000"/>
+              </a:schemeClr>
+            </a:gs>
+            <a:gs pos="100000">
+              <a:schemeClr val="phClr">
+                <a:tint val="50000"/>
+                <a:shade val="100000"/>
+                <a:satMod val="350000"/>
+              </a:schemeClr>
+            </a:gs>
+          </a:gsLst>
+          <a:lin ang="16200000" scaled="0"/>
+        </a:gradFill>
+      </a:fillStyleLst>
+      <a:lnStyleLst>
+        <a:ln w="9525" cap="flat" cmpd="sng" algn="ctr">
+          <a:solidFill>
+            <a:schemeClr val="phClr">
+              <a:shade val="95000"/>
+              <a:satMod val="105000"/>
+            </a:schemeClr>
+          </a:solidFill>
+          <a:prstDash val="solid"/>
+        </a:ln>
+        <a:ln w="25400" cap="flat" cmpd="sng" algn="ctr">
+          <a:solidFill>
+            <a:schemeClr val="phClr"/>
+          </a:solidFill>
+          <a:prstDash val="solid"/>
+        </a:ln>
+        <a:ln w="38100" cap="flat" cmpd="sng" algn="ctr">
+          <a:solidFill>
+            <a:schemeClr val="phClr"/>
+          </a:solidFill>
+          <a:prstDash val="solid"/>
+        </a:ln>
+      </a:lnStyleLst>
+      <a:effectStyleLst>
+        <a:effectStyle>
+          <a:effectLst>
+            <a:outerShdw blurRad="40000" dist="20000" dir="5400000" rotWithShape="0">
+              <a:srgbClr val="000000">
+                <a:alpha val="38000"/>
+              </a:srgbClr>
+            </a:outerShdw>
+          </a:effectLst>
+        </a:effectStyle>
+        <a:effectStyle>
+          <a:effectLst>
+            <a:outerShdw blurRad="40000" dist="23000" dir="5400000" rotWithShape="0">
+              <a:srgbClr val="000000">
+                <a:alpha val="35000"/>
+              </a:srgbClr>
+            </a:outerShdw>
+          </a:effectLst>
+        </a:effectStyle>
+        <a:effectStyle>
+          <a:effectLst>
+            <a:outerShdw blurRad="40000" dist="23000" dir="5400000" rotWithShape="0">
+              <a:srgbClr val="000000">
+                <a:alpha val="35000"/>
+              </a:srgbClr>
+            </a:outerShdw>
+          </a:effectLst>
+          <a:scene3d>
+            <a:camera prst="orthographicFront">
+              <a:rot lat="0" lon="0" rev="0"/>
+            </a:camera>
+            <a:lightRig rig="threePt" dir="t">
+              <a:rot lat="0" lon="0" rev="1200000"/>
+            </a:lightRig>
+          </a:scene3d>
+          <a:sp3d>
+            <a:bevelT w="63500" h="25400"/>
+          </a:sp3d>
+        </a:effectStyle>
+      </a:effectStyleLst>
+      <a:bgFillStyleLst>
+        <a:solidFill>
+          <a:schemeClr val="phClr"/>
+        </a:solidFill>
+        <a:gradFill rotWithShape="1">
+          <a:gsLst>
+            <a:gs pos="0">
+              <a:schemeClr val="phClr">
+                <a:tint val="40000"/>
+                <a:satMod val="350000"/>
+              </a:schemeClr>
+            </a:gs>
+            <a:gs pos="40000">
+              <a:schemeClr val="phClr">
+                <a:tint val="45000"/>
+                <a:shade val="99000"/>
+                <a:satMod val="350000"/>
+              </a:schemeClr>
+            </a:gs>
+            <a:gs pos="100000">
+              <a:schemeClr val="phClr">
+                <a:shade val="20000"/>
+                <a:satMod val="255000"/>
+              </a:schemeClr>
+            </a:gs>
+          </a:gsLst>
+          <a:path path="circle">
+            <a:fillToRect l="50000" t="-80000" r="50000" b="180000"/>
+          </a:path>
+        </a:gradFill>
+        <a:gradFill rotWithShape="1">
+          <a:gsLst>
+            <a:gs pos="0">
+              <a:schemeClr val="phClr">
+                <a:tint val="80000"/>
+                <a:satMod val="300000"/>
+              </a:schemeClr>
+            </a:gs>
+            <a:gs pos="100000">
+              <a:schemeClr val="phClr">
+                <a:shade val="30000"/>
+                <a:satMod val="200000"/>
+              </a:schemeClr>
+            </a:gs>
+          </a:gsLst>
+          <a:path path="circle">
+            <a:fillToRect l="50000" t="50000" r="50000" b="50000"/>
+          </a:path>
+        </a:gradFill>
+      </a:bgFillStyleLst>
+    </a:fmtScheme>
+  </a:themeElements>
+</a:theme>
+</file>
+
+<file path=ppt/theme/theme2.xml><?xml version="1.0" encoding="utf-8"?>
 <a:theme xmlns:a="http://schemas.openxmlformats.org/drawingml/2006/main" xmlns:r="http://schemas.openxmlformats.org/officeDocument/2006/relationships">
   <a:themeElements>
     <a:clrScheme name="Default">
@@ -9281,283 +9810,4 @@
     </a:fmtScheme>
   </a:themeElements>
 </a:theme>
-</file>
-
-<file path=ppt/theme/theme2.xml><?xml version="1.0" encoding="utf-8"?>
-<a:theme xmlns:a="http://schemas.openxmlformats.org/drawingml/2006/main" xmlns:r="http://schemas.openxmlformats.org/officeDocument/2006/relationships" name="Geometric">
-  <a:themeElements>
-    <a:clrScheme name="Geometric">
-      <a:dk1>
-        <a:srgbClr val="2A3990"/>
-      </a:dk1>
-      <a:lt1>
-        <a:srgbClr val="FFFFFF"/>
-      </a:lt1>
-      <a:dk2>
-        <a:srgbClr val="434343"/>
-      </a:dk2>
-      <a:lt2>
-        <a:srgbClr val="999999"/>
-      </a:lt2>
-      <a:accent1>
-        <a:srgbClr val="212D74"/>
-      </a:accent1>
-      <a:accent2>
-        <a:srgbClr val="3949AB"/>
-      </a:accent2>
-      <a:accent3>
-        <a:srgbClr val="9C254D"/>
-      </a:accent3>
-      <a:accent4>
-        <a:srgbClr val="D23369"/>
-      </a:accent4>
-      <a:accent5>
-        <a:srgbClr val="F06292"/>
-      </a:accent5>
-      <a:accent6>
-        <a:srgbClr val="7890CD"/>
-      </a:accent6>
-      <a:hlink>
-        <a:srgbClr val="F06292"/>
-      </a:hlink>
-      <a:folHlink>
-        <a:srgbClr val="F06292"/>
-      </a:folHlink>
-    </a:clrScheme>
-    <a:fontScheme name="Office">
-      <a:majorFont>
-        <a:latin typeface="Arial"/>
-        <a:ea typeface=""/>
-        <a:cs typeface=""/>
-        <a:font script="Jpan" typeface="ＭＳ Ｐゴシック"/>
-        <a:font script="Hang" typeface="맑은 고딕"/>
-        <a:font script="Hans" typeface="宋体"/>
-        <a:font script="Hant" typeface="新細明體"/>
-        <a:font script="Arab" typeface="Times New Roman"/>
-        <a:font script="Hebr" typeface="Times New Roman"/>
-        <a:font script="Thai" typeface="Angsana New"/>
-        <a:font script="Ethi" typeface="Nyala"/>
-        <a:font script="Beng" typeface="Vrinda"/>
-        <a:font script="Gujr" typeface="Shruti"/>
-        <a:font script="Khmr" typeface="MoolBoran"/>
-        <a:font script="Knda" typeface="Tunga"/>
-        <a:font script="Guru" typeface="Raavi"/>
-        <a:font script="Cans" typeface="Euphemia"/>
-        <a:font script="Cher" typeface="Plantagenet Cherokee"/>
-        <a:font script="Yiii" typeface="Microsoft Yi Baiti"/>
-        <a:font script="Tibt" typeface="Microsoft Himalaya"/>
-        <a:font script="Thaa" typeface="MV Boli"/>
-        <a:font script="Deva" typeface="Mangal"/>
-        <a:font script="Telu" typeface="Gautami"/>
-        <a:font script="Taml" typeface="Latha"/>
-        <a:font script="Syrc" typeface="Estrangelo Edessa"/>
-        <a:font script="Orya" typeface="Kalinga"/>
-        <a:font script="Mlym" typeface="Kartika"/>
-        <a:font script="Laoo" typeface="DokChampa"/>
-        <a:font script="Sinh" typeface="Iskoola Pota"/>
-        <a:font script="Mong" typeface="Mongolian Baiti"/>
-        <a:font script="Viet" typeface="Times New Roman"/>
-        <a:font script="Uigh" typeface="Microsoft Uighur"/>
-        <a:font script="Geor" typeface="Sylfaen"/>
-      </a:majorFont>
-      <a:minorFont>
-        <a:latin typeface="Arial"/>
-        <a:ea typeface=""/>
-        <a:cs typeface=""/>
-        <a:font script="Jpan" typeface="ＭＳ Ｐゴシック"/>
-        <a:font script="Hang" typeface="맑은 고딕"/>
-        <a:font script="Hans" typeface="宋体"/>
-        <a:font script="Hant" typeface="新細明體"/>
-        <a:font script="Arab" typeface="Arial"/>
-        <a:font script="Hebr" typeface="Arial"/>
-        <a:font script="Thai" typeface="Cordia New"/>
-        <a:font script="Ethi" typeface="Nyala"/>
-        <a:font script="Beng" typeface="Vrinda"/>
-        <a:font script="Gujr" typeface="Shruti"/>
-        <a:font script="Khmr" typeface="DaunPenh"/>
-        <a:font script="Knda" typeface="Tunga"/>
-        <a:font script="Guru" typeface="Raavi"/>
-        <a:font script="Cans" typeface="Euphemia"/>
-        <a:font script="Cher" typeface="Plantagenet Cherokee"/>
-        <a:font script="Yiii" typeface="Microsoft Yi Baiti"/>
-        <a:font script="Tibt" typeface="Microsoft Himalaya"/>
-        <a:font script="Thaa" typeface="MV Boli"/>
-        <a:font script="Deva" typeface="Mangal"/>
-        <a:font script="Telu" typeface="Gautami"/>
-        <a:font script="Taml" typeface="Latha"/>
-        <a:font script="Syrc" typeface="Estrangelo Edessa"/>
-        <a:font script="Orya" typeface="Kalinga"/>
-        <a:font script="Mlym" typeface="Kartika"/>
-        <a:font script="Laoo" typeface="DokChampa"/>
-        <a:font script="Sinh" typeface="Iskoola Pota"/>
-        <a:font script="Mong" typeface="Mongolian Baiti"/>
-        <a:font script="Viet" typeface="Arial"/>
-        <a:font script="Uigh" typeface="Microsoft Uighur"/>
-        <a:font script="Geor" typeface="Sylfaen"/>
-      </a:minorFont>
-    </a:fontScheme>
-    <a:fmtScheme name="Office">
-      <a:fillStyleLst>
-        <a:solidFill>
-          <a:schemeClr val="phClr"/>
-        </a:solidFill>
-        <a:gradFill rotWithShape="1">
-          <a:gsLst>
-            <a:gs pos="0">
-              <a:schemeClr val="phClr">
-                <a:tint val="50000"/>
-                <a:satMod val="300000"/>
-              </a:schemeClr>
-            </a:gs>
-            <a:gs pos="35000">
-              <a:schemeClr val="phClr">
-                <a:tint val="37000"/>
-                <a:satMod val="300000"/>
-              </a:schemeClr>
-            </a:gs>
-            <a:gs pos="100000">
-              <a:schemeClr val="phClr">
-                <a:tint val="15000"/>
-                <a:satMod val="350000"/>
-              </a:schemeClr>
-            </a:gs>
-          </a:gsLst>
-          <a:lin ang="16200000" scaled="1"/>
-        </a:gradFill>
-        <a:gradFill rotWithShape="1">
-          <a:gsLst>
-            <a:gs pos="0">
-              <a:schemeClr val="phClr">
-                <a:tint val="100000"/>
-                <a:shade val="100000"/>
-                <a:satMod val="130000"/>
-              </a:schemeClr>
-            </a:gs>
-            <a:gs pos="100000">
-              <a:schemeClr val="phClr">
-                <a:tint val="50000"/>
-                <a:shade val="100000"/>
-                <a:satMod val="350000"/>
-              </a:schemeClr>
-            </a:gs>
-          </a:gsLst>
-          <a:lin ang="16200000" scaled="0"/>
-        </a:gradFill>
-      </a:fillStyleLst>
-      <a:lnStyleLst>
-        <a:ln w="9525" cap="flat" cmpd="sng" algn="ctr">
-          <a:solidFill>
-            <a:schemeClr val="phClr">
-              <a:shade val="95000"/>
-              <a:satMod val="105000"/>
-            </a:schemeClr>
-          </a:solidFill>
-          <a:prstDash val="solid"/>
-        </a:ln>
-        <a:ln w="25400" cap="flat" cmpd="sng" algn="ctr">
-          <a:solidFill>
-            <a:schemeClr val="phClr"/>
-          </a:solidFill>
-          <a:prstDash val="solid"/>
-        </a:ln>
-        <a:ln w="38100" cap="flat" cmpd="sng" algn="ctr">
-          <a:solidFill>
-            <a:schemeClr val="phClr"/>
-          </a:solidFill>
-          <a:prstDash val="solid"/>
-        </a:ln>
-      </a:lnStyleLst>
-      <a:effectStyleLst>
-        <a:effectStyle>
-          <a:effectLst>
-            <a:outerShdw blurRad="40000" dist="20000" dir="5400000" rotWithShape="0">
-              <a:srgbClr val="000000">
-                <a:alpha val="38000"/>
-              </a:srgbClr>
-            </a:outerShdw>
-          </a:effectLst>
-        </a:effectStyle>
-        <a:effectStyle>
-          <a:effectLst>
-            <a:outerShdw blurRad="40000" dist="23000" dir="5400000" rotWithShape="0">
-              <a:srgbClr val="000000">
-                <a:alpha val="35000"/>
-              </a:srgbClr>
-            </a:outerShdw>
-          </a:effectLst>
-        </a:effectStyle>
-        <a:effectStyle>
-          <a:effectLst>
-            <a:outerShdw blurRad="40000" dist="23000" dir="5400000" rotWithShape="0">
-              <a:srgbClr val="000000">
-                <a:alpha val="35000"/>
-              </a:srgbClr>
-            </a:outerShdw>
-          </a:effectLst>
-          <a:scene3d>
-            <a:camera prst="orthographicFront">
-              <a:rot lat="0" lon="0" rev="0"/>
-            </a:camera>
-            <a:lightRig rig="threePt" dir="t">
-              <a:rot lat="0" lon="0" rev="1200000"/>
-            </a:lightRig>
-          </a:scene3d>
-          <a:sp3d>
-            <a:bevelT w="63500" h="25400"/>
-          </a:sp3d>
-        </a:effectStyle>
-      </a:effectStyleLst>
-      <a:bgFillStyleLst>
-        <a:solidFill>
-          <a:schemeClr val="phClr"/>
-        </a:solidFill>
-        <a:gradFill rotWithShape="1">
-          <a:gsLst>
-            <a:gs pos="0">
-              <a:schemeClr val="phClr">
-                <a:tint val="40000"/>
-                <a:satMod val="350000"/>
-              </a:schemeClr>
-            </a:gs>
-            <a:gs pos="40000">
-              <a:schemeClr val="phClr">
-                <a:tint val="45000"/>
-                <a:shade val="99000"/>
-                <a:satMod val="350000"/>
-              </a:schemeClr>
-            </a:gs>
-            <a:gs pos="100000">
-              <a:schemeClr val="phClr">
-                <a:shade val="20000"/>
-                <a:satMod val="255000"/>
-              </a:schemeClr>
-            </a:gs>
-          </a:gsLst>
-          <a:path path="circle">
-            <a:fillToRect l="50000" t="-80000" r="50000" b="180000"/>
-          </a:path>
-        </a:gradFill>
-        <a:gradFill rotWithShape="1">
-          <a:gsLst>
-            <a:gs pos="0">
-              <a:schemeClr val="phClr">
-                <a:tint val="80000"/>
-                <a:satMod val="300000"/>
-              </a:schemeClr>
-            </a:gs>
-            <a:gs pos="100000">
-              <a:schemeClr val="phClr">
-                <a:shade val="30000"/>
-                <a:satMod val="200000"/>
-              </a:schemeClr>
-            </a:gs>
-          </a:gsLst>
-          <a:path path="circle">
-            <a:fillToRect l="50000" t="50000" r="50000" b="50000"/>
-          </a:path>
-        </a:gradFill>
-      </a:bgFillStyleLst>
-    </a:fmtScheme>
-  </a:themeElements>
-</a:theme>
 </file>
--- a/DOC/G4_Portes.pptx
+++ b/DOC/G4_Portes.pptx
@@ -9206,8 +9206,8 @@
         </p:blipFill>
         <p:spPr>
           <a:xfrm>
-            <a:off x="4779150" y="740225"/>
-            <a:ext cx="4215900" cy="3161925"/>
+            <a:off x="4697574" y="1371249"/>
+            <a:ext cx="4278528" cy="3208900"/>
           </a:xfrm>
           <a:prstGeom prst="rect">
             <a:avLst/>
@@ -9234,8 +9234,8 @@
         </p:blipFill>
         <p:spPr>
           <a:xfrm>
-            <a:off x="395150" y="927750"/>
-            <a:ext cx="4215900" cy="3161925"/>
+            <a:off x="106600" y="1301175"/>
+            <a:ext cx="4465398" cy="3349048"/>
           </a:xfrm>
           <a:prstGeom prst="rect">
             <a:avLst/>

--- a/DOC/G4_Portes.pptx
+++ b/DOC/G4_Portes.pptx
@@ -1,36 +1,36 @@
 
 <file path=ppt/presentation.xml><?xml version="1.0" encoding="utf-8"?>
-<p:presentation xmlns:a="http://schemas.openxmlformats.org/drawingml/2006/main" xmlns:r="http://schemas.openxmlformats.org/officeDocument/2006/relationships" xmlns:mc="http://schemas.openxmlformats.org/markup-compatibility/2006" xmlns:mv="urn:schemas-microsoft-com:mac:vml" xmlns:p="http://schemas.openxmlformats.org/presentationml/2006/main" xmlns:c="http://schemas.openxmlformats.org/drawingml/2006/chart" xmlns:dgm="http://schemas.openxmlformats.org/drawingml/2006/diagram" xmlns:o="urn:schemas-microsoft-com:office:office" xmlns:v="urn:schemas-microsoft-com:vml" xmlns:pvml="urn:schemas-microsoft-com:office:powerpoint" xmlns:com="http://schemas.openxmlformats.org/drawingml/2006/compatibility" xmlns:p14="http://schemas.microsoft.com/office/powerpoint/2010/main" xmlns:p15="http://schemas.microsoft.com/office/powerpoint/2012/main" xmlns:ahyp="http://schemas.microsoft.com/office/drawing/2018/hyperlinkcolor" autoCompressPictures="0" embedTrueTypeFonts="1" strictFirstAndLastChars="0" saveSubsetFonts="1">
+<p:presentation xmlns:a="http://schemas.openxmlformats.org/drawingml/2006/main" xmlns:r="http://schemas.openxmlformats.org/officeDocument/2006/relationships" xmlns:p="http://schemas.openxmlformats.org/presentationml/2006/main" strictFirstAndLastChars="0" embedTrueTypeFonts="1" saveSubsetFonts="1" autoCompressPictures="0">
   <p:sldMasterIdLst>
-    <p:sldMasterId id="2147483659" r:id="rId4"/>
+    <p:sldMasterId id="2147483659" r:id="rId1"/>
   </p:sldMasterIdLst>
   <p:notesMasterIdLst>
-    <p:notesMasterId r:id="rId5"/>
+    <p:notesMasterId r:id="rId11"/>
   </p:notesMasterIdLst>
   <p:sldIdLst>
-    <p:sldId id="256" r:id="rId6"/>
-    <p:sldId id="257" r:id="rId7"/>
-    <p:sldId id="258" r:id="rId8"/>
-    <p:sldId id="259" r:id="rId9"/>
-    <p:sldId id="260" r:id="rId10"/>
-    <p:sldId id="261" r:id="rId11"/>
-    <p:sldId id="262" r:id="rId12"/>
-    <p:sldId id="263" r:id="rId13"/>
-    <p:sldId id="264" r:id="rId14"/>
+    <p:sldId id="256" r:id="rId2"/>
+    <p:sldId id="257" r:id="rId3"/>
+    <p:sldId id="258" r:id="rId4"/>
+    <p:sldId id="259" r:id="rId5"/>
+    <p:sldId id="260" r:id="rId6"/>
+    <p:sldId id="261" r:id="rId7"/>
+    <p:sldId id="262" r:id="rId8"/>
+    <p:sldId id="263" r:id="rId9"/>
+    <p:sldId id="264" r:id="rId10"/>
   </p:sldIdLst>
-  <p:sldSz cy="5143500" cx="9144000"/>
+  <p:sldSz cx="9144000" cy="5143500" type="screen16x9"/>
   <p:notesSz cx="6858000" cy="9144000"/>
   <p:embeddedFontLst>
     <p:embeddedFont>
-      <p:font typeface="Roboto"/>
-      <p:regular r:id="rId15"/>
-      <p:bold r:id="rId16"/>
-      <p:italic r:id="rId17"/>
-      <p:boldItalic r:id="rId18"/>
+      <p:font typeface="Roboto" panose="02000000000000000000" pitchFamily="2" charset="0"/>
+      <p:regular r:id="rId12"/>
+      <p:bold r:id="rId13"/>
+      <p:italic r:id="rId14"/>
+      <p:boldItalic r:id="rId15"/>
     </p:embeddedFont>
   </p:embeddedFontLst>
   <p:defaultTextStyle>
-    <a:defPPr lvl="0" marR="0" rtl="0" algn="l">
+    <a:defPPr marR="0" lvl="0" algn="l" rtl="0">
       <a:lnSpc>
         <a:spcPct val="100000"/>
       </a:lnSpc>
@@ -41,7 +41,7 @@
         <a:spcPts val="0"/>
       </a:spcAft>
     </a:defPPr>
-    <a:lvl1pPr lvl="0" marR="0" rtl="0" algn="l">
+    <a:lvl1pPr marR="0" lvl="0" algn="l" rtl="0">
       <a:lnSpc>
         <a:spcPct val="100000"/>
       </a:lnSpc>
@@ -55,7 +55,7 @@
         <a:srgbClr val="000000"/>
       </a:buClr>
       <a:buFont typeface="Arial"/>
-      <a:defRPr b="0" i="0" sz="1400" u="none" cap="none" strike="noStrike">
+      <a:defRPr sz="1400" b="0" i="0" u="none" strike="noStrike" cap="none">
         <a:solidFill>
           <a:srgbClr val="000000"/>
         </a:solidFill>
@@ -65,7 +65,7 @@
         <a:sym typeface="Arial"/>
       </a:defRPr>
     </a:lvl1pPr>
-    <a:lvl2pPr lvl="1" marR="0" rtl="0" algn="l">
+    <a:lvl2pPr marR="0" lvl="1" algn="l" rtl="0">
       <a:lnSpc>
         <a:spcPct val="100000"/>
       </a:lnSpc>
@@ -79,7 +79,7 @@
         <a:srgbClr val="000000"/>
       </a:buClr>
       <a:buFont typeface="Arial"/>
-      <a:defRPr b="0" i="0" sz="1400" u="none" cap="none" strike="noStrike">
+      <a:defRPr sz="1400" b="0" i="0" u="none" strike="noStrike" cap="none">
         <a:solidFill>
           <a:srgbClr val="000000"/>
         </a:solidFill>
@@ -89,7 +89,7 @@
         <a:sym typeface="Arial"/>
       </a:defRPr>
     </a:lvl2pPr>
-    <a:lvl3pPr lvl="2" marR="0" rtl="0" algn="l">
+    <a:lvl3pPr marR="0" lvl="2" algn="l" rtl="0">
       <a:lnSpc>
         <a:spcPct val="100000"/>
       </a:lnSpc>
@@ -103,7 +103,7 @@
         <a:srgbClr val="000000"/>
       </a:buClr>
       <a:buFont typeface="Arial"/>
-      <a:defRPr b="0" i="0" sz="1400" u="none" cap="none" strike="noStrike">
+      <a:defRPr sz="1400" b="0" i="0" u="none" strike="noStrike" cap="none">
         <a:solidFill>
           <a:srgbClr val="000000"/>
         </a:solidFill>
@@ -113,7 +113,7 @@
         <a:sym typeface="Arial"/>
       </a:defRPr>
     </a:lvl3pPr>
-    <a:lvl4pPr lvl="3" marR="0" rtl="0" algn="l">
+    <a:lvl4pPr marR="0" lvl="3" algn="l" rtl="0">
       <a:lnSpc>
         <a:spcPct val="100000"/>
       </a:lnSpc>
@@ -127,7 +127,7 @@
         <a:srgbClr val="000000"/>
       </a:buClr>
       <a:buFont typeface="Arial"/>
-      <a:defRPr b="0" i="0" sz="1400" u="none" cap="none" strike="noStrike">
+      <a:defRPr sz="1400" b="0" i="0" u="none" strike="noStrike" cap="none">
         <a:solidFill>
           <a:srgbClr val="000000"/>
         </a:solidFill>
@@ -137,7 +137,7 @@
         <a:sym typeface="Arial"/>
       </a:defRPr>
     </a:lvl4pPr>
-    <a:lvl5pPr lvl="4" marR="0" rtl="0" algn="l">
+    <a:lvl5pPr marR="0" lvl="4" algn="l" rtl="0">
       <a:lnSpc>
         <a:spcPct val="100000"/>
       </a:lnSpc>
@@ -151,7 +151,7 @@
         <a:srgbClr val="000000"/>
       </a:buClr>
       <a:buFont typeface="Arial"/>
-      <a:defRPr b="0" i="0" sz="1400" u="none" cap="none" strike="noStrike">
+      <a:defRPr sz="1400" b="0" i="0" u="none" strike="noStrike" cap="none">
         <a:solidFill>
           <a:srgbClr val="000000"/>
         </a:solidFill>
@@ -161,7 +161,7 @@
         <a:sym typeface="Arial"/>
       </a:defRPr>
     </a:lvl5pPr>
-    <a:lvl6pPr lvl="5" marR="0" rtl="0" algn="l">
+    <a:lvl6pPr marR="0" lvl="5" algn="l" rtl="0">
       <a:lnSpc>
         <a:spcPct val="100000"/>
       </a:lnSpc>
@@ -175,7 +175,7 @@
         <a:srgbClr val="000000"/>
       </a:buClr>
       <a:buFont typeface="Arial"/>
-      <a:defRPr b="0" i="0" sz="1400" u="none" cap="none" strike="noStrike">
+      <a:defRPr sz="1400" b="0" i="0" u="none" strike="noStrike" cap="none">
         <a:solidFill>
           <a:srgbClr val="000000"/>
         </a:solidFill>
@@ -185,7 +185,7 @@
         <a:sym typeface="Arial"/>
       </a:defRPr>
     </a:lvl6pPr>
-    <a:lvl7pPr lvl="6" marR="0" rtl="0" algn="l">
+    <a:lvl7pPr marR="0" lvl="6" algn="l" rtl="0">
       <a:lnSpc>
         <a:spcPct val="100000"/>
       </a:lnSpc>
@@ -199,7 +199,7 @@
         <a:srgbClr val="000000"/>
       </a:buClr>
       <a:buFont typeface="Arial"/>
-      <a:defRPr b="0" i="0" sz="1400" u="none" cap="none" strike="noStrike">
+      <a:defRPr sz="1400" b="0" i="0" u="none" strike="noStrike" cap="none">
         <a:solidFill>
           <a:srgbClr val="000000"/>
         </a:solidFill>
@@ -209,7 +209,7 @@
         <a:sym typeface="Arial"/>
       </a:defRPr>
     </a:lvl7pPr>
-    <a:lvl8pPr lvl="7" marR="0" rtl="0" algn="l">
+    <a:lvl8pPr marR="0" lvl="7" algn="l" rtl="0">
       <a:lnSpc>
         <a:spcPct val="100000"/>
       </a:lnSpc>
@@ -223,7 +223,7 @@
         <a:srgbClr val="000000"/>
       </a:buClr>
       <a:buFont typeface="Arial"/>
-      <a:defRPr b="0" i="0" sz="1400" u="none" cap="none" strike="noStrike">
+      <a:defRPr sz="1400" b="0" i="0" u="none" strike="noStrike" cap="none">
         <a:solidFill>
           <a:srgbClr val="000000"/>
         </a:solidFill>
@@ -233,7 +233,7 @@
         <a:sym typeface="Arial"/>
       </a:defRPr>
     </a:lvl8pPr>
-    <a:lvl9pPr lvl="8" marR="0" rtl="0" algn="l">
+    <a:lvl9pPr marR="0" lvl="8" algn="l" rtl="0">
       <a:lnSpc>
         <a:spcPct val="100000"/>
       </a:lnSpc>
@@ -247,7 +247,7 @@
         <a:srgbClr val="000000"/>
       </a:buClr>
       <a:buFont typeface="Arial"/>
-      <a:defRPr b="0" i="0" sz="1400" u="none" cap="none" strike="noStrike">
+      <a:defRPr sz="1400" b="0" i="0" u="none" strike="noStrike" cap="none">
         <a:solidFill>
           <a:srgbClr val="000000"/>
         </a:solidFill>
@@ -260,7 +260,7 @@
   </p:defaultTextStyle>
   <p:extLst>
     <p:ext uri="{EFAFB233-063F-42B5-8137-9DF3F51BA10A}">
-      <p15:sldGuideLst>
+      <p15:sldGuideLst xmlns:p15="http://schemas.microsoft.com/office/powerpoint/2012/main">
         <p15:guide id="1" orient="horz" pos="1620">
           <p15:clr>
             <a:srgbClr val="747775"/>
@@ -278,11 +278,16 @@
 </file>
 
 <file path=ppt/notesMasters/notesMaster1.xml><?xml version="1.0" encoding="utf-8"?>
-<p:notesMaster xmlns:a="http://schemas.openxmlformats.org/drawingml/2006/main" xmlns:r="http://schemas.openxmlformats.org/officeDocument/2006/relationships" xmlns:mc="http://schemas.openxmlformats.org/markup-compatibility/2006" xmlns:mv="urn:schemas-microsoft-com:mac:vml" xmlns:p="http://schemas.openxmlformats.org/presentationml/2006/main" xmlns:c="http://schemas.openxmlformats.org/drawingml/2006/chart" xmlns:dgm="http://schemas.openxmlformats.org/drawingml/2006/diagram" xmlns:o="urn:schemas-microsoft-com:office:office" xmlns:v="urn:schemas-microsoft-com:vml" xmlns:pvml="urn:schemas-microsoft-com:office:powerpoint" xmlns:com="http://schemas.openxmlformats.org/drawingml/2006/compatibility" xmlns:p14="http://schemas.microsoft.com/office/powerpoint/2010/main" xmlns:p15="http://schemas.microsoft.com/office/powerpoint/2012/main" xmlns:ahyp="http://schemas.microsoft.com/office/drawing/2018/hyperlinkcolor">
+<p:notesMaster xmlns:a="http://schemas.openxmlformats.org/drawingml/2006/main" xmlns:r="http://schemas.openxmlformats.org/officeDocument/2006/relationships" xmlns:p="http://schemas.openxmlformats.org/presentationml/2006/main">
   <p:cSld>
+    <p:bg>
+      <p:bgRef idx="1001">
+        <a:schemeClr val="bg1"/>
+      </p:bgRef>
+    </p:bg>
     <p:spTree>
       <p:nvGrpSpPr>
-        <p:cNvPr id="2" name="Shape 2"/>
+        <p:cNvPr id="1" name="Shape 2"/>
         <p:cNvGrpSpPr/>
         <p:nvPr/>
       </p:nvGrpSpPr>
@@ -297,9 +302,11 @@
       <p:sp>
         <p:nvSpPr>
           <p:cNvPr id="3" name="Google Shape;3;n"/>
-          <p:cNvSpPr/>
+          <p:cNvSpPr>
+            <a:spLocks noGrp="1" noRot="1" noChangeAspect="1"/>
+          </p:cNvSpPr>
           <p:nvPr>
-            <p:ph idx="2" type="sldImg"/>
+            <p:ph type="sldImg" idx="2"/>
           </p:nvPr>
         </p:nvSpPr>
         <p:spPr>
@@ -308,9 +315,13 @@
             <a:ext cx="6096075" cy="3429000"/>
           </a:xfrm>
           <a:custGeom>
-            <a:rect b="b" l="l" r="r" t="t"/>
+            <a:avLst/>
+            <a:gdLst/>
+            <a:ahLst/>
+            <a:cxnLst/>
+            <a:rect l="l" t="t" r="r" b="b"/>
             <a:pathLst>
-              <a:path extrusionOk="0" h="120000" w="120000">
+              <a:path w="120000" h="120000" extrusionOk="0">
                 <a:moveTo>
                   <a:pt x="0" y="0"/>
                 </a:moveTo>
@@ -328,23 +339,25 @@
             </a:pathLst>
           </a:custGeom>
           <a:noFill/>
-          <a:ln cap="flat" cmpd="sng" w="9525">
+          <a:ln w="9525" cap="flat" cmpd="sng">
             <a:solidFill>
               <a:srgbClr val="000000"/>
             </a:solidFill>
             <a:prstDash val="solid"/>
             <a:round/>
-            <a:headEnd len="sm" w="sm" type="none"/>
-            <a:tailEnd len="sm" w="sm" type="none"/>
+            <a:headEnd type="none" w="sm" len="sm"/>
+            <a:tailEnd type="none" w="sm" len="sm"/>
           </a:ln>
         </p:spPr>
       </p:sp>
       <p:sp>
         <p:nvSpPr>
           <p:cNvPr id="4" name="Google Shape;4;n"/>
-          <p:cNvSpPr txBox="1"/>
+          <p:cNvSpPr txBox="1">
+            <a:spLocks noGrp="1"/>
+          </p:cNvSpPr>
           <p:nvPr>
-            <p:ph idx="1" type="body"/>
+            <p:ph type="body" idx="1"/>
           </p:nvPr>
         </p:nvSpPr>
         <p:spPr>
@@ -361,11 +374,11 @@
           </a:ln>
         </p:spPr>
         <p:txBody>
-          <a:bodyPr anchorCtr="0" anchor="t" bIns="91425" lIns="91425" spcFirstLastPara="1" rIns="91425" wrap="square" tIns="91425">
+          <a:bodyPr spcFirstLastPara="1" wrap="square" lIns="91425" tIns="91425" rIns="91425" bIns="91425" anchor="t" anchorCtr="0">
             <a:noAutofit/>
           </a:bodyPr>
           <a:lstStyle>
-            <a:lvl1pPr indent="-298450" lvl="0" marL="457200">
+            <a:lvl1pPr marL="457200" lvl="0" indent="-298450">
               <a:spcBef>
                 <a:spcPts val="0"/>
               </a:spcBef>
@@ -376,7 +389,7 @@
               <a:buChar char="●"/>
               <a:defRPr sz="1100"/>
             </a:lvl1pPr>
-            <a:lvl2pPr indent="-298450" lvl="1" marL="914400">
+            <a:lvl2pPr marL="914400" lvl="1" indent="-298450">
               <a:spcBef>
                 <a:spcPts val="0"/>
               </a:spcBef>
@@ -387,7 +400,7 @@
               <a:buChar char="○"/>
               <a:defRPr sz="1100"/>
             </a:lvl2pPr>
-            <a:lvl3pPr indent="-298450" lvl="2" marL="1371600">
+            <a:lvl3pPr marL="1371600" lvl="2" indent="-298450">
               <a:spcBef>
                 <a:spcPts val="0"/>
               </a:spcBef>
@@ -398,7 +411,7 @@
               <a:buChar char="■"/>
               <a:defRPr sz="1100"/>
             </a:lvl3pPr>
-            <a:lvl4pPr indent="-298450" lvl="3" marL="1828800">
+            <a:lvl4pPr marL="1828800" lvl="3" indent="-298450">
               <a:spcBef>
                 <a:spcPts val="0"/>
               </a:spcBef>
@@ -409,7 +422,7 @@
               <a:buChar char="●"/>
               <a:defRPr sz="1100"/>
             </a:lvl4pPr>
-            <a:lvl5pPr indent="-298450" lvl="4" marL="2286000">
+            <a:lvl5pPr marL="2286000" lvl="4" indent="-298450">
               <a:spcBef>
                 <a:spcPts val="0"/>
               </a:spcBef>
@@ -420,7 +433,7 @@
               <a:buChar char="○"/>
               <a:defRPr sz="1100"/>
             </a:lvl5pPr>
-            <a:lvl6pPr indent="-298450" lvl="5" marL="2743200">
+            <a:lvl6pPr marL="2743200" lvl="5" indent="-298450">
               <a:spcBef>
                 <a:spcPts val="0"/>
               </a:spcBef>
@@ -431,7 +444,7 @@
               <a:buChar char="■"/>
               <a:defRPr sz="1100"/>
             </a:lvl6pPr>
-            <a:lvl7pPr indent="-298450" lvl="6" marL="3200400">
+            <a:lvl7pPr marL="3200400" lvl="6" indent="-298450">
               <a:spcBef>
                 <a:spcPts val="0"/>
               </a:spcBef>
@@ -442,7 +455,7 @@
               <a:buChar char="●"/>
               <a:defRPr sz="1100"/>
             </a:lvl7pPr>
-            <a:lvl8pPr indent="-298450" lvl="7" marL="3657600">
+            <a:lvl8pPr marL="3657600" lvl="7" indent="-298450">
               <a:spcBef>
                 <a:spcPts val="0"/>
               </a:spcBef>
@@ -453,7 +466,7 @@
               <a:buChar char="○"/>
               <a:defRPr sz="1100"/>
             </a:lvl8pPr>
-            <a:lvl9pPr indent="-298450" lvl="8" marL="4114800">
+            <a:lvl9pPr marL="4114800" lvl="8" indent="-298450">
               <a:spcBef>
                 <a:spcPts val="0"/>
               </a:spcBef>
@@ -465,14 +478,16 @@
               <a:defRPr sz="1100"/>
             </a:lvl9pPr>
           </a:lstStyle>
-          <a:p/>
+          <a:p>
+            <a:endParaRPr/>
+          </a:p>
         </p:txBody>
       </p:sp>
     </p:spTree>
   </p:cSld>
-  <p:clrMap accent1="accent1" accent2="accent2" accent3="accent3" accent4="accent4" accent5="accent5" accent6="accent6" bg1="lt1" bg2="dk2" tx1="dk1" tx2="lt2" folHlink="folHlink" hlink="hlink"/>
+  <p:clrMap bg1="lt1" tx1="dk1" bg2="dk2" tx2="lt2" accent1="accent1" accent2="accent2" accent3="accent3" accent4="accent4" accent5="accent5" accent6="accent6" hlink="hlink" folHlink="folHlink"/>
   <p:notesStyle>
-    <a:defPPr lvl="0" marR="0" rtl="0" algn="l">
+    <a:defPPr marR="0" lvl="0" algn="l" rtl="0">
       <a:lnSpc>
         <a:spcPct val="100000"/>
       </a:lnSpc>
@@ -483,7 +498,7 @@
         <a:spcPts val="0"/>
       </a:spcAft>
     </a:defPPr>
-    <a:lvl1pPr lvl="0" marR="0" rtl="0" algn="l">
+    <a:lvl1pPr marR="0" lvl="0" algn="l" rtl="0">
       <a:lnSpc>
         <a:spcPct val="100000"/>
       </a:lnSpc>
@@ -497,7 +512,7 @@
         <a:srgbClr val="000000"/>
       </a:buClr>
       <a:buFont typeface="Arial"/>
-      <a:defRPr b="0" i="0" sz="1400" u="none" cap="none" strike="noStrike">
+      <a:defRPr sz="1400" b="0" i="0" u="none" strike="noStrike" cap="none">
         <a:solidFill>
           <a:srgbClr val="000000"/>
         </a:solidFill>
@@ -507,7 +522,7 @@
         <a:sym typeface="Arial"/>
       </a:defRPr>
     </a:lvl1pPr>
-    <a:lvl2pPr lvl="1" marR="0" rtl="0" algn="l">
+    <a:lvl2pPr marR="0" lvl="1" algn="l" rtl="0">
       <a:lnSpc>
         <a:spcPct val="100000"/>
       </a:lnSpc>
@@ -521,7 +536,7 @@
         <a:srgbClr val="000000"/>
       </a:buClr>
       <a:buFont typeface="Arial"/>
-      <a:defRPr b="0" i="0" sz="1400" u="none" cap="none" strike="noStrike">
+      <a:defRPr sz="1400" b="0" i="0" u="none" strike="noStrike" cap="none">
         <a:solidFill>
           <a:srgbClr val="000000"/>
         </a:solidFill>
@@ -531,7 +546,7 @@
         <a:sym typeface="Arial"/>
       </a:defRPr>
     </a:lvl2pPr>
-    <a:lvl3pPr lvl="2" marR="0" rtl="0" algn="l">
+    <a:lvl3pPr marR="0" lvl="2" algn="l" rtl="0">
       <a:lnSpc>
         <a:spcPct val="100000"/>
       </a:lnSpc>
@@ -545,7 +560,7 @@
         <a:srgbClr val="000000"/>
       </a:buClr>
       <a:buFont typeface="Arial"/>
-      <a:defRPr b="0" i="0" sz="1400" u="none" cap="none" strike="noStrike">
+      <a:defRPr sz="1400" b="0" i="0" u="none" strike="noStrike" cap="none">
         <a:solidFill>
           <a:srgbClr val="000000"/>
         </a:solidFill>
@@ -555,7 +570,7 @@
         <a:sym typeface="Arial"/>
       </a:defRPr>
     </a:lvl3pPr>
-    <a:lvl4pPr lvl="3" marR="0" rtl="0" algn="l">
+    <a:lvl4pPr marR="0" lvl="3" algn="l" rtl="0">
       <a:lnSpc>
         <a:spcPct val="100000"/>
       </a:lnSpc>
@@ -569,7 +584,7 @@
         <a:srgbClr val="000000"/>
       </a:buClr>
       <a:buFont typeface="Arial"/>
-      <a:defRPr b="0" i="0" sz="1400" u="none" cap="none" strike="noStrike">
+      <a:defRPr sz="1400" b="0" i="0" u="none" strike="noStrike" cap="none">
         <a:solidFill>
           <a:srgbClr val="000000"/>
         </a:solidFill>
@@ -579,7 +594,7 @@
         <a:sym typeface="Arial"/>
       </a:defRPr>
     </a:lvl4pPr>
-    <a:lvl5pPr lvl="4" marR="0" rtl="0" algn="l">
+    <a:lvl5pPr marR="0" lvl="4" algn="l" rtl="0">
       <a:lnSpc>
         <a:spcPct val="100000"/>
       </a:lnSpc>
@@ -593,7 +608,7 @@
         <a:srgbClr val="000000"/>
       </a:buClr>
       <a:buFont typeface="Arial"/>
-      <a:defRPr b="0" i="0" sz="1400" u="none" cap="none" strike="noStrike">
+      <a:defRPr sz="1400" b="0" i="0" u="none" strike="noStrike" cap="none">
         <a:solidFill>
           <a:srgbClr val="000000"/>
         </a:solidFill>
@@ -603,7 +618,7 @@
         <a:sym typeface="Arial"/>
       </a:defRPr>
     </a:lvl5pPr>
-    <a:lvl6pPr lvl="5" marR="0" rtl="0" algn="l">
+    <a:lvl6pPr marR="0" lvl="5" algn="l" rtl="0">
       <a:lnSpc>
         <a:spcPct val="100000"/>
       </a:lnSpc>
@@ -617,7 +632,7 @@
         <a:srgbClr val="000000"/>
       </a:buClr>
       <a:buFont typeface="Arial"/>
-      <a:defRPr b="0" i="0" sz="1400" u="none" cap="none" strike="noStrike">
+      <a:defRPr sz="1400" b="0" i="0" u="none" strike="noStrike" cap="none">
         <a:solidFill>
           <a:srgbClr val="000000"/>
         </a:solidFill>
@@ -627,7 +642,7 @@
         <a:sym typeface="Arial"/>
       </a:defRPr>
     </a:lvl6pPr>
-    <a:lvl7pPr lvl="6" marR="0" rtl="0" algn="l">
+    <a:lvl7pPr marR="0" lvl="6" algn="l" rtl="0">
       <a:lnSpc>
         <a:spcPct val="100000"/>
       </a:lnSpc>
@@ -641,7 +656,7 @@
         <a:srgbClr val="000000"/>
       </a:buClr>
       <a:buFont typeface="Arial"/>
-      <a:defRPr b="0" i="0" sz="1400" u="none" cap="none" strike="noStrike">
+      <a:defRPr sz="1400" b="0" i="0" u="none" strike="noStrike" cap="none">
         <a:solidFill>
           <a:srgbClr val="000000"/>
         </a:solidFill>
@@ -651,7 +666,7 @@
         <a:sym typeface="Arial"/>
       </a:defRPr>
     </a:lvl7pPr>
-    <a:lvl8pPr lvl="7" marR="0" rtl="0" algn="l">
+    <a:lvl8pPr marR="0" lvl="7" algn="l" rtl="0">
       <a:lnSpc>
         <a:spcPct val="100000"/>
       </a:lnSpc>
@@ -665,7 +680,7 @@
         <a:srgbClr val="000000"/>
       </a:buClr>
       <a:buFont typeface="Arial"/>
-      <a:defRPr b="0" i="0" sz="1400" u="none" cap="none" strike="noStrike">
+      <a:defRPr sz="1400" b="0" i="0" u="none" strike="noStrike" cap="none">
         <a:solidFill>
           <a:srgbClr val="000000"/>
         </a:solidFill>
@@ -675,7 +690,7 @@
         <a:sym typeface="Arial"/>
       </a:defRPr>
     </a:lvl8pPr>
-    <a:lvl9pPr lvl="8" marR="0" rtl="0" algn="l">
+    <a:lvl9pPr marR="0" lvl="8" algn="l" rtl="0">
       <a:lnSpc>
         <a:spcPct val="100000"/>
       </a:lnSpc>
@@ -689,7 +704,7 @@
         <a:srgbClr val="000000"/>
       </a:buClr>
       <a:buFont typeface="Arial"/>
-      <a:defRPr b="0" i="0" sz="1400" u="none" cap="none" strike="noStrike">
+      <a:defRPr sz="1400" b="0" i="0" u="none" strike="noStrike" cap="none">
         <a:solidFill>
           <a:srgbClr val="000000"/>
         </a:solidFill>
@@ -704,11 +719,11 @@
 </file>
 
 <file path=ppt/notesSlides/notesSlide1.xml><?xml version="1.0" encoding="utf-8"?>
-<p:notes xmlns:a="http://schemas.openxmlformats.org/drawingml/2006/main" xmlns:r="http://schemas.openxmlformats.org/officeDocument/2006/relationships" xmlns:mc="http://schemas.openxmlformats.org/markup-compatibility/2006" xmlns:mv="urn:schemas-microsoft-com:mac:vml" xmlns:p="http://schemas.openxmlformats.org/presentationml/2006/main" xmlns:c="http://schemas.openxmlformats.org/drawingml/2006/chart" xmlns:dgm="http://schemas.openxmlformats.org/drawingml/2006/diagram" xmlns:o="urn:schemas-microsoft-com:office:office" xmlns:v="urn:schemas-microsoft-com:vml" xmlns:pvml="urn:schemas-microsoft-com:office:powerpoint" xmlns:com="http://schemas.openxmlformats.org/drawingml/2006/compatibility" xmlns:p14="http://schemas.microsoft.com/office/powerpoint/2010/main" xmlns:p15="http://schemas.microsoft.com/office/powerpoint/2012/main" xmlns:ahyp="http://schemas.microsoft.com/office/drawing/2018/hyperlinkcolor" showMasterPhAnim="0" showMasterSp="0">
+<p:notes xmlns:a="http://schemas.openxmlformats.org/drawingml/2006/main" xmlns:r="http://schemas.openxmlformats.org/officeDocument/2006/relationships" xmlns:p="http://schemas.openxmlformats.org/presentationml/2006/main" showMasterSp="0" showMasterPhAnim="0">
   <p:cSld>
     <p:spTree>
       <p:nvGrpSpPr>
-        <p:cNvPr id="81" name="Shape 81"/>
+        <p:cNvPr id="1" name="Shape 81"/>
         <p:cNvGrpSpPr/>
         <p:nvPr/>
       </p:nvGrpSpPr>
@@ -723,9 +738,11 @@
       <p:sp>
         <p:nvSpPr>
           <p:cNvPr id="82" name="Google Shape;82;p:notes"/>
-          <p:cNvSpPr/>
+          <p:cNvSpPr>
+            <a:spLocks noGrp="1" noRot="1" noChangeAspect="1"/>
+          </p:cNvSpPr>
           <p:nvPr>
-            <p:ph idx="2" type="sldImg"/>
+            <p:ph type="sldImg" idx="2"/>
           </p:nvPr>
         </p:nvSpPr>
         <p:spPr>
@@ -734,9 +751,13 @@
             <a:ext cx="6096075" cy="3429000"/>
           </a:xfrm>
           <a:custGeom>
-            <a:rect b="b" l="l" r="r" t="t"/>
+            <a:avLst/>
+            <a:gdLst/>
+            <a:ahLst/>
+            <a:cxnLst/>
+            <a:rect l="l" t="t" r="r" b="b"/>
             <a:pathLst>
-              <a:path extrusionOk="0" h="120000" w="120000">
+              <a:path w="120000" h="120000" extrusionOk="0">
                 <a:moveTo>
                   <a:pt x="0" y="0"/>
                 </a:moveTo>
@@ -758,9 +779,11 @@
       <p:sp>
         <p:nvSpPr>
           <p:cNvPr id="83" name="Google Shape;83;p:notes"/>
-          <p:cNvSpPr txBox="1"/>
+          <p:cNvSpPr txBox="1">
+            <a:spLocks noGrp="1"/>
+          </p:cNvSpPr>
           <p:nvPr>
-            <p:ph idx="1" type="body"/>
+            <p:ph type="body" idx="1"/>
           </p:nvPr>
         </p:nvSpPr>
         <p:spPr>
@@ -773,12 +796,12 @@
           </a:prstGeom>
         </p:spPr>
         <p:txBody>
-          <a:bodyPr anchorCtr="0" anchor="t" bIns="91425" lIns="91425" spcFirstLastPara="1" rIns="91425" wrap="square" tIns="91425">
+          <a:bodyPr spcFirstLastPara="1" wrap="square" lIns="91425" tIns="91425" rIns="91425" bIns="91425" anchor="t" anchorCtr="0">
             <a:noAutofit/>
           </a:bodyPr>
           <a:lstStyle/>
           <a:p>
-            <a:pPr indent="0" lvl="0" marL="0" rtl="0" algn="l">
+            <a:pPr marL="0" lvl="0" indent="0" algn="l" rtl="0">
               <a:spcBef>
                 <a:spcPts val="0"/>
               </a:spcBef>
@@ -787,9 +810,6 @@
               </a:spcAft>
               <a:buNone/>
             </a:pPr>
-            <a:r>
-              <a:t/>
-            </a:r>
             <a:endParaRPr/>
           </a:p>
         </p:txBody>
@@ -803,11 +823,11 @@
 </file>
 
 <file path=ppt/notesSlides/notesSlide2.xml><?xml version="1.0" encoding="utf-8"?>
-<p:notes xmlns:a="http://schemas.openxmlformats.org/drawingml/2006/main" xmlns:r="http://schemas.openxmlformats.org/officeDocument/2006/relationships" xmlns:mc="http://schemas.openxmlformats.org/markup-compatibility/2006" xmlns:mv="urn:schemas-microsoft-com:mac:vml" xmlns:p="http://schemas.openxmlformats.org/presentationml/2006/main" xmlns:c="http://schemas.openxmlformats.org/drawingml/2006/chart" xmlns:dgm="http://schemas.openxmlformats.org/drawingml/2006/diagram" xmlns:o="urn:schemas-microsoft-com:office:office" xmlns:v="urn:schemas-microsoft-com:vml" xmlns:pvml="urn:schemas-microsoft-com:office:powerpoint" xmlns:com="http://schemas.openxmlformats.org/drawingml/2006/compatibility" xmlns:p14="http://schemas.microsoft.com/office/powerpoint/2010/main" xmlns:p15="http://schemas.microsoft.com/office/powerpoint/2012/main" xmlns:ahyp="http://schemas.microsoft.com/office/drawing/2018/hyperlinkcolor" showMasterPhAnim="0" showMasterSp="0">
+<p:notes xmlns:a="http://schemas.openxmlformats.org/drawingml/2006/main" xmlns:r="http://schemas.openxmlformats.org/officeDocument/2006/relationships" xmlns:p="http://schemas.openxmlformats.org/presentationml/2006/main" showMasterSp="0" showMasterPhAnim="0">
   <p:cSld>
     <p:spTree>
       <p:nvGrpSpPr>
-        <p:cNvPr id="87" name="Shape 87"/>
+        <p:cNvPr id="1" name="Shape 87"/>
         <p:cNvGrpSpPr/>
         <p:nvPr/>
       </p:nvGrpSpPr>
@@ -822,9 +842,11 @@
       <p:sp>
         <p:nvSpPr>
           <p:cNvPr id="88" name="Google Shape;88;g2ce80db796a_0_315:notes"/>
-          <p:cNvSpPr/>
+          <p:cNvSpPr>
+            <a:spLocks noGrp="1" noRot="1" noChangeAspect="1"/>
+          </p:cNvSpPr>
           <p:nvPr>
-            <p:ph idx="2" type="sldImg"/>
+            <p:ph type="sldImg" idx="2"/>
           </p:nvPr>
         </p:nvSpPr>
         <p:spPr>
@@ -833,9 +855,13 @@
             <a:ext cx="6096000" cy="3429000"/>
           </a:xfrm>
           <a:custGeom>
-            <a:rect b="b" l="l" r="r" t="t"/>
+            <a:avLst/>
+            <a:gdLst/>
+            <a:ahLst/>
+            <a:cxnLst/>
+            <a:rect l="l" t="t" r="r" b="b"/>
             <a:pathLst>
-              <a:path extrusionOk="0" h="120000" w="120000">
+              <a:path w="120000" h="120000" extrusionOk="0">
                 <a:moveTo>
                   <a:pt x="0" y="0"/>
                 </a:moveTo>
@@ -857,9 +883,11 @@
       <p:sp>
         <p:nvSpPr>
           <p:cNvPr id="89" name="Google Shape;89;g2ce80db796a_0_315:notes"/>
-          <p:cNvSpPr txBox="1"/>
+          <p:cNvSpPr txBox="1">
+            <a:spLocks noGrp="1"/>
+          </p:cNvSpPr>
           <p:nvPr>
-            <p:ph idx="1" type="body"/>
+            <p:ph type="body" idx="1"/>
           </p:nvPr>
         </p:nvSpPr>
         <p:spPr>
@@ -872,12 +900,12 @@
           </a:prstGeom>
         </p:spPr>
         <p:txBody>
-          <a:bodyPr anchorCtr="0" anchor="t" bIns="91425" lIns="91425" spcFirstLastPara="1" rIns="91425" wrap="square" tIns="91425">
+          <a:bodyPr spcFirstLastPara="1" wrap="square" lIns="91425" tIns="91425" rIns="91425" bIns="91425" anchor="t" anchorCtr="0">
             <a:noAutofit/>
           </a:bodyPr>
           <a:lstStyle/>
           <a:p>
-            <a:pPr indent="0" lvl="0" marL="0" rtl="0" algn="l">
+            <a:pPr marL="0" lvl="0" indent="0" algn="l" rtl="0">
               <a:spcBef>
                 <a:spcPts val="0"/>
               </a:spcBef>
@@ -886,9 +914,6 @@
               </a:spcAft>
               <a:buNone/>
             </a:pPr>
-            <a:r>
-              <a:t/>
-            </a:r>
             <a:endParaRPr/>
           </a:p>
         </p:txBody>
@@ -902,11 +927,11 @@
 </file>
 
 <file path=ppt/notesSlides/notesSlide3.xml><?xml version="1.0" encoding="utf-8"?>
-<p:notes xmlns:a="http://schemas.openxmlformats.org/drawingml/2006/main" xmlns:r="http://schemas.openxmlformats.org/officeDocument/2006/relationships" xmlns:mc="http://schemas.openxmlformats.org/markup-compatibility/2006" xmlns:mv="urn:schemas-microsoft-com:mac:vml" xmlns:p="http://schemas.openxmlformats.org/presentationml/2006/main" xmlns:c="http://schemas.openxmlformats.org/drawingml/2006/chart" xmlns:dgm="http://schemas.openxmlformats.org/drawingml/2006/diagram" xmlns:o="urn:schemas-microsoft-com:office:office" xmlns:v="urn:schemas-microsoft-com:vml" xmlns:pvml="urn:schemas-microsoft-com:office:powerpoint" xmlns:com="http://schemas.openxmlformats.org/drawingml/2006/compatibility" xmlns:p14="http://schemas.microsoft.com/office/powerpoint/2010/main" xmlns:p15="http://schemas.microsoft.com/office/powerpoint/2012/main" xmlns:ahyp="http://schemas.microsoft.com/office/drawing/2018/hyperlinkcolor" showMasterPhAnim="0" showMasterSp="0">
+<p:notes xmlns:a="http://schemas.openxmlformats.org/drawingml/2006/main" xmlns:r="http://schemas.openxmlformats.org/officeDocument/2006/relationships" xmlns:p="http://schemas.openxmlformats.org/presentationml/2006/main" showMasterSp="0" showMasterPhAnim="0">
   <p:cSld>
     <p:spTree>
       <p:nvGrpSpPr>
-        <p:cNvPr id="93" name="Shape 93"/>
+        <p:cNvPr id="1" name="Shape 93"/>
         <p:cNvGrpSpPr/>
         <p:nvPr/>
       </p:nvGrpSpPr>
@@ -921,9 +946,11 @@
       <p:sp>
         <p:nvSpPr>
           <p:cNvPr id="94" name="Google Shape;94;g2cf57075b03_1_1:notes"/>
-          <p:cNvSpPr/>
+          <p:cNvSpPr>
+            <a:spLocks noGrp="1" noRot="1" noChangeAspect="1"/>
+          </p:cNvSpPr>
           <p:nvPr>
-            <p:ph idx="2" type="sldImg"/>
+            <p:ph type="sldImg" idx="2"/>
           </p:nvPr>
         </p:nvSpPr>
         <p:spPr>
@@ -932,9 +959,13 @@
             <a:ext cx="6096000" cy="3429000"/>
           </a:xfrm>
           <a:custGeom>
-            <a:rect b="b" l="l" r="r" t="t"/>
+            <a:avLst/>
+            <a:gdLst/>
+            <a:ahLst/>
+            <a:cxnLst/>
+            <a:rect l="l" t="t" r="r" b="b"/>
             <a:pathLst>
-              <a:path extrusionOk="0" h="120000" w="120000">
+              <a:path w="120000" h="120000" extrusionOk="0">
                 <a:moveTo>
                   <a:pt x="0" y="0"/>
                 </a:moveTo>
@@ -956,9 +987,11 @@
       <p:sp>
         <p:nvSpPr>
           <p:cNvPr id="95" name="Google Shape;95;g2cf57075b03_1_1:notes"/>
-          <p:cNvSpPr txBox="1"/>
+          <p:cNvSpPr txBox="1">
+            <a:spLocks noGrp="1"/>
+          </p:cNvSpPr>
           <p:nvPr>
-            <p:ph idx="1" type="body"/>
+            <p:ph type="body" idx="1"/>
           </p:nvPr>
         </p:nvSpPr>
         <p:spPr>
@@ -971,12 +1004,12 @@
           </a:prstGeom>
         </p:spPr>
         <p:txBody>
-          <a:bodyPr anchorCtr="0" anchor="t" bIns="91425" lIns="91425" spcFirstLastPara="1" rIns="91425" wrap="square" tIns="91425">
+          <a:bodyPr spcFirstLastPara="1" wrap="square" lIns="91425" tIns="91425" rIns="91425" bIns="91425" anchor="t" anchorCtr="0">
             <a:noAutofit/>
           </a:bodyPr>
           <a:lstStyle/>
           <a:p>
-            <a:pPr indent="0" lvl="0" marL="0" rtl="0" algn="l">
+            <a:pPr marL="0" lvl="0" indent="0" algn="l" rtl="0">
               <a:spcBef>
                 <a:spcPts val="0"/>
               </a:spcBef>
@@ -985,9 +1018,6 @@
               </a:spcAft>
               <a:buNone/>
             </a:pPr>
-            <a:r>
-              <a:t/>
-            </a:r>
             <a:endParaRPr/>
           </a:p>
         </p:txBody>
@@ -1001,11 +1031,11 @@
 </file>
 
 <file path=ppt/notesSlides/notesSlide4.xml><?xml version="1.0" encoding="utf-8"?>
-<p:notes xmlns:a="http://schemas.openxmlformats.org/drawingml/2006/main" xmlns:r="http://schemas.openxmlformats.org/officeDocument/2006/relationships" xmlns:mc="http://schemas.openxmlformats.org/markup-compatibility/2006" xmlns:mv="urn:schemas-microsoft-com:mac:vml" xmlns:p="http://schemas.openxmlformats.org/presentationml/2006/main" xmlns:c="http://schemas.openxmlformats.org/drawingml/2006/chart" xmlns:dgm="http://schemas.openxmlformats.org/drawingml/2006/diagram" xmlns:o="urn:schemas-microsoft-com:office:office" xmlns:v="urn:schemas-microsoft-com:vml" xmlns:pvml="urn:schemas-microsoft-com:office:powerpoint" xmlns:com="http://schemas.openxmlformats.org/drawingml/2006/compatibility" xmlns:p14="http://schemas.microsoft.com/office/powerpoint/2010/main" xmlns:p15="http://schemas.microsoft.com/office/powerpoint/2012/main" xmlns:ahyp="http://schemas.microsoft.com/office/drawing/2018/hyperlinkcolor" showMasterPhAnim="0" showMasterSp="0">
+<p:notes xmlns:a="http://schemas.openxmlformats.org/drawingml/2006/main" xmlns:r="http://schemas.openxmlformats.org/officeDocument/2006/relationships" xmlns:p="http://schemas.openxmlformats.org/presentationml/2006/main" showMasterSp="0" showMasterPhAnim="0">
   <p:cSld>
     <p:spTree>
       <p:nvGrpSpPr>
-        <p:cNvPr id="99" name="Shape 99"/>
+        <p:cNvPr id="1" name="Shape 99"/>
         <p:cNvGrpSpPr/>
         <p:nvPr/>
       </p:nvGrpSpPr>
@@ -1020,9 +1050,11 @@
       <p:sp>
         <p:nvSpPr>
           <p:cNvPr id="100" name="Google Shape;100;g2cf57075b03_1_10:notes"/>
-          <p:cNvSpPr/>
+          <p:cNvSpPr>
+            <a:spLocks noGrp="1" noRot="1" noChangeAspect="1"/>
+          </p:cNvSpPr>
           <p:nvPr>
-            <p:ph idx="2" type="sldImg"/>
+            <p:ph type="sldImg" idx="2"/>
           </p:nvPr>
         </p:nvSpPr>
         <p:spPr>
@@ -1031,9 +1063,13 @@
             <a:ext cx="6096000" cy="3429000"/>
           </a:xfrm>
           <a:custGeom>
-            <a:rect b="b" l="l" r="r" t="t"/>
+            <a:avLst/>
+            <a:gdLst/>
+            <a:ahLst/>
+            <a:cxnLst/>
+            <a:rect l="l" t="t" r="r" b="b"/>
             <a:pathLst>
-              <a:path extrusionOk="0" h="120000" w="120000">
+              <a:path w="120000" h="120000" extrusionOk="0">
                 <a:moveTo>
                   <a:pt x="0" y="0"/>
                 </a:moveTo>
@@ -1055,9 +1091,11 @@
       <p:sp>
         <p:nvSpPr>
           <p:cNvPr id="101" name="Google Shape;101;g2cf57075b03_1_10:notes"/>
-          <p:cNvSpPr txBox="1"/>
+          <p:cNvSpPr txBox="1">
+            <a:spLocks noGrp="1"/>
+          </p:cNvSpPr>
           <p:nvPr>
-            <p:ph idx="1" type="body"/>
+            <p:ph type="body" idx="1"/>
           </p:nvPr>
         </p:nvSpPr>
         <p:spPr>
@@ -1070,12 +1108,12 @@
           </a:prstGeom>
         </p:spPr>
         <p:txBody>
-          <a:bodyPr anchorCtr="0" anchor="t" bIns="91425" lIns="91425" spcFirstLastPara="1" rIns="91425" wrap="square" tIns="91425">
+          <a:bodyPr spcFirstLastPara="1" wrap="square" lIns="91425" tIns="91425" rIns="91425" bIns="91425" anchor="t" anchorCtr="0">
             <a:noAutofit/>
           </a:bodyPr>
           <a:lstStyle/>
           <a:p>
-            <a:pPr indent="0" lvl="0" marL="0" rtl="0" algn="l">
+            <a:pPr marL="0" lvl="0" indent="0" algn="l" rtl="0">
               <a:spcBef>
                 <a:spcPts val="0"/>
               </a:spcBef>
@@ -1084,9 +1122,6 @@
               </a:spcAft>
               <a:buNone/>
             </a:pPr>
-            <a:r>
-              <a:t/>
-            </a:r>
             <a:endParaRPr/>
           </a:p>
         </p:txBody>
@@ -1100,11 +1135,11 @@
 </file>
 
 <file path=ppt/notesSlides/notesSlide5.xml><?xml version="1.0" encoding="utf-8"?>
-<p:notes xmlns:a="http://schemas.openxmlformats.org/drawingml/2006/main" xmlns:r="http://schemas.openxmlformats.org/officeDocument/2006/relationships" xmlns:mc="http://schemas.openxmlformats.org/markup-compatibility/2006" xmlns:mv="urn:schemas-microsoft-com:mac:vml" xmlns:p="http://schemas.openxmlformats.org/presentationml/2006/main" xmlns:c="http://schemas.openxmlformats.org/drawingml/2006/chart" xmlns:dgm="http://schemas.openxmlformats.org/drawingml/2006/diagram" xmlns:o="urn:schemas-microsoft-com:office:office" xmlns:v="urn:schemas-microsoft-com:vml" xmlns:pvml="urn:schemas-microsoft-com:office:powerpoint" xmlns:com="http://schemas.openxmlformats.org/drawingml/2006/compatibility" xmlns:p14="http://schemas.microsoft.com/office/powerpoint/2010/main" xmlns:p15="http://schemas.microsoft.com/office/powerpoint/2012/main" xmlns:ahyp="http://schemas.microsoft.com/office/drawing/2018/hyperlinkcolor" showMasterPhAnim="0" showMasterSp="0">
+<p:notes xmlns:a="http://schemas.openxmlformats.org/drawingml/2006/main" xmlns:r="http://schemas.openxmlformats.org/officeDocument/2006/relationships" xmlns:p="http://schemas.openxmlformats.org/presentationml/2006/main" showMasterSp="0" showMasterPhAnim="0">
   <p:cSld>
     <p:spTree>
       <p:nvGrpSpPr>
-        <p:cNvPr id="105" name="Shape 105"/>
+        <p:cNvPr id="1" name="Shape 105"/>
         <p:cNvGrpSpPr/>
         <p:nvPr/>
       </p:nvGrpSpPr>
@@ -1119,9 +1154,11 @@
       <p:sp>
         <p:nvSpPr>
           <p:cNvPr id="106" name="Google Shape;106;g2cf57075b03_1_33:notes"/>
-          <p:cNvSpPr/>
+          <p:cNvSpPr>
+            <a:spLocks noGrp="1" noRot="1" noChangeAspect="1"/>
+          </p:cNvSpPr>
           <p:nvPr>
-            <p:ph idx="2" type="sldImg"/>
+            <p:ph type="sldImg" idx="2"/>
           </p:nvPr>
         </p:nvSpPr>
         <p:spPr>
@@ -1130,9 +1167,13 @@
             <a:ext cx="6096000" cy="3429000"/>
           </a:xfrm>
           <a:custGeom>
-            <a:rect b="b" l="l" r="r" t="t"/>
+            <a:avLst/>
+            <a:gdLst/>
+            <a:ahLst/>
+            <a:cxnLst/>
+            <a:rect l="l" t="t" r="r" b="b"/>
             <a:pathLst>
-              <a:path extrusionOk="0" h="120000" w="120000">
+              <a:path w="120000" h="120000" extrusionOk="0">
                 <a:moveTo>
                   <a:pt x="0" y="0"/>
                 </a:moveTo>
@@ -1154,9 +1195,11 @@
       <p:sp>
         <p:nvSpPr>
           <p:cNvPr id="107" name="Google Shape;107;g2cf57075b03_1_33:notes"/>
-          <p:cNvSpPr txBox="1"/>
+          <p:cNvSpPr txBox="1">
+            <a:spLocks noGrp="1"/>
+          </p:cNvSpPr>
           <p:nvPr>
-            <p:ph idx="1" type="body"/>
+            <p:ph type="body" idx="1"/>
           </p:nvPr>
         </p:nvSpPr>
         <p:spPr>
@@ -1169,12 +1212,12 @@
           </a:prstGeom>
         </p:spPr>
         <p:txBody>
-          <a:bodyPr anchorCtr="0" anchor="t" bIns="91425" lIns="91425" spcFirstLastPara="1" rIns="91425" wrap="square" tIns="91425">
+          <a:bodyPr spcFirstLastPara="1" wrap="square" lIns="91425" tIns="91425" rIns="91425" bIns="91425" anchor="t" anchorCtr="0">
             <a:noAutofit/>
           </a:bodyPr>
           <a:lstStyle/>
           <a:p>
-            <a:pPr indent="0" lvl="0" marL="0" rtl="0" algn="l">
+            <a:pPr marL="0" lvl="0" indent="0" algn="l" rtl="0">
               <a:spcBef>
                 <a:spcPts val="0"/>
               </a:spcBef>
@@ -1183,9 +1226,6 @@
               </a:spcAft>
               <a:buNone/>
             </a:pPr>
-            <a:r>
-              <a:t/>
-            </a:r>
             <a:endParaRPr/>
           </a:p>
         </p:txBody>
@@ -1199,11 +1239,11 @@
 </file>
 
 <file path=ppt/notesSlides/notesSlide6.xml><?xml version="1.0" encoding="utf-8"?>
-<p:notes xmlns:a="http://schemas.openxmlformats.org/drawingml/2006/main" xmlns:r="http://schemas.openxmlformats.org/officeDocument/2006/relationships" xmlns:mc="http://schemas.openxmlformats.org/markup-compatibility/2006" xmlns:mv="urn:schemas-microsoft-com:mac:vml" xmlns:p="http://schemas.openxmlformats.org/presentationml/2006/main" xmlns:c="http://schemas.openxmlformats.org/drawingml/2006/chart" xmlns:dgm="http://schemas.openxmlformats.org/drawingml/2006/diagram" xmlns:o="urn:schemas-microsoft-com:office:office" xmlns:v="urn:schemas-microsoft-com:vml" xmlns:pvml="urn:schemas-microsoft-com:office:powerpoint" xmlns:com="http://schemas.openxmlformats.org/drawingml/2006/compatibility" xmlns:p14="http://schemas.microsoft.com/office/powerpoint/2010/main" xmlns:p15="http://schemas.microsoft.com/office/powerpoint/2012/main" xmlns:ahyp="http://schemas.microsoft.com/office/drawing/2018/hyperlinkcolor" showMasterPhAnim="0" showMasterSp="0">
+<p:notes xmlns:a="http://schemas.openxmlformats.org/drawingml/2006/main" xmlns:r="http://schemas.openxmlformats.org/officeDocument/2006/relationships" xmlns:p="http://schemas.openxmlformats.org/presentationml/2006/main" showMasterSp="0" showMasterPhAnim="0">
   <p:cSld>
     <p:spTree>
       <p:nvGrpSpPr>
-        <p:cNvPr id="111" name="Shape 111"/>
+        <p:cNvPr id="1" name="Shape 111"/>
         <p:cNvGrpSpPr/>
         <p:nvPr/>
       </p:nvGrpSpPr>
@@ -1218,9 +1258,11 @@
       <p:sp>
         <p:nvSpPr>
           <p:cNvPr id="112" name="Google Shape;112;g2cf57075b03_1_29:notes"/>
-          <p:cNvSpPr/>
+          <p:cNvSpPr>
+            <a:spLocks noGrp="1" noRot="1" noChangeAspect="1"/>
+          </p:cNvSpPr>
           <p:nvPr>
-            <p:ph idx="2" type="sldImg"/>
+            <p:ph type="sldImg" idx="2"/>
           </p:nvPr>
         </p:nvSpPr>
         <p:spPr>
@@ -1229,9 +1271,13 @@
             <a:ext cx="6096000" cy="3429000"/>
           </a:xfrm>
           <a:custGeom>
-            <a:rect b="b" l="l" r="r" t="t"/>
+            <a:avLst/>
+            <a:gdLst/>
+            <a:ahLst/>
+            <a:cxnLst/>
+            <a:rect l="l" t="t" r="r" b="b"/>
             <a:pathLst>
-              <a:path extrusionOk="0" h="120000" w="120000">
+              <a:path w="120000" h="120000" extrusionOk="0">
                 <a:moveTo>
                   <a:pt x="0" y="0"/>
                 </a:moveTo>
@@ -1253,9 +1299,11 @@
       <p:sp>
         <p:nvSpPr>
           <p:cNvPr id="113" name="Google Shape;113;g2cf57075b03_1_29:notes"/>
-          <p:cNvSpPr txBox="1"/>
+          <p:cNvSpPr txBox="1">
+            <a:spLocks noGrp="1"/>
+          </p:cNvSpPr>
           <p:nvPr>
-            <p:ph idx="1" type="body"/>
+            <p:ph type="body" idx="1"/>
           </p:nvPr>
         </p:nvSpPr>
         <p:spPr>
@@ -1268,12 +1316,12 @@
           </a:prstGeom>
         </p:spPr>
         <p:txBody>
-          <a:bodyPr anchorCtr="0" anchor="t" bIns="91425" lIns="91425" spcFirstLastPara="1" rIns="91425" wrap="square" tIns="91425">
+          <a:bodyPr spcFirstLastPara="1" wrap="square" lIns="91425" tIns="91425" rIns="91425" bIns="91425" anchor="t" anchorCtr="0">
             <a:noAutofit/>
           </a:bodyPr>
           <a:lstStyle/>
           <a:p>
-            <a:pPr indent="0" lvl="0" marL="0" rtl="0" algn="l">
+            <a:pPr marL="0" lvl="0" indent="0" algn="l" rtl="0">
               <a:spcBef>
                 <a:spcPts val="0"/>
               </a:spcBef>
@@ -1282,9 +1330,6 @@
               </a:spcAft>
               <a:buNone/>
             </a:pPr>
-            <a:r>
-              <a:t/>
-            </a:r>
             <a:endParaRPr/>
           </a:p>
         </p:txBody>
@@ -1298,11 +1343,11 @@
 </file>
 
 <file path=ppt/notesSlides/notesSlide7.xml><?xml version="1.0" encoding="utf-8"?>
-<p:notes xmlns:a="http://schemas.openxmlformats.org/drawingml/2006/main" xmlns:r="http://schemas.openxmlformats.org/officeDocument/2006/relationships" xmlns:mc="http://schemas.openxmlformats.org/markup-compatibility/2006" xmlns:mv="urn:schemas-microsoft-com:mac:vml" xmlns:p="http://schemas.openxmlformats.org/presentationml/2006/main" xmlns:c="http://schemas.openxmlformats.org/drawingml/2006/chart" xmlns:dgm="http://schemas.openxmlformats.org/drawingml/2006/diagram" xmlns:o="urn:schemas-microsoft-com:office:office" xmlns:v="urn:schemas-microsoft-com:vml" xmlns:pvml="urn:schemas-microsoft-com:office:powerpoint" xmlns:com="http://schemas.openxmlformats.org/drawingml/2006/compatibility" xmlns:p14="http://schemas.microsoft.com/office/powerpoint/2010/main" xmlns:p15="http://schemas.microsoft.com/office/powerpoint/2012/main" xmlns:ahyp="http://schemas.microsoft.com/office/drawing/2018/hyperlinkcolor" showMasterPhAnim="0" showMasterSp="0">
+<p:notes xmlns:a="http://schemas.openxmlformats.org/drawingml/2006/main" xmlns:r="http://schemas.openxmlformats.org/officeDocument/2006/relationships" xmlns:p="http://schemas.openxmlformats.org/presentationml/2006/main" showMasterSp="0" showMasterPhAnim="0">
   <p:cSld>
     <p:spTree>
       <p:nvGrpSpPr>
-        <p:cNvPr id="118" name="Shape 118"/>
+        <p:cNvPr id="1" name="Shape 118"/>
         <p:cNvGrpSpPr/>
         <p:nvPr/>
       </p:nvGrpSpPr>
@@ -1317,9 +1362,11 @@
       <p:sp>
         <p:nvSpPr>
           <p:cNvPr id="119" name="Google Shape;119;g2cf57075b03_1_18:notes"/>
-          <p:cNvSpPr/>
+          <p:cNvSpPr>
+            <a:spLocks noGrp="1" noRot="1" noChangeAspect="1"/>
+          </p:cNvSpPr>
           <p:nvPr>
-            <p:ph idx="2" type="sldImg"/>
+            <p:ph type="sldImg" idx="2"/>
           </p:nvPr>
         </p:nvSpPr>
         <p:spPr>
@@ -1328,9 +1375,13 @@
             <a:ext cx="6096000" cy="3429000"/>
           </a:xfrm>
           <a:custGeom>
-            <a:rect b="b" l="l" r="r" t="t"/>
+            <a:avLst/>
+            <a:gdLst/>
+            <a:ahLst/>
+            <a:cxnLst/>
+            <a:rect l="l" t="t" r="r" b="b"/>
             <a:pathLst>
-              <a:path extrusionOk="0" h="120000" w="120000">
+              <a:path w="120000" h="120000" extrusionOk="0">
                 <a:moveTo>
                   <a:pt x="0" y="0"/>
                 </a:moveTo>
@@ -1352,9 +1403,11 @@
       <p:sp>
         <p:nvSpPr>
           <p:cNvPr id="120" name="Google Shape;120;g2cf57075b03_1_18:notes"/>
-          <p:cNvSpPr txBox="1"/>
+          <p:cNvSpPr txBox="1">
+            <a:spLocks noGrp="1"/>
+          </p:cNvSpPr>
           <p:nvPr>
-            <p:ph idx="1" type="body"/>
+            <p:ph type="body" idx="1"/>
           </p:nvPr>
         </p:nvSpPr>
         <p:spPr>
@@ -1367,12 +1420,12 @@
           </a:prstGeom>
         </p:spPr>
         <p:txBody>
-          <a:bodyPr anchorCtr="0" anchor="t" bIns="91425" lIns="91425" spcFirstLastPara="1" rIns="91425" wrap="square" tIns="91425">
+          <a:bodyPr spcFirstLastPara="1" wrap="square" lIns="91425" tIns="91425" rIns="91425" bIns="91425" anchor="t" anchorCtr="0">
             <a:noAutofit/>
           </a:bodyPr>
           <a:lstStyle/>
           <a:p>
-            <a:pPr indent="0" lvl="0" marL="0" rtl="0" algn="l">
+            <a:pPr marL="0" lvl="0" indent="0" algn="l" rtl="0">
               <a:spcBef>
                 <a:spcPts val="0"/>
               </a:spcBef>
@@ -1381,9 +1434,6 @@
               </a:spcAft>
               <a:buNone/>
             </a:pPr>
-            <a:r>
-              <a:t/>
-            </a:r>
             <a:endParaRPr/>
           </a:p>
         </p:txBody>
@@ -1397,11 +1447,11 @@
 </file>
 
 <file path=ppt/notesSlides/notesSlide8.xml><?xml version="1.0" encoding="utf-8"?>
-<p:notes xmlns:a="http://schemas.openxmlformats.org/drawingml/2006/main" xmlns:r="http://schemas.openxmlformats.org/officeDocument/2006/relationships" xmlns:mc="http://schemas.openxmlformats.org/markup-compatibility/2006" xmlns:mv="urn:schemas-microsoft-com:mac:vml" xmlns:p="http://schemas.openxmlformats.org/presentationml/2006/main" xmlns:c="http://schemas.openxmlformats.org/drawingml/2006/chart" xmlns:dgm="http://schemas.openxmlformats.org/drawingml/2006/diagram" xmlns:o="urn:schemas-microsoft-com:office:office" xmlns:v="urn:schemas-microsoft-com:vml" xmlns:pvml="urn:schemas-microsoft-com:office:powerpoint" xmlns:com="http://schemas.openxmlformats.org/drawingml/2006/compatibility" xmlns:p14="http://schemas.microsoft.com/office/powerpoint/2010/main" xmlns:p15="http://schemas.microsoft.com/office/powerpoint/2012/main" xmlns:ahyp="http://schemas.microsoft.com/office/drawing/2018/hyperlinkcolor" showMasterPhAnim="0" showMasterSp="0">
+<p:notes xmlns:a="http://schemas.openxmlformats.org/drawingml/2006/main" xmlns:r="http://schemas.openxmlformats.org/officeDocument/2006/relationships" xmlns:p="http://schemas.openxmlformats.org/presentationml/2006/main" showMasterSp="0" showMasterPhAnim="0">
   <p:cSld>
     <p:spTree>
       <p:nvGrpSpPr>
-        <p:cNvPr id="125" name="Shape 125"/>
+        <p:cNvPr id="1" name="Shape 125"/>
         <p:cNvGrpSpPr/>
         <p:nvPr/>
       </p:nvGrpSpPr>
@@ -1416,9 +1466,11 @@
       <p:sp>
         <p:nvSpPr>
           <p:cNvPr id="126" name="Google Shape;126;g2cf9ef3180b_0_0:notes"/>
-          <p:cNvSpPr/>
+          <p:cNvSpPr>
+            <a:spLocks noGrp="1" noRot="1" noChangeAspect="1"/>
+          </p:cNvSpPr>
           <p:nvPr>
-            <p:ph idx="2" type="sldImg"/>
+            <p:ph type="sldImg" idx="2"/>
           </p:nvPr>
         </p:nvSpPr>
         <p:spPr>
@@ -1427,9 +1479,13 @@
             <a:ext cx="6096000" cy="3429000"/>
           </a:xfrm>
           <a:custGeom>
-            <a:rect b="b" l="l" r="r" t="t"/>
+            <a:avLst/>
+            <a:gdLst/>
+            <a:ahLst/>
+            <a:cxnLst/>
+            <a:rect l="l" t="t" r="r" b="b"/>
             <a:pathLst>
-              <a:path extrusionOk="0" h="120000" w="120000">
+              <a:path w="120000" h="120000" extrusionOk="0">
                 <a:moveTo>
                   <a:pt x="0" y="0"/>
                 </a:moveTo>
@@ -1451,9 +1507,11 @@
       <p:sp>
         <p:nvSpPr>
           <p:cNvPr id="127" name="Google Shape;127;g2cf9ef3180b_0_0:notes"/>
-          <p:cNvSpPr txBox="1"/>
+          <p:cNvSpPr txBox="1">
+            <a:spLocks noGrp="1"/>
+          </p:cNvSpPr>
           <p:nvPr>
-            <p:ph idx="1" type="body"/>
+            <p:ph type="body" idx="1"/>
           </p:nvPr>
         </p:nvSpPr>
         <p:spPr>
@@ -1466,12 +1524,12 @@
           </a:prstGeom>
         </p:spPr>
         <p:txBody>
-          <a:bodyPr anchorCtr="0" anchor="t" bIns="91425" lIns="91425" spcFirstLastPara="1" rIns="91425" wrap="square" tIns="91425">
+          <a:bodyPr spcFirstLastPara="1" wrap="square" lIns="91425" tIns="91425" rIns="91425" bIns="91425" anchor="t" anchorCtr="0">
             <a:noAutofit/>
           </a:bodyPr>
           <a:lstStyle/>
           <a:p>
-            <a:pPr indent="0" lvl="0" marL="0" rtl="0" algn="l">
+            <a:pPr marL="0" lvl="0" indent="0" algn="l" rtl="0">
               <a:spcBef>
                 <a:spcPts val="0"/>
               </a:spcBef>
@@ -1480,9 +1538,6 @@
               </a:spcAft>
               <a:buNone/>
             </a:pPr>
-            <a:r>
-              <a:t/>
-            </a:r>
             <a:endParaRPr/>
           </a:p>
         </p:txBody>
@@ -1496,11 +1551,11 @@
 </file>
 
 <file path=ppt/notesSlides/notesSlide9.xml><?xml version="1.0" encoding="utf-8"?>
-<p:notes xmlns:a="http://schemas.openxmlformats.org/drawingml/2006/main" xmlns:r="http://schemas.openxmlformats.org/officeDocument/2006/relationships" xmlns:mc="http://schemas.openxmlformats.org/markup-compatibility/2006" xmlns:mv="urn:schemas-microsoft-com:mac:vml" xmlns:p="http://schemas.openxmlformats.org/presentationml/2006/main" xmlns:c="http://schemas.openxmlformats.org/drawingml/2006/chart" xmlns:dgm="http://schemas.openxmlformats.org/drawingml/2006/diagram" xmlns:o="urn:schemas-microsoft-com:office:office" xmlns:v="urn:schemas-microsoft-com:vml" xmlns:pvml="urn:schemas-microsoft-com:office:powerpoint" xmlns:com="http://schemas.openxmlformats.org/drawingml/2006/compatibility" xmlns:p14="http://schemas.microsoft.com/office/powerpoint/2010/main" xmlns:p15="http://schemas.microsoft.com/office/powerpoint/2012/main" xmlns:ahyp="http://schemas.microsoft.com/office/drawing/2018/hyperlinkcolor" showMasterPhAnim="0" showMasterSp="0">
+<p:notes xmlns:a="http://schemas.openxmlformats.org/drawingml/2006/main" xmlns:r="http://schemas.openxmlformats.org/officeDocument/2006/relationships" xmlns:p="http://schemas.openxmlformats.org/presentationml/2006/main" showMasterSp="0" showMasterPhAnim="0">
   <p:cSld>
     <p:spTree>
       <p:nvGrpSpPr>
-        <p:cNvPr id="132" name="Shape 132"/>
+        <p:cNvPr id="1" name="Shape 132"/>
         <p:cNvGrpSpPr/>
         <p:nvPr/>
       </p:nvGrpSpPr>
@@ -1515,20 +1570,26 @@
       <p:sp>
         <p:nvSpPr>
           <p:cNvPr id="133" name="Google Shape;133;g2cf57075b03_0_0:notes"/>
-          <p:cNvSpPr/>
+          <p:cNvSpPr>
+            <a:spLocks noGrp="1" noRot="1" noChangeAspect="1"/>
+          </p:cNvSpPr>
           <p:nvPr>
-            <p:ph idx="2" type="sldImg"/>
+            <p:ph type="sldImg" idx="2"/>
           </p:nvPr>
         </p:nvSpPr>
         <p:spPr>
           <a:xfrm>
-            <a:off x="381300" y="685800"/>
+            <a:off x="381000" y="685800"/>
             <a:ext cx="6096000" cy="3429000"/>
           </a:xfrm>
           <a:custGeom>
-            <a:rect b="b" l="l" r="r" t="t"/>
+            <a:avLst/>
+            <a:gdLst/>
+            <a:ahLst/>
+            <a:cxnLst/>
+            <a:rect l="l" t="t" r="r" b="b"/>
             <a:pathLst>
-              <a:path extrusionOk="0" h="120000" w="120000">
+              <a:path w="120000" h="120000" extrusionOk="0">
                 <a:moveTo>
                   <a:pt x="0" y="0"/>
                 </a:moveTo>
@@ -1550,9 +1611,11 @@
       <p:sp>
         <p:nvSpPr>
           <p:cNvPr id="134" name="Google Shape;134;g2cf57075b03_0_0:notes"/>
-          <p:cNvSpPr txBox="1"/>
+          <p:cNvSpPr txBox="1">
+            <a:spLocks noGrp="1"/>
+          </p:cNvSpPr>
           <p:nvPr>
-            <p:ph idx="1" type="body"/>
+            <p:ph type="body" idx="1"/>
           </p:nvPr>
         </p:nvSpPr>
         <p:spPr>
@@ -1565,12 +1628,12 @@
           </a:prstGeom>
         </p:spPr>
         <p:txBody>
-          <a:bodyPr anchorCtr="0" anchor="t" bIns="91425" lIns="91425" spcFirstLastPara="1" rIns="91425" wrap="square" tIns="91425">
+          <a:bodyPr spcFirstLastPara="1" wrap="square" lIns="91425" tIns="91425" rIns="91425" bIns="91425" anchor="t" anchorCtr="0">
             <a:noAutofit/>
           </a:bodyPr>
           <a:lstStyle/>
           <a:p>
-            <a:pPr indent="0" lvl="0" marL="0" rtl="0" algn="l">
+            <a:pPr marL="0" lvl="0" indent="0" algn="l" rtl="0">
               <a:spcBef>
                 <a:spcPts val="0"/>
               </a:spcBef>
@@ -1579,9 +1642,6 @@
               </a:spcAft>
               <a:buNone/>
             </a:pPr>
-            <a:r>
-              <a:t/>
-            </a:r>
             <a:endParaRPr/>
           </a:p>
         </p:txBody>
@@ -1595,18 +1655,19 @@
 </file>
 
 <file path=ppt/slideLayouts/slideLayout1.xml><?xml version="1.0" encoding="utf-8"?>
-<p:sldLayout xmlns:a="http://schemas.openxmlformats.org/drawingml/2006/main" xmlns:r="http://schemas.openxmlformats.org/officeDocument/2006/relationships" xmlns:mc="http://schemas.openxmlformats.org/markup-compatibility/2006" xmlns:mv="urn:schemas-microsoft-com:mac:vml" xmlns:p="http://schemas.openxmlformats.org/presentationml/2006/main" xmlns:c="http://schemas.openxmlformats.org/drawingml/2006/chart" xmlns:dgm="http://schemas.openxmlformats.org/drawingml/2006/diagram" xmlns:o="urn:schemas-microsoft-com:office:office" xmlns:v="urn:schemas-microsoft-com:vml" xmlns:pvml="urn:schemas-microsoft-com:office:powerpoint" xmlns:com="http://schemas.openxmlformats.org/drawingml/2006/compatibility" xmlns:p14="http://schemas.microsoft.com/office/powerpoint/2010/main" xmlns:p15="http://schemas.microsoft.com/office/powerpoint/2012/main" xmlns:ahyp="http://schemas.microsoft.com/office/drawing/2018/hyperlinkcolor" matchingName="Title slide" type="title">
+<p:sldLayout xmlns:a="http://schemas.openxmlformats.org/drawingml/2006/main" xmlns:r="http://schemas.openxmlformats.org/officeDocument/2006/relationships" xmlns:p="http://schemas.openxmlformats.org/presentationml/2006/main" matchingName="Title slide" type="title">
   <p:cSld name="TITLE">
     <p:bg>
       <p:bgPr>
         <a:solidFill>
           <a:schemeClr val="dk1"/>
         </a:solidFill>
+        <a:effectLst/>
       </p:bgPr>
     </p:bg>
     <p:spTree>
       <p:nvGrpSpPr>
-        <p:cNvPr id="9" name="Shape 9"/>
+        <p:cNvPr id="1" name="Shape 9"/>
         <p:cNvGrpSpPr/>
         <p:nvPr/>
       </p:nvGrpSpPr>
@@ -1654,12 +1715,12 @@
             </a:ln>
           </p:spPr>
           <p:txBody>
-            <a:bodyPr anchorCtr="0" anchor="ctr" bIns="91425" lIns="91425" spcFirstLastPara="1" rIns="91425" wrap="square" tIns="91425">
+            <a:bodyPr spcFirstLastPara="1" wrap="square" lIns="91425" tIns="91425" rIns="91425" bIns="91425" anchor="ctr" anchorCtr="0">
               <a:noAutofit/>
             </a:bodyPr>
             <a:lstStyle/>
             <a:p>
-              <a:pPr indent="0" lvl="0" marL="0" rtl="0" algn="l">
+              <a:pPr marL="0" lvl="0" indent="0" algn="l" rtl="0">
                 <a:spcBef>
                   <a:spcPts val="0"/>
                 </a:spcBef>
@@ -1668,9 +1729,6 @@
                 </a:spcAft>
                 <a:buNone/>
               </a:pPr>
-              <a:r>
-                <a:t/>
-              </a:r>
               <a:endParaRPr/>
             </a:p>
           </p:txBody>
@@ -1697,12 +1755,12 @@
             </a:ln>
           </p:spPr>
           <p:txBody>
-            <a:bodyPr anchorCtr="0" anchor="ctr" bIns="91425" lIns="91425" spcFirstLastPara="1" rIns="91425" wrap="square" tIns="91425">
+            <a:bodyPr spcFirstLastPara="1" wrap="square" lIns="91425" tIns="91425" rIns="91425" bIns="91425" anchor="ctr" anchorCtr="0">
               <a:noAutofit/>
             </a:bodyPr>
             <a:lstStyle/>
             <a:p>
-              <a:pPr indent="0" lvl="0" marL="0" rtl="0" algn="l">
+              <a:pPr marL="0" lvl="0" indent="0" algn="l" rtl="0">
                 <a:spcBef>
                   <a:spcPts val="0"/>
                 </a:spcBef>
@@ -1711,9 +1769,6 @@
                 </a:spcAft>
                 <a:buNone/>
               </a:pPr>
-              <a:r>
-                <a:t/>
-              </a:r>
               <a:endParaRPr/>
             </a:p>
           </p:txBody>
@@ -1725,7 +1780,7 @@
             <p:nvPr/>
           </p:nvSpPr>
           <p:spPr>
-            <a:xfrm flipH="1" rot="10800000">
+            <a:xfrm rot="10800000" flipH="1">
               <a:off x="7113588" y="107"/>
               <a:ext cx="1015200" cy="1015200"/>
             </a:xfrm>
@@ -1740,12 +1795,12 @@
             </a:ln>
           </p:spPr>
           <p:txBody>
-            <a:bodyPr anchorCtr="0" anchor="ctr" bIns="91425" lIns="91425" spcFirstLastPara="1" rIns="91425" wrap="square" tIns="91425">
+            <a:bodyPr spcFirstLastPara="1" wrap="square" lIns="91425" tIns="91425" rIns="91425" bIns="91425" anchor="ctr" anchorCtr="0">
               <a:noAutofit/>
             </a:bodyPr>
             <a:lstStyle/>
             <a:p>
-              <a:pPr indent="0" lvl="0" marL="0" rtl="0" algn="l">
+              <a:pPr marL="0" lvl="0" indent="0" algn="l" rtl="0">
                 <a:spcBef>
                   <a:spcPts val="0"/>
                 </a:spcBef>
@@ -1754,9 +1809,6 @@
                 </a:spcAft>
                 <a:buNone/>
               </a:pPr>
-              <a:r>
-                <a:t/>
-              </a:r>
               <a:endParaRPr/>
             </a:p>
           </p:txBody>
@@ -1783,12 +1835,12 @@
             </a:ln>
           </p:spPr>
           <p:txBody>
-            <a:bodyPr anchorCtr="0" anchor="ctr" bIns="91425" lIns="91425" spcFirstLastPara="1" rIns="91425" wrap="square" tIns="91425">
+            <a:bodyPr spcFirstLastPara="1" wrap="square" lIns="91425" tIns="91425" rIns="91425" bIns="91425" anchor="ctr" anchorCtr="0">
               <a:noAutofit/>
             </a:bodyPr>
             <a:lstStyle/>
             <a:p>
-              <a:pPr indent="0" lvl="0" marL="0" rtl="0" algn="l">
+              <a:pPr marL="0" lvl="0" indent="0" algn="l" rtl="0">
                 <a:spcBef>
                   <a:spcPts val="0"/>
                 </a:spcBef>
@@ -1797,9 +1849,6 @@
                 </a:spcAft>
                 <a:buNone/>
               </a:pPr>
-              <a:r>
-                <a:t/>
-              </a:r>
               <a:endParaRPr/>
             </a:p>
           </p:txBody>
@@ -1826,12 +1875,12 @@
             </a:ln>
           </p:spPr>
           <p:txBody>
-            <a:bodyPr anchorCtr="0" anchor="ctr" bIns="91425" lIns="91425" spcFirstLastPara="1" rIns="91425" wrap="square" tIns="91425">
+            <a:bodyPr spcFirstLastPara="1" wrap="square" lIns="91425" tIns="91425" rIns="91425" bIns="91425" anchor="ctr" anchorCtr="0">
               <a:noAutofit/>
             </a:bodyPr>
             <a:lstStyle/>
             <a:p>
-              <a:pPr indent="0" lvl="0" marL="0" rtl="0" algn="l">
+              <a:pPr marL="0" lvl="0" indent="0" algn="l" rtl="0">
                 <a:spcBef>
                   <a:spcPts val="0"/>
                 </a:spcBef>
@@ -1840,9 +1889,6 @@
                 </a:spcAft>
                 <a:buNone/>
               </a:pPr>
-              <a:r>
-                <a:t/>
-              </a:r>
               <a:endParaRPr/>
             </a:p>
           </p:txBody>
@@ -1851,7 +1897,9 @@
       <p:sp>
         <p:nvSpPr>
           <p:cNvPr id="16" name="Google Shape;16;p2"/>
-          <p:cNvSpPr txBox="1"/>
+          <p:cNvSpPr txBox="1">
+            <a:spLocks noGrp="1"/>
+          </p:cNvSpPr>
           <p:nvPr>
             <p:ph type="ctrTitle"/>
           </p:nvPr>
@@ -1866,7 +1914,7 @@
           </a:prstGeom>
         </p:spPr>
         <p:txBody>
-          <a:bodyPr anchorCtr="0" anchor="b" bIns="91425" lIns="91425" spcFirstLastPara="1" rIns="91425" wrap="square" tIns="91425">
+          <a:bodyPr spcFirstLastPara="1" wrap="square" lIns="91425" tIns="91425" rIns="91425" bIns="91425" anchor="b" anchorCtr="0">
             <a:normAutofit/>
           </a:bodyPr>
           <a:lstStyle>
@@ -2033,15 +2081,19 @@
               </a:defRPr>
             </a:lvl9pPr>
           </a:lstStyle>
-          <a:p/>
+          <a:p>
+            <a:endParaRPr/>
+          </a:p>
         </p:txBody>
       </p:sp>
       <p:sp>
         <p:nvSpPr>
           <p:cNvPr id="17" name="Google Shape;17;p2"/>
-          <p:cNvSpPr txBox="1"/>
+          <p:cNvSpPr txBox="1">
+            <a:spLocks noGrp="1"/>
+          </p:cNvSpPr>
           <p:nvPr>
-            <p:ph idx="1" type="subTitle"/>
+            <p:ph type="subTitle" idx="1"/>
           </p:nvPr>
         </p:nvSpPr>
         <p:spPr>
@@ -2054,7 +2106,7 @@
           </a:prstGeom>
         </p:spPr>
         <p:txBody>
-          <a:bodyPr anchorCtr="0" anchor="t" bIns="91425" lIns="91425" spcFirstLastPara="1" rIns="91425" wrap="square" tIns="91425">
+          <a:bodyPr spcFirstLastPara="1" wrap="square" lIns="91425" tIns="91425" rIns="91425" bIns="91425" anchor="t" anchorCtr="0">
             <a:normAutofit/>
           </a:bodyPr>
           <a:lstStyle>
@@ -2248,15 +2300,19 @@
               </a:defRPr>
             </a:lvl9pPr>
           </a:lstStyle>
-          <a:p/>
+          <a:p>
+            <a:endParaRPr/>
+          </a:p>
         </p:txBody>
       </p:sp>
       <p:sp>
         <p:nvSpPr>
           <p:cNvPr id="18" name="Google Shape;18;p2"/>
-          <p:cNvSpPr txBox="1"/>
+          <p:cNvSpPr txBox="1">
+            <a:spLocks noGrp="1"/>
+          </p:cNvSpPr>
           <p:nvPr>
-            <p:ph idx="12" type="sldNum"/>
+            <p:ph type="sldNum" idx="12"/>
           </p:nvPr>
         </p:nvSpPr>
         <p:spPr>
@@ -2269,7 +2325,7 @@
           </a:prstGeom>
         </p:spPr>
         <p:txBody>
-          <a:bodyPr anchorCtr="0" anchor="ctr" bIns="91425" lIns="91425" spcFirstLastPara="1" rIns="91425" wrap="square" tIns="91425">
+          <a:bodyPr spcFirstLastPara="1" wrap="square" lIns="91425" tIns="91425" rIns="91425" bIns="91425" anchor="ctr" anchorCtr="0">
             <a:normAutofit/>
           </a:bodyPr>
           <a:lstStyle>
@@ -2311,7 +2367,7 @@
             </a:lvl9pPr>
           </a:lstStyle>
           <a:p>
-            <a:pPr indent="0" lvl="0" marL="0" rtl="0" algn="r">
+            <a:pPr marL="0" lvl="0" indent="0" algn="r" rtl="0">
               <a:spcBef>
                 <a:spcPts val="0"/>
               </a:spcBef>
@@ -2322,7 +2378,7 @@
             </a:pPr>
             <a:fld id="{00000000-1234-1234-1234-123412341234}" type="slidenum">
               <a:rPr lang="es"/>
-              <a:t>‹#›</a:t>
+              <a:t>‹Nº›</a:t>
             </a:fld>
             <a:endParaRPr/>
           </a:p>
@@ -2337,18 +2393,19 @@
 </file>
 
 <file path=ppt/slideLayouts/slideLayout10.xml><?xml version="1.0" encoding="utf-8"?>
-<p:sldLayout xmlns:a="http://schemas.openxmlformats.org/drawingml/2006/main" xmlns:r="http://schemas.openxmlformats.org/officeDocument/2006/relationships" xmlns:mc="http://schemas.openxmlformats.org/markup-compatibility/2006" xmlns:mv="urn:schemas-microsoft-com:mac:vml" xmlns:p="http://schemas.openxmlformats.org/presentationml/2006/main" xmlns:c="http://schemas.openxmlformats.org/drawingml/2006/chart" xmlns:dgm="http://schemas.openxmlformats.org/drawingml/2006/diagram" xmlns:o="urn:schemas-microsoft-com:office:office" xmlns:v="urn:schemas-microsoft-com:vml" xmlns:pvml="urn:schemas-microsoft-com:office:powerpoint" xmlns:com="http://schemas.openxmlformats.org/drawingml/2006/compatibility" xmlns:p14="http://schemas.microsoft.com/office/powerpoint/2010/main" xmlns:p15="http://schemas.microsoft.com/office/powerpoint/2012/main" xmlns:ahyp="http://schemas.microsoft.com/office/drawing/2018/hyperlinkcolor" matchingName="Big number">
+<p:sldLayout xmlns:a="http://schemas.openxmlformats.org/drawingml/2006/main" xmlns:r="http://schemas.openxmlformats.org/officeDocument/2006/relationships" xmlns:p="http://schemas.openxmlformats.org/presentationml/2006/main" matchingName="Big number">
   <p:cSld name="BIG_NUMBER">
     <p:bg>
       <p:bgPr>
         <a:solidFill>
           <a:schemeClr val="dk1"/>
         </a:solidFill>
+        <a:effectLst/>
       </p:bgPr>
     </p:bg>
     <p:spTree>
       <p:nvGrpSpPr>
-        <p:cNvPr id="69" name="Shape 69"/>
+        <p:cNvPr id="1" name="Shape 69"/>
         <p:cNvGrpSpPr/>
         <p:nvPr/>
       </p:nvGrpSpPr>
@@ -2396,12 +2453,12 @@
             </a:ln>
           </p:spPr>
           <p:txBody>
-            <a:bodyPr anchorCtr="0" anchor="ctr" bIns="91425" lIns="91425" spcFirstLastPara="1" rIns="91425" wrap="square" tIns="91425">
+            <a:bodyPr spcFirstLastPara="1" wrap="square" lIns="91425" tIns="91425" rIns="91425" bIns="91425" anchor="ctr" anchorCtr="0">
               <a:noAutofit/>
             </a:bodyPr>
             <a:lstStyle/>
             <a:p>
-              <a:pPr indent="0" lvl="0" marL="0" rtl="0" algn="l">
+              <a:pPr marL="0" lvl="0" indent="0" algn="l" rtl="0">
                 <a:spcBef>
                   <a:spcPts val="0"/>
                 </a:spcBef>
@@ -2410,9 +2467,6 @@
                 </a:spcAft>
                 <a:buNone/>
               </a:pPr>
-              <a:r>
-                <a:t/>
-              </a:r>
               <a:endParaRPr/>
             </a:p>
           </p:txBody>
@@ -2439,12 +2493,12 @@
             </a:ln>
           </p:spPr>
           <p:txBody>
-            <a:bodyPr anchorCtr="0" anchor="ctr" bIns="91425" lIns="91425" spcFirstLastPara="1" rIns="91425" wrap="square" tIns="91425">
+            <a:bodyPr spcFirstLastPara="1" wrap="square" lIns="91425" tIns="91425" rIns="91425" bIns="91425" anchor="ctr" anchorCtr="0">
               <a:noAutofit/>
             </a:bodyPr>
             <a:lstStyle/>
             <a:p>
-              <a:pPr indent="0" lvl="0" marL="0" rtl="0" algn="l">
+              <a:pPr marL="0" lvl="0" indent="0" algn="l" rtl="0">
                 <a:spcBef>
                   <a:spcPts val="0"/>
                 </a:spcBef>
@@ -2453,9 +2507,6 @@
                 </a:spcAft>
                 <a:buNone/>
               </a:pPr>
-              <a:r>
-                <a:t/>
-              </a:r>
               <a:endParaRPr/>
             </a:p>
           </p:txBody>
@@ -2467,7 +2518,7 @@
             <p:nvPr/>
           </p:nvSpPr>
           <p:spPr>
-            <a:xfrm flipH="1" rot="10800000">
+            <a:xfrm rot="10800000" flipH="1">
               <a:off x="7113588" y="107"/>
               <a:ext cx="1015200" cy="1015200"/>
             </a:xfrm>
@@ -2482,12 +2533,12 @@
             </a:ln>
           </p:spPr>
           <p:txBody>
-            <a:bodyPr anchorCtr="0" anchor="ctr" bIns="91425" lIns="91425" spcFirstLastPara="1" rIns="91425" wrap="square" tIns="91425">
+            <a:bodyPr spcFirstLastPara="1" wrap="square" lIns="91425" tIns="91425" rIns="91425" bIns="91425" anchor="ctr" anchorCtr="0">
               <a:noAutofit/>
             </a:bodyPr>
             <a:lstStyle/>
             <a:p>
-              <a:pPr indent="0" lvl="0" marL="0" rtl="0" algn="l">
+              <a:pPr marL="0" lvl="0" indent="0" algn="l" rtl="0">
                 <a:spcBef>
                   <a:spcPts val="0"/>
                 </a:spcBef>
@@ -2496,9 +2547,6 @@
                 </a:spcAft>
                 <a:buNone/>
               </a:pPr>
-              <a:r>
-                <a:t/>
-              </a:r>
               <a:endParaRPr/>
             </a:p>
           </p:txBody>
@@ -2525,12 +2573,12 @@
             </a:ln>
           </p:spPr>
           <p:txBody>
-            <a:bodyPr anchorCtr="0" anchor="ctr" bIns="91425" lIns="91425" spcFirstLastPara="1" rIns="91425" wrap="square" tIns="91425">
+            <a:bodyPr spcFirstLastPara="1" wrap="square" lIns="91425" tIns="91425" rIns="91425" bIns="91425" anchor="ctr" anchorCtr="0">
               <a:noAutofit/>
             </a:bodyPr>
             <a:lstStyle/>
             <a:p>
-              <a:pPr indent="0" lvl="0" marL="0" rtl="0" algn="l">
+              <a:pPr marL="0" lvl="0" indent="0" algn="l" rtl="0">
                 <a:spcBef>
                   <a:spcPts val="0"/>
                 </a:spcBef>
@@ -2539,9 +2587,6 @@
                 </a:spcAft>
                 <a:buNone/>
               </a:pPr>
-              <a:r>
-                <a:t/>
-              </a:r>
               <a:endParaRPr/>
             </a:p>
           </p:txBody>
@@ -2568,12 +2613,12 @@
             </a:ln>
           </p:spPr>
           <p:txBody>
-            <a:bodyPr anchorCtr="0" anchor="ctr" bIns="91425" lIns="91425" spcFirstLastPara="1" rIns="91425" wrap="square" tIns="91425">
+            <a:bodyPr spcFirstLastPara="1" wrap="square" lIns="91425" tIns="91425" rIns="91425" bIns="91425" anchor="ctr" anchorCtr="0">
               <a:noAutofit/>
             </a:bodyPr>
             <a:lstStyle/>
             <a:p>
-              <a:pPr indent="0" lvl="0" marL="0" rtl="0" algn="l">
+              <a:pPr marL="0" lvl="0" indent="0" algn="l" rtl="0">
                 <a:spcBef>
                   <a:spcPts val="0"/>
                 </a:spcBef>
@@ -2582,9 +2627,6 @@
                 </a:spcAft>
                 <a:buNone/>
               </a:pPr>
-              <a:r>
-                <a:t/>
-              </a:r>
               <a:endParaRPr/>
             </a:p>
           </p:txBody>
@@ -2593,9 +2635,11 @@
       <p:sp>
         <p:nvSpPr>
           <p:cNvPr id="76" name="Google Shape;76;p11"/>
-          <p:cNvSpPr txBox="1"/>
+          <p:cNvSpPr txBox="1">
+            <a:spLocks noGrp="1"/>
+          </p:cNvSpPr>
           <p:nvPr>
-            <p:ph hasCustomPrompt="1" type="title"/>
+            <p:ph type="title" hasCustomPrompt="1"/>
           </p:nvPr>
         </p:nvSpPr>
         <p:spPr>
@@ -2608,7 +2652,7 @@
           </a:prstGeom>
         </p:spPr>
         <p:txBody>
-          <a:bodyPr anchorCtr="0" anchor="b" bIns="91425" lIns="91425" spcFirstLastPara="1" rIns="91425" wrap="square" tIns="91425">
+          <a:bodyPr spcFirstLastPara="1" wrap="square" lIns="91425" tIns="91425" rIns="91425" bIns="91425" anchor="b" anchorCtr="0">
             <a:normAutofit/>
           </a:bodyPr>
           <a:lstStyle>
@@ -2785,9 +2829,11 @@
       <p:sp>
         <p:nvSpPr>
           <p:cNvPr id="77" name="Google Shape;77;p11"/>
-          <p:cNvSpPr txBox="1"/>
+          <p:cNvSpPr txBox="1">
+            <a:spLocks noGrp="1"/>
+          </p:cNvSpPr>
           <p:nvPr>
-            <p:ph idx="1" type="body"/>
+            <p:ph type="body" idx="1"/>
           </p:nvPr>
         </p:nvSpPr>
         <p:spPr>
@@ -2800,11 +2846,11 @@
           </a:prstGeom>
         </p:spPr>
         <p:txBody>
-          <a:bodyPr anchorCtr="0" anchor="t" bIns="91425" lIns="91425" spcFirstLastPara="1" rIns="91425" wrap="square" tIns="91425">
+          <a:bodyPr spcFirstLastPara="1" wrap="square" lIns="91425" tIns="91425" rIns="91425" bIns="91425" anchor="t" anchorCtr="0">
             <a:normAutofit/>
           </a:bodyPr>
           <a:lstStyle>
-            <a:lvl1pPr indent="-342900" lvl="0" marL="457200" algn="ctr">
+            <a:lvl1pPr marL="457200" lvl="0" indent="-342900" algn="ctr">
               <a:spcBef>
                 <a:spcPts val="0"/>
               </a:spcBef>
@@ -2822,7 +2868,7 @@
                 </a:solidFill>
               </a:defRPr>
             </a:lvl1pPr>
-            <a:lvl2pPr indent="-317500" lvl="1" marL="914400" algn="ctr">
+            <a:lvl2pPr marL="914400" lvl="1" indent="-317500" algn="ctr">
               <a:spcBef>
                 <a:spcPts val="0"/>
               </a:spcBef>
@@ -2840,7 +2886,7 @@
                 </a:solidFill>
               </a:defRPr>
             </a:lvl2pPr>
-            <a:lvl3pPr indent="-317500" lvl="2" marL="1371600" algn="ctr">
+            <a:lvl3pPr marL="1371600" lvl="2" indent="-317500" algn="ctr">
               <a:spcBef>
                 <a:spcPts val="0"/>
               </a:spcBef>
@@ -2858,7 +2904,7 @@
                 </a:solidFill>
               </a:defRPr>
             </a:lvl3pPr>
-            <a:lvl4pPr indent="-317500" lvl="3" marL="1828800" algn="ctr">
+            <a:lvl4pPr marL="1828800" lvl="3" indent="-317500" algn="ctr">
               <a:spcBef>
                 <a:spcPts val="0"/>
               </a:spcBef>
@@ -2876,7 +2922,7 @@
                 </a:solidFill>
               </a:defRPr>
             </a:lvl4pPr>
-            <a:lvl5pPr indent="-317500" lvl="4" marL="2286000" algn="ctr">
+            <a:lvl5pPr marL="2286000" lvl="4" indent="-317500" algn="ctr">
               <a:spcBef>
                 <a:spcPts val="0"/>
               </a:spcBef>
@@ -2894,7 +2940,7 @@
                 </a:solidFill>
               </a:defRPr>
             </a:lvl5pPr>
-            <a:lvl6pPr indent="-317500" lvl="5" marL="2743200" algn="ctr">
+            <a:lvl6pPr marL="2743200" lvl="5" indent="-317500" algn="ctr">
               <a:spcBef>
                 <a:spcPts val="0"/>
               </a:spcBef>
@@ -2912,7 +2958,7 @@
                 </a:solidFill>
               </a:defRPr>
             </a:lvl6pPr>
-            <a:lvl7pPr indent="-317500" lvl="6" marL="3200400" algn="ctr">
+            <a:lvl7pPr marL="3200400" lvl="6" indent="-317500" algn="ctr">
               <a:spcBef>
                 <a:spcPts val="0"/>
               </a:spcBef>
@@ -2930,7 +2976,7 @@
                 </a:solidFill>
               </a:defRPr>
             </a:lvl7pPr>
-            <a:lvl8pPr indent="-317500" lvl="7" marL="3657600" algn="ctr">
+            <a:lvl8pPr marL="3657600" lvl="7" indent="-317500" algn="ctr">
               <a:spcBef>
                 <a:spcPts val="0"/>
               </a:spcBef>
@@ -2948,7 +2994,7 @@
                 </a:solidFill>
               </a:defRPr>
             </a:lvl8pPr>
-            <a:lvl9pPr indent="-317500" lvl="8" marL="4114800" algn="ctr">
+            <a:lvl9pPr marL="4114800" lvl="8" indent="-317500" algn="ctr">
               <a:spcBef>
                 <a:spcPts val="0"/>
               </a:spcBef>
@@ -2967,15 +3013,19 @@
               </a:defRPr>
             </a:lvl9pPr>
           </a:lstStyle>
-          <a:p/>
+          <a:p>
+            <a:endParaRPr/>
+          </a:p>
         </p:txBody>
       </p:sp>
       <p:sp>
         <p:nvSpPr>
           <p:cNvPr id="78" name="Google Shape;78;p11"/>
-          <p:cNvSpPr txBox="1"/>
+          <p:cNvSpPr txBox="1">
+            <a:spLocks noGrp="1"/>
+          </p:cNvSpPr>
           <p:nvPr>
-            <p:ph idx="12" type="sldNum"/>
+            <p:ph type="sldNum" idx="12"/>
           </p:nvPr>
         </p:nvSpPr>
         <p:spPr>
@@ -2988,7 +3038,7 @@
           </a:prstGeom>
         </p:spPr>
         <p:txBody>
-          <a:bodyPr anchorCtr="0" anchor="ctr" bIns="91425" lIns="91425" spcFirstLastPara="1" rIns="91425" wrap="square" tIns="91425">
+          <a:bodyPr spcFirstLastPara="1" wrap="square" lIns="91425" tIns="91425" rIns="91425" bIns="91425" anchor="ctr" anchorCtr="0">
             <a:normAutofit/>
           </a:bodyPr>
           <a:lstStyle>
@@ -3030,7 +3080,7 @@
             </a:lvl9pPr>
           </a:lstStyle>
           <a:p>
-            <a:pPr indent="0" lvl="0" marL="0" rtl="0" algn="r">
+            <a:pPr marL="0" lvl="0" indent="0" algn="r" rtl="0">
               <a:spcBef>
                 <a:spcPts val="0"/>
               </a:spcBef>
@@ -3041,7 +3091,7 @@
             </a:pPr>
             <a:fld id="{00000000-1234-1234-1234-123412341234}" type="slidenum">
               <a:rPr lang="es"/>
-              <a:t>‹#›</a:t>
+              <a:t>‹Nº›</a:t>
             </a:fld>
             <a:endParaRPr/>
           </a:p>
@@ -3056,11 +3106,11 @@
 </file>
 
 <file path=ppt/slideLayouts/slideLayout11.xml><?xml version="1.0" encoding="utf-8"?>
-<p:sldLayout xmlns:a="http://schemas.openxmlformats.org/drawingml/2006/main" xmlns:r="http://schemas.openxmlformats.org/officeDocument/2006/relationships" xmlns:mc="http://schemas.openxmlformats.org/markup-compatibility/2006" xmlns:mv="urn:schemas-microsoft-com:mac:vml" xmlns:p="http://schemas.openxmlformats.org/presentationml/2006/main" xmlns:c="http://schemas.openxmlformats.org/drawingml/2006/chart" xmlns:dgm="http://schemas.openxmlformats.org/drawingml/2006/diagram" xmlns:o="urn:schemas-microsoft-com:office:office" xmlns:v="urn:schemas-microsoft-com:vml" xmlns:pvml="urn:schemas-microsoft-com:office:powerpoint" xmlns:com="http://schemas.openxmlformats.org/drawingml/2006/compatibility" xmlns:p14="http://schemas.microsoft.com/office/powerpoint/2010/main" xmlns:p15="http://schemas.microsoft.com/office/powerpoint/2012/main" xmlns:ahyp="http://schemas.microsoft.com/office/drawing/2018/hyperlinkcolor" matchingName="Blank" type="blank">
+<p:sldLayout xmlns:a="http://schemas.openxmlformats.org/drawingml/2006/main" xmlns:r="http://schemas.openxmlformats.org/officeDocument/2006/relationships" xmlns:p="http://schemas.openxmlformats.org/presentationml/2006/main" matchingName="Blank" type="blank">
   <p:cSld name="BLANK">
     <p:spTree>
       <p:nvGrpSpPr>
-        <p:cNvPr id="79" name="Shape 79"/>
+        <p:cNvPr id="1" name="Shape 79"/>
         <p:cNvGrpSpPr/>
         <p:nvPr/>
       </p:nvGrpSpPr>
@@ -3075,9 +3125,11 @@
       <p:sp>
         <p:nvSpPr>
           <p:cNvPr id="80" name="Google Shape;80;p12"/>
-          <p:cNvSpPr txBox="1"/>
+          <p:cNvSpPr txBox="1">
+            <a:spLocks noGrp="1"/>
+          </p:cNvSpPr>
           <p:nvPr>
-            <p:ph idx="12" type="sldNum"/>
+            <p:ph type="sldNum" idx="12"/>
           </p:nvPr>
         </p:nvSpPr>
         <p:spPr>
@@ -3090,7 +3142,7 @@
           </a:prstGeom>
         </p:spPr>
         <p:txBody>
-          <a:bodyPr anchorCtr="0" anchor="ctr" bIns="91425" lIns="91425" spcFirstLastPara="1" rIns="91425" wrap="square" tIns="91425">
+          <a:bodyPr spcFirstLastPara="1" wrap="square" lIns="91425" tIns="91425" rIns="91425" bIns="91425" anchor="ctr" anchorCtr="0">
             <a:normAutofit/>
           </a:bodyPr>
           <a:lstStyle>
@@ -3168,7 +3220,7 @@
             </a:lvl9pPr>
           </a:lstStyle>
           <a:p>
-            <a:pPr indent="0" lvl="0" marL="0" rtl="0" algn="r">
+            <a:pPr marL="0" lvl="0" indent="0" algn="r" rtl="0">
               <a:spcBef>
                 <a:spcPts val="0"/>
               </a:spcBef>
@@ -3179,7 +3231,7 @@
             </a:pPr>
             <a:fld id="{00000000-1234-1234-1234-123412341234}" type="slidenum">
               <a:rPr lang="es"/>
-              <a:t>‹#›</a:t>
+              <a:t>‹Nº›</a:t>
             </a:fld>
             <a:endParaRPr/>
           </a:p>
@@ -3194,18 +3246,19 @@
 </file>
 
 <file path=ppt/slideLayouts/slideLayout2.xml><?xml version="1.0" encoding="utf-8"?>
-<p:sldLayout xmlns:a="http://schemas.openxmlformats.org/drawingml/2006/main" xmlns:r="http://schemas.openxmlformats.org/officeDocument/2006/relationships" xmlns:mc="http://schemas.openxmlformats.org/markup-compatibility/2006" xmlns:mv="urn:schemas-microsoft-com:mac:vml" xmlns:p="http://schemas.openxmlformats.org/presentationml/2006/main" xmlns:c="http://schemas.openxmlformats.org/drawingml/2006/chart" xmlns:dgm="http://schemas.openxmlformats.org/drawingml/2006/diagram" xmlns:o="urn:schemas-microsoft-com:office:office" xmlns:v="urn:schemas-microsoft-com:vml" xmlns:pvml="urn:schemas-microsoft-com:office:powerpoint" xmlns:com="http://schemas.openxmlformats.org/drawingml/2006/compatibility" xmlns:p14="http://schemas.microsoft.com/office/powerpoint/2010/main" xmlns:p15="http://schemas.microsoft.com/office/powerpoint/2012/main" xmlns:ahyp="http://schemas.microsoft.com/office/drawing/2018/hyperlinkcolor" matchingName="Section header" type="secHead">
+<p:sldLayout xmlns:a="http://schemas.openxmlformats.org/drawingml/2006/main" xmlns:r="http://schemas.openxmlformats.org/officeDocument/2006/relationships" xmlns:p="http://schemas.openxmlformats.org/presentationml/2006/main" matchingName="Section header" type="secHead">
   <p:cSld name="SECTION_HEADER">
     <p:bg>
       <p:bgPr>
         <a:solidFill>
           <a:schemeClr val="dk1"/>
         </a:solidFill>
+        <a:effectLst/>
       </p:bgPr>
     </p:bg>
     <p:spTree>
       <p:nvGrpSpPr>
-        <p:cNvPr id="19" name="Shape 19"/>
+        <p:cNvPr id="1" name="Shape 19"/>
         <p:cNvGrpSpPr/>
         <p:nvPr/>
       </p:nvGrpSpPr>
@@ -3253,12 +3306,12 @@
             </a:ln>
           </p:spPr>
           <p:txBody>
-            <a:bodyPr anchorCtr="0" anchor="ctr" bIns="91425" lIns="91425" spcFirstLastPara="1" rIns="91425" wrap="square" tIns="91425">
+            <a:bodyPr spcFirstLastPara="1" wrap="square" lIns="91425" tIns="91425" rIns="91425" bIns="91425" anchor="ctr" anchorCtr="0">
               <a:noAutofit/>
             </a:bodyPr>
             <a:lstStyle/>
             <a:p>
-              <a:pPr indent="0" lvl="0" marL="0" rtl="0" algn="l">
+              <a:pPr marL="0" lvl="0" indent="0" algn="l" rtl="0">
                 <a:spcBef>
                   <a:spcPts val="0"/>
                 </a:spcBef>
@@ -3267,9 +3320,6 @@
                 </a:spcAft>
                 <a:buNone/>
               </a:pPr>
-              <a:r>
-                <a:t/>
-              </a:r>
               <a:endParaRPr/>
             </a:p>
           </p:txBody>
@@ -3296,12 +3346,12 @@
             </a:ln>
           </p:spPr>
           <p:txBody>
-            <a:bodyPr anchorCtr="0" anchor="ctr" bIns="91425" lIns="91425" spcFirstLastPara="1" rIns="91425" wrap="square" tIns="91425">
+            <a:bodyPr spcFirstLastPara="1" wrap="square" lIns="91425" tIns="91425" rIns="91425" bIns="91425" anchor="ctr" anchorCtr="0">
               <a:noAutofit/>
             </a:bodyPr>
             <a:lstStyle/>
             <a:p>
-              <a:pPr indent="0" lvl="0" marL="0" rtl="0" algn="l">
+              <a:pPr marL="0" lvl="0" indent="0" algn="l" rtl="0">
                 <a:spcBef>
                   <a:spcPts val="0"/>
                 </a:spcBef>
@@ -3310,9 +3360,6 @@
                 </a:spcAft>
                 <a:buNone/>
               </a:pPr>
-              <a:r>
-                <a:t/>
-              </a:r>
               <a:endParaRPr/>
             </a:p>
           </p:txBody>
@@ -3324,7 +3371,7 @@
             <p:nvPr/>
           </p:nvSpPr>
           <p:spPr>
-            <a:xfrm flipH="1" rot="10800000">
+            <a:xfrm rot="10800000" flipH="1">
               <a:off x="7113588" y="107"/>
               <a:ext cx="1015200" cy="1015200"/>
             </a:xfrm>
@@ -3339,12 +3386,12 @@
             </a:ln>
           </p:spPr>
           <p:txBody>
-            <a:bodyPr anchorCtr="0" anchor="ctr" bIns="91425" lIns="91425" spcFirstLastPara="1" rIns="91425" wrap="square" tIns="91425">
+            <a:bodyPr spcFirstLastPara="1" wrap="square" lIns="91425" tIns="91425" rIns="91425" bIns="91425" anchor="ctr" anchorCtr="0">
               <a:noAutofit/>
             </a:bodyPr>
             <a:lstStyle/>
             <a:p>
-              <a:pPr indent="0" lvl="0" marL="0" rtl="0" algn="l">
+              <a:pPr marL="0" lvl="0" indent="0" algn="l" rtl="0">
                 <a:spcBef>
                   <a:spcPts val="0"/>
                 </a:spcBef>
@@ -3353,9 +3400,6 @@
                 </a:spcAft>
                 <a:buNone/>
               </a:pPr>
-              <a:r>
-                <a:t/>
-              </a:r>
               <a:endParaRPr/>
             </a:p>
           </p:txBody>
@@ -3382,12 +3426,12 @@
             </a:ln>
           </p:spPr>
           <p:txBody>
-            <a:bodyPr anchorCtr="0" anchor="ctr" bIns="91425" lIns="91425" spcFirstLastPara="1" rIns="91425" wrap="square" tIns="91425">
+            <a:bodyPr spcFirstLastPara="1" wrap="square" lIns="91425" tIns="91425" rIns="91425" bIns="91425" anchor="ctr" anchorCtr="0">
               <a:noAutofit/>
             </a:bodyPr>
             <a:lstStyle/>
             <a:p>
-              <a:pPr indent="0" lvl="0" marL="0" rtl="0" algn="l">
+              <a:pPr marL="0" lvl="0" indent="0" algn="l" rtl="0">
                 <a:spcBef>
                   <a:spcPts val="0"/>
                 </a:spcBef>
@@ -3396,9 +3440,6 @@
                 </a:spcAft>
                 <a:buNone/>
               </a:pPr>
-              <a:r>
-                <a:t/>
-              </a:r>
               <a:endParaRPr/>
             </a:p>
           </p:txBody>
@@ -3425,12 +3466,12 @@
             </a:ln>
           </p:spPr>
           <p:txBody>
-            <a:bodyPr anchorCtr="0" anchor="ctr" bIns="91425" lIns="91425" spcFirstLastPara="1" rIns="91425" wrap="square" tIns="91425">
+            <a:bodyPr spcFirstLastPara="1" wrap="square" lIns="91425" tIns="91425" rIns="91425" bIns="91425" anchor="ctr" anchorCtr="0">
               <a:noAutofit/>
             </a:bodyPr>
             <a:lstStyle/>
             <a:p>
-              <a:pPr indent="0" lvl="0" marL="0" rtl="0" algn="l">
+              <a:pPr marL="0" lvl="0" indent="0" algn="l" rtl="0">
                 <a:spcBef>
                   <a:spcPts val="0"/>
                 </a:spcBef>
@@ -3439,9 +3480,6 @@
                 </a:spcAft>
                 <a:buNone/>
               </a:pPr>
-              <a:r>
-                <a:t/>
-              </a:r>
               <a:endParaRPr/>
             </a:p>
           </p:txBody>
@@ -3450,7 +3488,9 @@
       <p:sp>
         <p:nvSpPr>
           <p:cNvPr id="26" name="Google Shape;26;p3"/>
-          <p:cNvSpPr txBox="1"/>
+          <p:cNvSpPr txBox="1">
+            <a:spLocks noGrp="1"/>
+          </p:cNvSpPr>
           <p:nvPr>
             <p:ph type="title"/>
           </p:nvPr>
@@ -3465,7 +3505,7 @@
           </a:prstGeom>
         </p:spPr>
         <p:txBody>
-          <a:bodyPr anchorCtr="0" anchor="ctr" bIns="91425" lIns="91425" spcFirstLastPara="1" rIns="91425" wrap="square" tIns="91425">
+          <a:bodyPr spcFirstLastPara="1" wrap="square" lIns="91425" tIns="91425" rIns="91425" bIns="91425" anchor="ctr" anchorCtr="0">
             <a:normAutofit/>
           </a:bodyPr>
           <a:lstStyle>
@@ -3632,15 +3672,19 @@
               </a:defRPr>
             </a:lvl9pPr>
           </a:lstStyle>
-          <a:p/>
+          <a:p>
+            <a:endParaRPr/>
+          </a:p>
         </p:txBody>
       </p:sp>
       <p:sp>
         <p:nvSpPr>
           <p:cNvPr id="27" name="Google Shape;27;p3"/>
-          <p:cNvSpPr txBox="1"/>
+          <p:cNvSpPr txBox="1">
+            <a:spLocks noGrp="1"/>
+          </p:cNvSpPr>
           <p:nvPr>
-            <p:ph idx="12" type="sldNum"/>
+            <p:ph type="sldNum" idx="12"/>
           </p:nvPr>
         </p:nvSpPr>
         <p:spPr>
@@ -3653,7 +3697,7 @@
           </a:prstGeom>
         </p:spPr>
         <p:txBody>
-          <a:bodyPr anchorCtr="0" anchor="ctr" bIns="91425" lIns="91425" spcFirstLastPara="1" rIns="91425" wrap="square" tIns="91425">
+          <a:bodyPr spcFirstLastPara="1" wrap="square" lIns="91425" tIns="91425" rIns="91425" bIns="91425" anchor="ctr" anchorCtr="0">
             <a:normAutofit/>
           </a:bodyPr>
           <a:lstStyle>
@@ -3695,7 +3739,7 @@
             </a:lvl9pPr>
           </a:lstStyle>
           <a:p>
-            <a:pPr indent="0" lvl="0" marL="0" rtl="0" algn="r">
+            <a:pPr marL="0" lvl="0" indent="0" algn="r" rtl="0">
               <a:spcBef>
                 <a:spcPts val="0"/>
               </a:spcBef>
@@ -3706,7 +3750,7 @@
             </a:pPr>
             <a:fld id="{00000000-1234-1234-1234-123412341234}" type="slidenum">
               <a:rPr lang="es"/>
-              <a:t>‹#›</a:t>
+              <a:t>‹Nº›</a:t>
             </a:fld>
             <a:endParaRPr/>
           </a:p>
@@ -3721,11 +3765,11 @@
 </file>
 
 <file path=ppt/slideLayouts/slideLayout3.xml><?xml version="1.0" encoding="utf-8"?>
-<p:sldLayout xmlns:a="http://schemas.openxmlformats.org/drawingml/2006/main" xmlns:r="http://schemas.openxmlformats.org/officeDocument/2006/relationships" xmlns:mc="http://schemas.openxmlformats.org/markup-compatibility/2006" xmlns:mv="urn:schemas-microsoft-com:mac:vml" xmlns:p="http://schemas.openxmlformats.org/presentationml/2006/main" xmlns:c="http://schemas.openxmlformats.org/drawingml/2006/chart" xmlns:dgm="http://schemas.openxmlformats.org/drawingml/2006/diagram" xmlns:o="urn:schemas-microsoft-com:office:office" xmlns:v="urn:schemas-microsoft-com:vml" xmlns:pvml="urn:schemas-microsoft-com:office:powerpoint" xmlns:com="http://schemas.openxmlformats.org/drawingml/2006/compatibility" xmlns:p14="http://schemas.microsoft.com/office/powerpoint/2010/main" xmlns:p15="http://schemas.microsoft.com/office/powerpoint/2012/main" xmlns:ahyp="http://schemas.microsoft.com/office/drawing/2018/hyperlinkcolor" matchingName="Title and body" type="tx">
+<p:sldLayout xmlns:a="http://schemas.openxmlformats.org/drawingml/2006/main" xmlns:r="http://schemas.openxmlformats.org/officeDocument/2006/relationships" xmlns:p="http://schemas.openxmlformats.org/presentationml/2006/main" matchingName="Title and body" type="tx">
   <p:cSld name="TITLE_AND_BODY">
     <p:spTree>
       <p:nvGrpSpPr>
-        <p:cNvPr id="28" name="Shape 28"/>
+        <p:cNvPr id="1" name="Shape 28"/>
         <p:cNvGrpSpPr/>
         <p:nvPr/>
       </p:nvGrpSpPr>
@@ -3773,12 +3817,12 @@
             </a:ln>
           </p:spPr>
           <p:txBody>
-            <a:bodyPr anchorCtr="0" anchor="ctr" bIns="91425" lIns="91425" spcFirstLastPara="1" rIns="91425" wrap="square" tIns="91425">
+            <a:bodyPr spcFirstLastPara="1" wrap="square" lIns="91425" tIns="91425" rIns="91425" bIns="91425" anchor="ctr" anchorCtr="0">
               <a:noAutofit/>
             </a:bodyPr>
             <a:lstStyle/>
             <a:p>
-              <a:pPr indent="0" lvl="0" marL="0" rtl="0" algn="l">
+              <a:pPr marL="0" lvl="0" indent="0" algn="l" rtl="0">
                 <a:spcBef>
                   <a:spcPts val="0"/>
                 </a:spcBef>
@@ -3787,9 +3831,6 @@
                 </a:spcAft>
                 <a:buNone/>
               </a:pPr>
-              <a:r>
-                <a:t/>
-              </a:r>
               <a:endParaRPr/>
             </a:p>
           </p:txBody>
@@ -3816,12 +3857,12 @@
             </a:ln>
           </p:spPr>
           <p:txBody>
-            <a:bodyPr anchorCtr="0" anchor="ctr" bIns="91425" lIns="91425" spcFirstLastPara="1" rIns="91425" wrap="square" tIns="91425">
+            <a:bodyPr spcFirstLastPara="1" wrap="square" lIns="91425" tIns="91425" rIns="91425" bIns="91425" anchor="ctr" anchorCtr="0">
               <a:noAutofit/>
             </a:bodyPr>
             <a:lstStyle/>
             <a:p>
-              <a:pPr indent="0" lvl="0" marL="0" rtl="0" algn="l">
+              <a:pPr marL="0" lvl="0" indent="0" algn="l" rtl="0">
                 <a:spcBef>
                   <a:spcPts val="0"/>
                 </a:spcBef>
@@ -3830,9 +3871,6 @@
                 </a:spcAft>
                 <a:buNone/>
               </a:pPr>
-              <a:r>
-                <a:t/>
-              </a:r>
               <a:endParaRPr/>
             </a:p>
           </p:txBody>
@@ -3859,12 +3897,12 @@
             </a:ln>
           </p:spPr>
           <p:txBody>
-            <a:bodyPr anchorCtr="0" anchor="ctr" bIns="91425" lIns="91425" spcFirstLastPara="1" rIns="91425" wrap="square" tIns="91425">
+            <a:bodyPr spcFirstLastPara="1" wrap="square" lIns="91425" tIns="91425" rIns="91425" bIns="91425" anchor="ctr" anchorCtr="0">
               <a:noAutofit/>
             </a:bodyPr>
             <a:lstStyle/>
             <a:p>
-              <a:pPr indent="0" lvl="0" marL="0" rtl="0" algn="l">
+              <a:pPr marL="0" lvl="0" indent="0" algn="l" rtl="0">
                 <a:spcBef>
                   <a:spcPts val="0"/>
                 </a:spcBef>
@@ -3873,9 +3911,6 @@
                 </a:spcAft>
                 <a:buNone/>
               </a:pPr>
-              <a:r>
-                <a:t/>
-              </a:r>
               <a:endParaRPr/>
             </a:p>
           </p:txBody>
@@ -3902,12 +3937,12 @@
             </a:ln>
           </p:spPr>
           <p:txBody>
-            <a:bodyPr anchorCtr="0" anchor="ctr" bIns="91425" lIns="91425" spcFirstLastPara="1" rIns="91425" wrap="square" tIns="91425">
+            <a:bodyPr spcFirstLastPara="1" wrap="square" lIns="91425" tIns="91425" rIns="91425" bIns="91425" anchor="ctr" anchorCtr="0">
               <a:noAutofit/>
             </a:bodyPr>
             <a:lstStyle/>
             <a:p>
-              <a:pPr indent="0" lvl="0" marL="0" rtl="0" algn="l">
+              <a:pPr marL="0" lvl="0" indent="0" algn="l" rtl="0">
                 <a:spcBef>
                   <a:spcPts val="0"/>
                 </a:spcBef>
@@ -3916,9 +3951,6 @@
                 </a:spcAft>
                 <a:buNone/>
               </a:pPr>
-              <a:r>
-                <a:t/>
-              </a:r>
               <a:endParaRPr/>
             </a:p>
           </p:txBody>
@@ -3945,12 +3977,12 @@
             </a:ln>
           </p:spPr>
           <p:txBody>
-            <a:bodyPr anchorCtr="0" anchor="ctr" bIns="91425" lIns="91425" spcFirstLastPara="1" rIns="91425" wrap="square" tIns="91425">
+            <a:bodyPr spcFirstLastPara="1" wrap="square" lIns="91425" tIns="91425" rIns="91425" bIns="91425" anchor="ctr" anchorCtr="0">
               <a:noAutofit/>
             </a:bodyPr>
             <a:lstStyle/>
             <a:p>
-              <a:pPr indent="0" lvl="0" marL="0" rtl="0" algn="l">
+              <a:pPr marL="0" lvl="0" indent="0" algn="l" rtl="0">
                 <a:spcBef>
                   <a:spcPts val="0"/>
                 </a:spcBef>
@@ -3959,9 +3991,6 @@
                 </a:spcAft>
                 <a:buNone/>
               </a:pPr>
-              <a:r>
-                <a:t/>
-              </a:r>
               <a:endParaRPr/>
             </a:p>
           </p:txBody>
@@ -3970,7 +3999,9 @@
       <p:sp>
         <p:nvSpPr>
           <p:cNvPr id="35" name="Google Shape;35;p4"/>
-          <p:cNvSpPr txBox="1"/>
+          <p:cNvSpPr txBox="1">
+            <a:spLocks noGrp="1"/>
+          </p:cNvSpPr>
           <p:nvPr>
             <p:ph type="title"/>
           </p:nvPr>
@@ -3985,7 +4016,7 @@
           </a:prstGeom>
         </p:spPr>
         <p:txBody>
-          <a:bodyPr anchorCtr="0" anchor="t" bIns="91425" lIns="91425" spcFirstLastPara="1" rIns="91425" wrap="square" tIns="91425">
+          <a:bodyPr spcFirstLastPara="1" wrap="square" lIns="91425" tIns="91425" rIns="91425" bIns="91425" anchor="t" anchorCtr="0">
             <a:normAutofit/>
           </a:bodyPr>
           <a:lstStyle>
@@ -4089,15 +4120,19 @@
               <a:defRPr/>
             </a:lvl9pPr>
           </a:lstStyle>
-          <a:p/>
+          <a:p>
+            <a:endParaRPr/>
+          </a:p>
         </p:txBody>
       </p:sp>
       <p:sp>
         <p:nvSpPr>
           <p:cNvPr id="36" name="Google Shape;36;p4"/>
-          <p:cNvSpPr txBox="1"/>
+          <p:cNvSpPr txBox="1">
+            <a:spLocks noGrp="1"/>
+          </p:cNvSpPr>
           <p:nvPr>
-            <p:ph idx="1" type="body"/>
+            <p:ph type="body" idx="1"/>
           </p:nvPr>
         </p:nvSpPr>
         <p:spPr>
@@ -4110,11 +4145,11 @@
           </a:prstGeom>
         </p:spPr>
         <p:txBody>
-          <a:bodyPr anchorCtr="0" anchor="t" bIns="91425" lIns="91425" spcFirstLastPara="1" rIns="91425" wrap="square" tIns="91425">
+          <a:bodyPr spcFirstLastPara="1" wrap="square" lIns="91425" tIns="91425" rIns="91425" bIns="91425" anchor="t" anchorCtr="0">
             <a:normAutofit/>
           </a:bodyPr>
           <a:lstStyle>
-            <a:lvl1pPr indent="-342900" lvl="0" marL="457200">
+            <a:lvl1pPr marL="457200" lvl="0" indent="-342900">
               <a:spcBef>
                 <a:spcPts val="0"/>
               </a:spcBef>
@@ -4125,7 +4160,7 @@
               <a:buChar char="●"/>
               <a:defRPr/>
             </a:lvl1pPr>
-            <a:lvl2pPr indent="-317500" lvl="1" marL="914400">
+            <a:lvl2pPr marL="914400" lvl="1" indent="-317500">
               <a:spcBef>
                 <a:spcPts val="0"/>
               </a:spcBef>
@@ -4136,7 +4171,7 @@
               <a:buChar char="○"/>
               <a:defRPr/>
             </a:lvl2pPr>
-            <a:lvl3pPr indent="-317500" lvl="2" marL="1371600">
+            <a:lvl3pPr marL="1371600" lvl="2" indent="-317500">
               <a:spcBef>
                 <a:spcPts val="0"/>
               </a:spcBef>
@@ -4147,7 +4182,7 @@
               <a:buChar char="■"/>
               <a:defRPr/>
             </a:lvl3pPr>
-            <a:lvl4pPr indent="-317500" lvl="3" marL="1828800">
+            <a:lvl4pPr marL="1828800" lvl="3" indent="-317500">
               <a:spcBef>
                 <a:spcPts val="0"/>
               </a:spcBef>
@@ -4158,7 +4193,7 @@
               <a:buChar char="●"/>
               <a:defRPr/>
             </a:lvl4pPr>
-            <a:lvl5pPr indent="-317500" lvl="4" marL="2286000">
+            <a:lvl5pPr marL="2286000" lvl="4" indent="-317500">
               <a:spcBef>
                 <a:spcPts val="0"/>
               </a:spcBef>
@@ -4169,7 +4204,7 @@
               <a:buChar char="○"/>
               <a:defRPr/>
             </a:lvl5pPr>
-            <a:lvl6pPr indent="-317500" lvl="5" marL="2743200">
+            <a:lvl6pPr marL="2743200" lvl="5" indent="-317500">
               <a:spcBef>
                 <a:spcPts val="0"/>
               </a:spcBef>
@@ -4180,7 +4215,7 @@
               <a:buChar char="■"/>
               <a:defRPr/>
             </a:lvl6pPr>
-            <a:lvl7pPr indent="-317500" lvl="6" marL="3200400">
+            <a:lvl7pPr marL="3200400" lvl="6" indent="-317500">
               <a:spcBef>
                 <a:spcPts val="0"/>
               </a:spcBef>
@@ -4191,7 +4226,7 @@
               <a:buChar char="●"/>
               <a:defRPr/>
             </a:lvl7pPr>
-            <a:lvl8pPr indent="-317500" lvl="7" marL="3657600">
+            <a:lvl8pPr marL="3657600" lvl="7" indent="-317500">
               <a:spcBef>
                 <a:spcPts val="0"/>
               </a:spcBef>
@@ -4202,7 +4237,7 @@
               <a:buChar char="○"/>
               <a:defRPr/>
             </a:lvl8pPr>
-            <a:lvl9pPr indent="-317500" lvl="8" marL="4114800">
+            <a:lvl9pPr marL="4114800" lvl="8" indent="-317500">
               <a:spcBef>
                 <a:spcPts val="0"/>
               </a:spcBef>
@@ -4214,15 +4249,19 @@
               <a:defRPr/>
             </a:lvl9pPr>
           </a:lstStyle>
-          <a:p/>
+          <a:p>
+            <a:endParaRPr/>
+          </a:p>
         </p:txBody>
       </p:sp>
       <p:sp>
         <p:nvSpPr>
           <p:cNvPr id="37" name="Google Shape;37;p4"/>
-          <p:cNvSpPr txBox="1"/>
+          <p:cNvSpPr txBox="1">
+            <a:spLocks noGrp="1"/>
+          </p:cNvSpPr>
           <p:nvPr>
-            <p:ph idx="12" type="sldNum"/>
+            <p:ph type="sldNum" idx="12"/>
           </p:nvPr>
         </p:nvSpPr>
         <p:spPr>
@@ -4235,7 +4274,7 @@
           </a:prstGeom>
         </p:spPr>
         <p:txBody>
-          <a:bodyPr anchorCtr="0" anchor="ctr" bIns="91425" lIns="91425" spcFirstLastPara="1" rIns="91425" wrap="square" tIns="91425">
+          <a:bodyPr spcFirstLastPara="1" wrap="square" lIns="91425" tIns="91425" rIns="91425" bIns="91425" anchor="ctr" anchorCtr="0">
             <a:normAutofit/>
           </a:bodyPr>
           <a:lstStyle>
@@ -4277,7 +4316,7 @@
             </a:lvl9pPr>
           </a:lstStyle>
           <a:p>
-            <a:pPr indent="0" lvl="0" marL="0" rtl="0" algn="r">
+            <a:pPr marL="0" lvl="0" indent="0" algn="r" rtl="0">
               <a:spcBef>
                 <a:spcPts val="0"/>
               </a:spcBef>
@@ -4288,7 +4327,7 @@
             </a:pPr>
             <a:fld id="{00000000-1234-1234-1234-123412341234}" type="slidenum">
               <a:rPr lang="es"/>
-              <a:t>‹#›</a:t>
+              <a:t>‹Nº›</a:t>
             </a:fld>
             <a:endParaRPr/>
           </a:p>
@@ -4303,11 +4342,11 @@
 </file>
 
 <file path=ppt/slideLayouts/slideLayout4.xml><?xml version="1.0" encoding="utf-8"?>
-<p:sldLayout xmlns:a="http://schemas.openxmlformats.org/drawingml/2006/main" xmlns:r="http://schemas.openxmlformats.org/officeDocument/2006/relationships" xmlns:mc="http://schemas.openxmlformats.org/markup-compatibility/2006" xmlns:mv="urn:schemas-microsoft-com:mac:vml" xmlns:p="http://schemas.openxmlformats.org/presentationml/2006/main" xmlns:c="http://schemas.openxmlformats.org/drawingml/2006/chart" xmlns:dgm="http://schemas.openxmlformats.org/drawingml/2006/diagram" xmlns:o="urn:schemas-microsoft-com:office:office" xmlns:v="urn:schemas-microsoft-com:vml" xmlns:pvml="urn:schemas-microsoft-com:office:powerpoint" xmlns:com="http://schemas.openxmlformats.org/drawingml/2006/compatibility" xmlns:p14="http://schemas.microsoft.com/office/powerpoint/2010/main" xmlns:p15="http://schemas.microsoft.com/office/powerpoint/2012/main" xmlns:ahyp="http://schemas.microsoft.com/office/drawing/2018/hyperlinkcolor" matchingName="Title and two columns" type="twoColTx">
+<p:sldLayout xmlns:a="http://schemas.openxmlformats.org/drawingml/2006/main" xmlns:r="http://schemas.openxmlformats.org/officeDocument/2006/relationships" xmlns:p="http://schemas.openxmlformats.org/presentationml/2006/main" matchingName="Title and two columns" type="twoColTx">
   <p:cSld name="TITLE_AND_TWO_COLUMNS">
     <p:spTree>
       <p:nvGrpSpPr>
-        <p:cNvPr id="38" name="Shape 38"/>
+        <p:cNvPr id="1" name="Shape 38"/>
         <p:cNvGrpSpPr/>
         <p:nvPr/>
       </p:nvGrpSpPr>
@@ -4322,7 +4361,9 @@
       <p:sp>
         <p:nvSpPr>
           <p:cNvPr id="39" name="Google Shape;39;p5"/>
-          <p:cNvSpPr txBox="1"/>
+          <p:cNvSpPr txBox="1">
+            <a:spLocks noGrp="1"/>
+          </p:cNvSpPr>
           <p:nvPr>
             <p:ph type="title"/>
           </p:nvPr>
@@ -4337,7 +4378,7 @@
           </a:prstGeom>
         </p:spPr>
         <p:txBody>
-          <a:bodyPr anchorCtr="0" anchor="t" bIns="91425" lIns="91425" spcFirstLastPara="1" rIns="91425" wrap="square" tIns="91425">
+          <a:bodyPr spcFirstLastPara="1" wrap="square" lIns="91425" tIns="91425" rIns="91425" bIns="91425" anchor="t" anchorCtr="0">
             <a:normAutofit/>
           </a:bodyPr>
           <a:lstStyle>
@@ -4441,15 +4482,19 @@
               <a:defRPr/>
             </a:lvl9pPr>
           </a:lstStyle>
-          <a:p/>
+          <a:p>
+            <a:endParaRPr/>
+          </a:p>
         </p:txBody>
       </p:sp>
       <p:sp>
         <p:nvSpPr>
           <p:cNvPr id="40" name="Google Shape;40;p5"/>
-          <p:cNvSpPr txBox="1"/>
+          <p:cNvSpPr txBox="1">
+            <a:spLocks noGrp="1"/>
+          </p:cNvSpPr>
           <p:nvPr>
-            <p:ph idx="1" type="body"/>
+            <p:ph type="body" idx="1"/>
           </p:nvPr>
         </p:nvSpPr>
         <p:spPr>
@@ -4462,11 +4507,11 @@
           </a:prstGeom>
         </p:spPr>
         <p:txBody>
-          <a:bodyPr anchorCtr="0" anchor="t" bIns="91425" lIns="91425" spcFirstLastPara="1" rIns="91425" wrap="square" tIns="91425">
+          <a:bodyPr spcFirstLastPara="1" wrap="square" lIns="91425" tIns="91425" rIns="91425" bIns="91425" anchor="t" anchorCtr="0">
             <a:normAutofit/>
           </a:bodyPr>
           <a:lstStyle>
-            <a:lvl1pPr indent="-317500" lvl="0" marL="457200">
+            <a:lvl1pPr marL="457200" lvl="0" indent="-317500">
               <a:spcBef>
                 <a:spcPts val="0"/>
               </a:spcBef>
@@ -4477,7 +4522,7 @@
               <a:buChar char="●"/>
               <a:defRPr sz="1400"/>
             </a:lvl1pPr>
-            <a:lvl2pPr indent="-304800" lvl="1" marL="914400">
+            <a:lvl2pPr marL="914400" lvl="1" indent="-304800">
               <a:spcBef>
                 <a:spcPts val="0"/>
               </a:spcBef>
@@ -4488,7 +4533,7 @@
               <a:buChar char="○"/>
               <a:defRPr sz="1200"/>
             </a:lvl2pPr>
-            <a:lvl3pPr indent="-304800" lvl="2" marL="1371600">
+            <a:lvl3pPr marL="1371600" lvl="2" indent="-304800">
               <a:spcBef>
                 <a:spcPts val="0"/>
               </a:spcBef>
@@ -4499,7 +4544,7 @@
               <a:buChar char="■"/>
               <a:defRPr sz="1200"/>
             </a:lvl3pPr>
-            <a:lvl4pPr indent="-304800" lvl="3" marL="1828800">
+            <a:lvl4pPr marL="1828800" lvl="3" indent="-304800">
               <a:spcBef>
                 <a:spcPts val="0"/>
               </a:spcBef>
@@ -4510,7 +4555,7 @@
               <a:buChar char="●"/>
               <a:defRPr sz="1200"/>
             </a:lvl4pPr>
-            <a:lvl5pPr indent="-304800" lvl="4" marL="2286000">
+            <a:lvl5pPr marL="2286000" lvl="4" indent="-304800">
               <a:spcBef>
                 <a:spcPts val="0"/>
               </a:spcBef>
@@ -4521,7 +4566,7 @@
               <a:buChar char="○"/>
               <a:defRPr sz="1200"/>
             </a:lvl5pPr>
-            <a:lvl6pPr indent="-304800" lvl="5" marL="2743200">
+            <a:lvl6pPr marL="2743200" lvl="5" indent="-304800">
               <a:spcBef>
                 <a:spcPts val="0"/>
               </a:spcBef>
@@ -4532,7 +4577,7 @@
               <a:buChar char="■"/>
               <a:defRPr sz="1200"/>
             </a:lvl6pPr>
-            <a:lvl7pPr indent="-304800" lvl="6" marL="3200400">
+            <a:lvl7pPr marL="3200400" lvl="6" indent="-304800">
               <a:spcBef>
                 <a:spcPts val="0"/>
               </a:spcBef>
@@ -4543,7 +4588,7 @@
               <a:buChar char="●"/>
               <a:defRPr sz="1200"/>
             </a:lvl7pPr>
-            <a:lvl8pPr indent="-304800" lvl="7" marL="3657600">
+            <a:lvl8pPr marL="3657600" lvl="7" indent="-304800">
               <a:spcBef>
                 <a:spcPts val="0"/>
               </a:spcBef>
@@ -4554,7 +4599,7 @@
               <a:buChar char="○"/>
               <a:defRPr sz="1200"/>
             </a:lvl8pPr>
-            <a:lvl9pPr indent="-304800" lvl="8" marL="4114800">
+            <a:lvl9pPr marL="4114800" lvl="8" indent="-304800">
               <a:spcBef>
                 <a:spcPts val="0"/>
               </a:spcBef>
@@ -4566,15 +4611,19 @@
               <a:defRPr sz="1200"/>
             </a:lvl9pPr>
           </a:lstStyle>
-          <a:p/>
+          <a:p>
+            <a:endParaRPr/>
+          </a:p>
         </p:txBody>
       </p:sp>
       <p:sp>
         <p:nvSpPr>
           <p:cNvPr id="41" name="Google Shape;41;p5"/>
-          <p:cNvSpPr txBox="1"/>
+          <p:cNvSpPr txBox="1">
+            <a:spLocks noGrp="1"/>
+          </p:cNvSpPr>
           <p:nvPr>
-            <p:ph idx="2" type="body"/>
+            <p:ph type="body" idx="2"/>
           </p:nvPr>
         </p:nvSpPr>
         <p:spPr>
@@ -4587,11 +4636,11 @@
           </a:prstGeom>
         </p:spPr>
         <p:txBody>
-          <a:bodyPr anchorCtr="0" anchor="t" bIns="91425" lIns="91425" spcFirstLastPara="1" rIns="91425" wrap="square" tIns="91425">
+          <a:bodyPr spcFirstLastPara="1" wrap="square" lIns="91425" tIns="91425" rIns="91425" bIns="91425" anchor="t" anchorCtr="0">
             <a:normAutofit/>
           </a:bodyPr>
           <a:lstStyle>
-            <a:lvl1pPr indent="-317500" lvl="0" marL="457200">
+            <a:lvl1pPr marL="457200" lvl="0" indent="-317500">
               <a:spcBef>
                 <a:spcPts val="0"/>
               </a:spcBef>
@@ -4602,7 +4651,7 @@
               <a:buChar char="●"/>
               <a:defRPr sz="1400"/>
             </a:lvl1pPr>
-            <a:lvl2pPr indent="-304800" lvl="1" marL="914400">
+            <a:lvl2pPr marL="914400" lvl="1" indent="-304800">
               <a:spcBef>
                 <a:spcPts val="0"/>
               </a:spcBef>
@@ -4613,7 +4662,7 @@
               <a:buChar char="○"/>
               <a:defRPr sz="1200"/>
             </a:lvl2pPr>
-            <a:lvl3pPr indent="-304800" lvl="2" marL="1371600">
+            <a:lvl3pPr marL="1371600" lvl="2" indent="-304800">
               <a:spcBef>
                 <a:spcPts val="0"/>
               </a:spcBef>
@@ -4624,7 +4673,7 @@
               <a:buChar char="■"/>
               <a:defRPr sz="1200"/>
             </a:lvl3pPr>
-            <a:lvl4pPr indent="-304800" lvl="3" marL="1828800">
+            <a:lvl4pPr marL="1828800" lvl="3" indent="-304800">
               <a:spcBef>
                 <a:spcPts val="0"/>
               </a:spcBef>
@@ -4635,7 +4684,7 @@
               <a:buChar char="●"/>
               <a:defRPr sz="1200"/>
             </a:lvl4pPr>
-            <a:lvl5pPr indent="-304800" lvl="4" marL="2286000">
+            <a:lvl5pPr marL="2286000" lvl="4" indent="-304800">
               <a:spcBef>
                 <a:spcPts val="0"/>
               </a:spcBef>
@@ -4646,7 +4695,7 @@
               <a:buChar char="○"/>
               <a:defRPr sz="1200"/>
             </a:lvl5pPr>
-            <a:lvl6pPr indent="-304800" lvl="5" marL="2743200">
+            <a:lvl6pPr marL="2743200" lvl="5" indent="-304800">
               <a:spcBef>
                 <a:spcPts val="0"/>
               </a:spcBef>
@@ -4657,7 +4706,7 @@
               <a:buChar char="■"/>
               <a:defRPr sz="1200"/>
             </a:lvl6pPr>
-            <a:lvl7pPr indent="-304800" lvl="6" marL="3200400">
+            <a:lvl7pPr marL="3200400" lvl="6" indent="-304800">
               <a:spcBef>
                 <a:spcPts val="0"/>
               </a:spcBef>
@@ -4668,7 +4717,7 @@
               <a:buChar char="●"/>
               <a:defRPr sz="1200"/>
             </a:lvl7pPr>
-            <a:lvl8pPr indent="-304800" lvl="7" marL="3657600">
+            <a:lvl8pPr marL="3657600" lvl="7" indent="-304800">
               <a:spcBef>
                 <a:spcPts val="0"/>
               </a:spcBef>
@@ -4679,7 +4728,7 @@
               <a:buChar char="○"/>
               <a:defRPr sz="1200"/>
             </a:lvl8pPr>
-            <a:lvl9pPr indent="-304800" lvl="8" marL="4114800">
+            <a:lvl9pPr marL="4114800" lvl="8" indent="-304800">
               <a:spcBef>
                 <a:spcPts val="0"/>
               </a:spcBef>
@@ -4691,15 +4740,19 @@
               <a:defRPr sz="1200"/>
             </a:lvl9pPr>
           </a:lstStyle>
-          <a:p/>
+          <a:p>
+            <a:endParaRPr/>
+          </a:p>
         </p:txBody>
       </p:sp>
       <p:sp>
         <p:nvSpPr>
           <p:cNvPr id="42" name="Google Shape;42;p5"/>
-          <p:cNvSpPr txBox="1"/>
+          <p:cNvSpPr txBox="1">
+            <a:spLocks noGrp="1"/>
+          </p:cNvSpPr>
           <p:nvPr>
-            <p:ph idx="12" type="sldNum"/>
+            <p:ph type="sldNum" idx="12"/>
           </p:nvPr>
         </p:nvSpPr>
         <p:spPr>
@@ -4712,7 +4765,7 @@
           </a:prstGeom>
         </p:spPr>
         <p:txBody>
-          <a:bodyPr anchorCtr="0" anchor="ctr" bIns="91425" lIns="91425" spcFirstLastPara="1" rIns="91425" wrap="square" tIns="91425">
+          <a:bodyPr spcFirstLastPara="1" wrap="square" lIns="91425" tIns="91425" rIns="91425" bIns="91425" anchor="ctr" anchorCtr="0">
             <a:normAutofit/>
           </a:bodyPr>
           <a:lstStyle>
@@ -4790,7 +4843,7 @@
             </a:lvl9pPr>
           </a:lstStyle>
           <a:p>
-            <a:pPr indent="0" lvl="0" marL="0" rtl="0" algn="r">
+            <a:pPr marL="0" lvl="0" indent="0" algn="r" rtl="0">
               <a:spcBef>
                 <a:spcPts val="0"/>
               </a:spcBef>
@@ -4801,7 +4854,7 @@
             </a:pPr>
             <a:fld id="{00000000-1234-1234-1234-123412341234}" type="slidenum">
               <a:rPr lang="es"/>
-              <a:t>‹#›</a:t>
+              <a:t>‹Nº›</a:t>
             </a:fld>
             <a:endParaRPr/>
           </a:p>
@@ -4816,11 +4869,11 @@
 </file>
 
 <file path=ppt/slideLayouts/slideLayout5.xml><?xml version="1.0" encoding="utf-8"?>
-<p:sldLayout xmlns:a="http://schemas.openxmlformats.org/drawingml/2006/main" xmlns:r="http://schemas.openxmlformats.org/officeDocument/2006/relationships" xmlns:mc="http://schemas.openxmlformats.org/markup-compatibility/2006" xmlns:mv="urn:schemas-microsoft-com:mac:vml" xmlns:p="http://schemas.openxmlformats.org/presentationml/2006/main" xmlns:c="http://schemas.openxmlformats.org/drawingml/2006/chart" xmlns:dgm="http://schemas.openxmlformats.org/drawingml/2006/diagram" xmlns:o="urn:schemas-microsoft-com:office:office" xmlns:v="urn:schemas-microsoft-com:vml" xmlns:pvml="urn:schemas-microsoft-com:office:powerpoint" xmlns:com="http://schemas.openxmlformats.org/drawingml/2006/compatibility" xmlns:p14="http://schemas.microsoft.com/office/powerpoint/2010/main" xmlns:p15="http://schemas.microsoft.com/office/powerpoint/2012/main" xmlns:ahyp="http://schemas.microsoft.com/office/drawing/2018/hyperlinkcolor" matchingName="Title only" type="titleOnly">
+<p:sldLayout xmlns:a="http://schemas.openxmlformats.org/drawingml/2006/main" xmlns:r="http://schemas.openxmlformats.org/officeDocument/2006/relationships" xmlns:p="http://schemas.openxmlformats.org/presentationml/2006/main" matchingName="Title only" type="titleOnly">
   <p:cSld name="TITLE_ONLY">
     <p:spTree>
       <p:nvGrpSpPr>
-        <p:cNvPr id="43" name="Shape 43"/>
+        <p:cNvPr id="1" name="Shape 43"/>
         <p:cNvGrpSpPr/>
         <p:nvPr/>
       </p:nvGrpSpPr>
@@ -4835,7 +4888,9 @@
       <p:sp>
         <p:nvSpPr>
           <p:cNvPr id="44" name="Google Shape;44;p6"/>
-          <p:cNvSpPr txBox="1"/>
+          <p:cNvSpPr txBox="1">
+            <a:spLocks noGrp="1"/>
+          </p:cNvSpPr>
           <p:nvPr>
             <p:ph type="title"/>
           </p:nvPr>
@@ -4850,7 +4905,7 @@
           </a:prstGeom>
         </p:spPr>
         <p:txBody>
-          <a:bodyPr anchorCtr="0" anchor="t" bIns="91425" lIns="91425" spcFirstLastPara="1" rIns="91425" wrap="square" tIns="91425">
+          <a:bodyPr spcFirstLastPara="1" wrap="square" lIns="91425" tIns="91425" rIns="91425" bIns="91425" anchor="t" anchorCtr="0">
             <a:normAutofit/>
           </a:bodyPr>
           <a:lstStyle>
@@ -4954,15 +5009,19 @@
               <a:defRPr/>
             </a:lvl9pPr>
           </a:lstStyle>
-          <a:p/>
+          <a:p>
+            <a:endParaRPr/>
+          </a:p>
         </p:txBody>
       </p:sp>
       <p:sp>
         <p:nvSpPr>
           <p:cNvPr id="45" name="Google Shape;45;p6"/>
-          <p:cNvSpPr txBox="1"/>
+          <p:cNvSpPr txBox="1">
+            <a:spLocks noGrp="1"/>
+          </p:cNvSpPr>
           <p:nvPr>
-            <p:ph idx="12" type="sldNum"/>
+            <p:ph type="sldNum" idx="12"/>
           </p:nvPr>
         </p:nvSpPr>
         <p:spPr>
@@ -4975,7 +5034,7 @@
           </a:prstGeom>
         </p:spPr>
         <p:txBody>
-          <a:bodyPr anchorCtr="0" anchor="ctr" bIns="91425" lIns="91425" spcFirstLastPara="1" rIns="91425" wrap="square" tIns="91425">
+          <a:bodyPr spcFirstLastPara="1" wrap="square" lIns="91425" tIns="91425" rIns="91425" bIns="91425" anchor="ctr" anchorCtr="0">
             <a:normAutofit/>
           </a:bodyPr>
           <a:lstStyle>
@@ -5053,7 +5112,7 @@
             </a:lvl9pPr>
           </a:lstStyle>
           <a:p>
-            <a:pPr indent="0" lvl="0" marL="0" rtl="0" algn="r">
+            <a:pPr marL="0" lvl="0" indent="0" algn="r" rtl="0">
               <a:spcBef>
                 <a:spcPts val="0"/>
               </a:spcBef>
@@ -5064,7 +5123,7 @@
             </a:pPr>
             <a:fld id="{00000000-1234-1234-1234-123412341234}" type="slidenum">
               <a:rPr lang="es"/>
-              <a:t>‹#›</a:t>
+              <a:t>‹Nº›</a:t>
             </a:fld>
             <a:endParaRPr/>
           </a:p>
@@ -5079,11 +5138,11 @@
 </file>
 
 <file path=ppt/slideLayouts/slideLayout6.xml><?xml version="1.0" encoding="utf-8"?>
-<p:sldLayout xmlns:a="http://schemas.openxmlformats.org/drawingml/2006/main" xmlns:r="http://schemas.openxmlformats.org/officeDocument/2006/relationships" xmlns:mc="http://schemas.openxmlformats.org/markup-compatibility/2006" xmlns:mv="urn:schemas-microsoft-com:mac:vml" xmlns:p="http://schemas.openxmlformats.org/presentationml/2006/main" xmlns:c="http://schemas.openxmlformats.org/drawingml/2006/chart" xmlns:dgm="http://schemas.openxmlformats.org/drawingml/2006/diagram" xmlns:o="urn:schemas-microsoft-com:office:office" xmlns:v="urn:schemas-microsoft-com:vml" xmlns:pvml="urn:schemas-microsoft-com:office:powerpoint" xmlns:com="http://schemas.openxmlformats.org/drawingml/2006/compatibility" xmlns:p14="http://schemas.microsoft.com/office/powerpoint/2010/main" xmlns:p15="http://schemas.microsoft.com/office/powerpoint/2012/main" xmlns:ahyp="http://schemas.microsoft.com/office/drawing/2018/hyperlinkcolor" matchingName="One column text">
+<p:sldLayout xmlns:a="http://schemas.openxmlformats.org/drawingml/2006/main" xmlns:r="http://schemas.openxmlformats.org/officeDocument/2006/relationships" xmlns:p="http://schemas.openxmlformats.org/presentationml/2006/main" matchingName="One column text">
   <p:cSld name="ONE_COLUMN_TEXT">
     <p:spTree>
       <p:nvGrpSpPr>
-        <p:cNvPr id="46" name="Shape 46"/>
+        <p:cNvPr id="1" name="Shape 46"/>
         <p:cNvGrpSpPr/>
         <p:nvPr/>
       </p:nvGrpSpPr>
@@ -5098,7 +5157,9 @@
       <p:sp>
         <p:nvSpPr>
           <p:cNvPr id="47" name="Google Shape;47;p7"/>
-          <p:cNvSpPr txBox="1"/>
+          <p:cNvSpPr txBox="1">
+            <a:spLocks noGrp="1"/>
+          </p:cNvSpPr>
           <p:nvPr>
             <p:ph type="title"/>
           </p:nvPr>
@@ -5113,7 +5174,7 @@
           </a:prstGeom>
         </p:spPr>
         <p:txBody>
-          <a:bodyPr anchorCtr="0" anchor="b" bIns="91425" lIns="91425" spcFirstLastPara="1" rIns="91425" wrap="square" tIns="91425">
+          <a:bodyPr spcFirstLastPara="1" wrap="square" lIns="91425" tIns="91425" rIns="91425" bIns="91425" anchor="b" anchorCtr="0">
             <a:normAutofit/>
           </a:bodyPr>
           <a:lstStyle>
@@ -5217,15 +5278,19 @@
               <a:defRPr sz="2400"/>
             </a:lvl9pPr>
           </a:lstStyle>
-          <a:p/>
+          <a:p>
+            <a:endParaRPr/>
+          </a:p>
         </p:txBody>
       </p:sp>
       <p:sp>
         <p:nvSpPr>
           <p:cNvPr id="48" name="Google Shape;48;p7"/>
-          <p:cNvSpPr txBox="1"/>
+          <p:cNvSpPr txBox="1">
+            <a:spLocks noGrp="1"/>
+          </p:cNvSpPr>
           <p:nvPr>
-            <p:ph idx="1" type="body"/>
+            <p:ph type="body" idx="1"/>
           </p:nvPr>
         </p:nvSpPr>
         <p:spPr>
@@ -5238,11 +5303,11 @@
           </a:prstGeom>
         </p:spPr>
         <p:txBody>
-          <a:bodyPr anchorCtr="0" anchor="t" bIns="91425" lIns="91425" spcFirstLastPara="1" rIns="91425" wrap="square" tIns="91425">
+          <a:bodyPr spcFirstLastPara="1" wrap="square" lIns="91425" tIns="91425" rIns="91425" bIns="91425" anchor="t" anchorCtr="0">
             <a:normAutofit/>
           </a:bodyPr>
           <a:lstStyle>
-            <a:lvl1pPr indent="-304800" lvl="0" marL="457200">
+            <a:lvl1pPr marL="457200" lvl="0" indent="-304800">
               <a:spcBef>
                 <a:spcPts val="0"/>
               </a:spcBef>
@@ -5253,7 +5318,7 @@
               <a:buChar char="●"/>
               <a:defRPr sz="1200"/>
             </a:lvl1pPr>
-            <a:lvl2pPr indent="-304800" lvl="1" marL="914400">
+            <a:lvl2pPr marL="914400" lvl="1" indent="-304800">
               <a:spcBef>
                 <a:spcPts val="0"/>
               </a:spcBef>
@@ -5264,7 +5329,7 @@
               <a:buChar char="○"/>
               <a:defRPr sz="1200"/>
             </a:lvl2pPr>
-            <a:lvl3pPr indent="-304800" lvl="2" marL="1371600">
+            <a:lvl3pPr marL="1371600" lvl="2" indent="-304800">
               <a:spcBef>
                 <a:spcPts val="0"/>
               </a:spcBef>
@@ -5275,7 +5340,7 @@
               <a:buChar char="■"/>
               <a:defRPr sz="1200"/>
             </a:lvl3pPr>
-            <a:lvl4pPr indent="-304800" lvl="3" marL="1828800">
+            <a:lvl4pPr marL="1828800" lvl="3" indent="-304800">
               <a:spcBef>
                 <a:spcPts val="0"/>
               </a:spcBef>
@@ -5286,7 +5351,7 @@
               <a:buChar char="●"/>
               <a:defRPr sz="1200"/>
             </a:lvl4pPr>
-            <a:lvl5pPr indent="-304800" lvl="4" marL="2286000">
+            <a:lvl5pPr marL="2286000" lvl="4" indent="-304800">
               <a:spcBef>
                 <a:spcPts val="0"/>
               </a:spcBef>
@@ -5297,7 +5362,7 @@
               <a:buChar char="○"/>
               <a:defRPr sz="1200"/>
             </a:lvl5pPr>
-            <a:lvl6pPr indent="-304800" lvl="5" marL="2743200">
+            <a:lvl6pPr marL="2743200" lvl="5" indent="-304800">
               <a:spcBef>
                 <a:spcPts val="0"/>
               </a:spcBef>
@@ -5308,7 +5373,7 @@
               <a:buChar char="■"/>
               <a:defRPr sz="1200"/>
             </a:lvl6pPr>
-            <a:lvl7pPr indent="-304800" lvl="6" marL="3200400">
+            <a:lvl7pPr marL="3200400" lvl="6" indent="-304800">
               <a:spcBef>
                 <a:spcPts val="0"/>
               </a:spcBef>
@@ -5319,7 +5384,7 @@
               <a:buChar char="●"/>
               <a:defRPr sz="1200"/>
             </a:lvl7pPr>
-            <a:lvl8pPr indent="-304800" lvl="7" marL="3657600">
+            <a:lvl8pPr marL="3657600" lvl="7" indent="-304800">
               <a:spcBef>
                 <a:spcPts val="0"/>
               </a:spcBef>
@@ -5330,7 +5395,7 @@
               <a:buChar char="○"/>
               <a:defRPr sz="1200"/>
             </a:lvl8pPr>
-            <a:lvl9pPr indent="-304800" lvl="8" marL="4114800">
+            <a:lvl9pPr marL="4114800" lvl="8" indent="-304800">
               <a:spcBef>
                 <a:spcPts val="0"/>
               </a:spcBef>
@@ -5342,15 +5407,19 @@
               <a:defRPr sz="1200"/>
             </a:lvl9pPr>
           </a:lstStyle>
-          <a:p/>
+          <a:p>
+            <a:endParaRPr/>
+          </a:p>
         </p:txBody>
       </p:sp>
       <p:sp>
         <p:nvSpPr>
           <p:cNvPr id="49" name="Google Shape;49;p7"/>
-          <p:cNvSpPr txBox="1"/>
+          <p:cNvSpPr txBox="1">
+            <a:spLocks noGrp="1"/>
+          </p:cNvSpPr>
           <p:nvPr>
-            <p:ph idx="12" type="sldNum"/>
+            <p:ph type="sldNum" idx="12"/>
           </p:nvPr>
         </p:nvSpPr>
         <p:spPr>
@@ -5363,7 +5432,7 @@
           </a:prstGeom>
         </p:spPr>
         <p:txBody>
-          <a:bodyPr anchorCtr="0" anchor="ctr" bIns="91425" lIns="91425" spcFirstLastPara="1" rIns="91425" wrap="square" tIns="91425">
+          <a:bodyPr spcFirstLastPara="1" wrap="square" lIns="91425" tIns="91425" rIns="91425" bIns="91425" anchor="ctr" anchorCtr="0">
             <a:normAutofit/>
           </a:bodyPr>
           <a:lstStyle>
@@ -5441,7 +5510,7 @@
             </a:lvl9pPr>
           </a:lstStyle>
           <a:p>
-            <a:pPr indent="0" lvl="0" marL="0" rtl="0" algn="r">
+            <a:pPr marL="0" lvl="0" indent="0" algn="r" rtl="0">
               <a:spcBef>
                 <a:spcPts val="0"/>
               </a:spcBef>
@@ -5452,7 +5521,7 @@
             </a:pPr>
             <a:fld id="{00000000-1234-1234-1234-123412341234}" type="slidenum">
               <a:rPr lang="es"/>
-              <a:t>‹#›</a:t>
+              <a:t>‹Nº›</a:t>
             </a:fld>
             <a:endParaRPr/>
           </a:p>
@@ -5467,18 +5536,19 @@
 </file>
 
 <file path=ppt/slideLayouts/slideLayout7.xml><?xml version="1.0" encoding="utf-8"?>
-<p:sldLayout xmlns:a="http://schemas.openxmlformats.org/drawingml/2006/main" xmlns:r="http://schemas.openxmlformats.org/officeDocument/2006/relationships" xmlns:mc="http://schemas.openxmlformats.org/markup-compatibility/2006" xmlns:mv="urn:schemas-microsoft-com:mac:vml" xmlns:p="http://schemas.openxmlformats.org/presentationml/2006/main" xmlns:c="http://schemas.openxmlformats.org/drawingml/2006/chart" xmlns:dgm="http://schemas.openxmlformats.org/drawingml/2006/diagram" xmlns:o="urn:schemas-microsoft-com:office:office" xmlns:v="urn:schemas-microsoft-com:vml" xmlns:pvml="urn:schemas-microsoft-com:office:powerpoint" xmlns:com="http://schemas.openxmlformats.org/drawingml/2006/compatibility" xmlns:p14="http://schemas.microsoft.com/office/powerpoint/2010/main" xmlns:p15="http://schemas.microsoft.com/office/powerpoint/2012/main" xmlns:ahyp="http://schemas.microsoft.com/office/drawing/2018/hyperlinkcolor" matchingName="Main point">
+<p:sldLayout xmlns:a="http://schemas.openxmlformats.org/drawingml/2006/main" xmlns:r="http://schemas.openxmlformats.org/officeDocument/2006/relationships" xmlns:p="http://schemas.openxmlformats.org/presentationml/2006/main" matchingName="Main point">
   <p:cSld name="MAIN_POINT">
     <p:bg>
       <p:bgPr>
         <a:solidFill>
           <a:schemeClr val="accent4"/>
         </a:solidFill>
+        <a:effectLst/>
       </p:bgPr>
     </p:bg>
     <p:spTree>
       <p:nvGrpSpPr>
-        <p:cNvPr id="50" name="Shape 50"/>
+        <p:cNvPr id="1" name="Shape 50"/>
         <p:cNvGrpSpPr/>
         <p:nvPr/>
       </p:nvGrpSpPr>
@@ -5526,12 +5596,12 @@
             </a:ln>
           </p:spPr>
           <p:txBody>
-            <a:bodyPr anchorCtr="0" anchor="ctr" bIns="91425" lIns="91425" spcFirstLastPara="1" rIns="91425" wrap="square" tIns="91425">
+            <a:bodyPr spcFirstLastPara="1" wrap="square" lIns="91425" tIns="91425" rIns="91425" bIns="91425" anchor="ctr" anchorCtr="0">
               <a:noAutofit/>
             </a:bodyPr>
             <a:lstStyle/>
             <a:p>
-              <a:pPr indent="0" lvl="0" marL="0" rtl="0" algn="l">
+              <a:pPr marL="0" lvl="0" indent="0" algn="l" rtl="0">
                 <a:spcBef>
                   <a:spcPts val="0"/>
                 </a:spcBef>
@@ -5540,9 +5610,6 @@
                 </a:spcAft>
                 <a:buNone/>
               </a:pPr>
-              <a:r>
-                <a:t/>
-              </a:r>
               <a:endParaRPr/>
             </a:p>
           </p:txBody>
@@ -5569,12 +5636,12 @@
             </a:ln>
           </p:spPr>
           <p:txBody>
-            <a:bodyPr anchorCtr="0" anchor="ctr" bIns="91425" lIns="91425" spcFirstLastPara="1" rIns="91425" wrap="square" tIns="91425">
+            <a:bodyPr spcFirstLastPara="1" wrap="square" lIns="91425" tIns="91425" rIns="91425" bIns="91425" anchor="ctr" anchorCtr="0">
               <a:noAutofit/>
             </a:bodyPr>
             <a:lstStyle/>
             <a:p>
-              <a:pPr indent="0" lvl="0" marL="0" rtl="0" algn="l">
+              <a:pPr marL="0" lvl="0" indent="0" algn="l" rtl="0">
                 <a:spcBef>
                   <a:spcPts val="0"/>
                 </a:spcBef>
@@ -5583,9 +5650,6 @@
                 </a:spcAft>
                 <a:buNone/>
               </a:pPr>
-              <a:r>
-                <a:t/>
-              </a:r>
               <a:endParaRPr/>
             </a:p>
           </p:txBody>
@@ -5597,7 +5661,7 @@
             <p:nvPr/>
           </p:nvSpPr>
           <p:spPr>
-            <a:xfrm flipH="1" rot="10800000">
+            <a:xfrm rot="10800000" flipH="1">
               <a:off x="7113588" y="107"/>
               <a:ext cx="1015200" cy="1015200"/>
             </a:xfrm>
@@ -5612,12 +5676,12 @@
             </a:ln>
           </p:spPr>
           <p:txBody>
-            <a:bodyPr anchorCtr="0" anchor="ctr" bIns="91425" lIns="91425" spcFirstLastPara="1" rIns="91425" wrap="square" tIns="91425">
+            <a:bodyPr spcFirstLastPara="1" wrap="square" lIns="91425" tIns="91425" rIns="91425" bIns="91425" anchor="ctr" anchorCtr="0">
               <a:noAutofit/>
             </a:bodyPr>
             <a:lstStyle/>
             <a:p>
-              <a:pPr indent="0" lvl="0" marL="0" rtl="0" algn="l">
+              <a:pPr marL="0" lvl="0" indent="0" algn="l" rtl="0">
                 <a:spcBef>
                   <a:spcPts val="0"/>
                 </a:spcBef>
@@ -5626,9 +5690,6 @@
                 </a:spcAft>
                 <a:buNone/>
               </a:pPr>
-              <a:r>
-                <a:t/>
-              </a:r>
               <a:endParaRPr/>
             </a:p>
           </p:txBody>
@@ -5655,12 +5716,12 @@
             </a:ln>
           </p:spPr>
           <p:txBody>
-            <a:bodyPr anchorCtr="0" anchor="ctr" bIns="91425" lIns="91425" spcFirstLastPara="1" rIns="91425" wrap="square" tIns="91425">
+            <a:bodyPr spcFirstLastPara="1" wrap="square" lIns="91425" tIns="91425" rIns="91425" bIns="91425" anchor="ctr" anchorCtr="0">
               <a:noAutofit/>
             </a:bodyPr>
             <a:lstStyle/>
             <a:p>
-              <a:pPr indent="0" lvl="0" marL="0" rtl="0" algn="l">
+              <a:pPr marL="0" lvl="0" indent="0" algn="l" rtl="0">
                 <a:spcBef>
                   <a:spcPts val="0"/>
                 </a:spcBef>
@@ -5669,9 +5730,6 @@
                 </a:spcAft>
                 <a:buNone/>
               </a:pPr>
-              <a:r>
-                <a:t/>
-              </a:r>
               <a:endParaRPr/>
             </a:p>
           </p:txBody>
@@ -5698,12 +5756,12 @@
             </a:ln>
           </p:spPr>
           <p:txBody>
-            <a:bodyPr anchorCtr="0" anchor="ctr" bIns="91425" lIns="91425" spcFirstLastPara="1" rIns="91425" wrap="square" tIns="91425">
+            <a:bodyPr spcFirstLastPara="1" wrap="square" lIns="91425" tIns="91425" rIns="91425" bIns="91425" anchor="ctr" anchorCtr="0">
               <a:noAutofit/>
             </a:bodyPr>
             <a:lstStyle/>
             <a:p>
-              <a:pPr indent="0" lvl="0" marL="0" rtl="0" algn="l">
+              <a:pPr marL="0" lvl="0" indent="0" algn="l" rtl="0">
                 <a:spcBef>
                   <a:spcPts val="0"/>
                 </a:spcBef>
@@ -5712,9 +5770,6 @@
                 </a:spcAft>
                 <a:buNone/>
               </a:pPr>
-              <a:r>
-                <a:t/>
-              </a:r>
               <a:endParaRPr/>
             </a:p>
           </p:txBody>
@@ -5723,7 +5778,9 @@
       <p:sp>
         <p:nvSpPr>
           <p:cNvPr id="57" name="Google Shape;57;p8"/>
-          <p:cNvSpPr txBox="1"/>
+          <p:cNvSpPr txBox="1">
+            <a:spLocks noGrp="1"/>
+          </p:cNvSpPr>
           <p:nvPr>
             <p:ph type="title"/>
           </p:nvPr>
@@ -5738,7 +5795,7 @@
           </a:prstGeom>
         </p:spPr>
         <p:txBody>
-          <a:bodyPr anchorCtr="0" anchor="ctr" bIns="91425" lIns="91425" spcFirstLastPara="1" rIns="91425" wrap="square" tIns="91425">
+          <a:bodyPr spcFirstLastPara="1" wrap="square" lIns="91425" tIns="91425" rIns="91425" bIns="91425" anchor="ctr" anchorCtr="0">
             <a:normAutofit/>
           </a:bodyPr>
           <a:lstStyle>
@@ -5905,15 +5962,19 @@
               </a:defRPr>
             </a:lvl9pPr>
           </a:lstStyle>
-          <a:p/>
+          <a:p>
+            <a:endParaRPr/>
+          </a:p>
         </p:txBody>
       </p:sp>
       <p:sp>
         <p:nvSpPr>
           <p:cNvPr id="58" name="Google Shape;58;p8"/>
-          <p:cNvSpPr txBox="1"/>
+          <p:cNvSpPr txBox="1">
+            <a:spLocks noGrp="1"/>
+          </p:cNvSpPr>
           <p:nvPr>
-            <p:ph idx="12" type="sldNum"/>
+            <p:ph type="sldNum" idx="12"/>
           </p:nvPr>
         </p:nvSpPr>
         <p:spPr>
@@ -5926,7 +5987,7 @@
           </a:prstGeom>
         </p:spPr>
         <p:txBody>
-          <a:bodyPr anchorCtr="0" anchor="ctr" bIns="91425" lIns="91425" spcFirstLastPara="1" rIns="91425" wrap="square" tIns="91425">
+          <a:bodyPr spcFirstLastPara="1" wrap="square" lIns="91425" tIns="91425" rIns="91425" bIns="91425" anchor="ctr" anchorCtr="0">
             <a:normAutofit/>
           </a:bodyPr>
           <a:lstStyle>
@@ -5968,7 +6029,7 @@
             </a:lvl9pPr>
           </a:lstStyle>
           <a:p>
-            <a:pPr indent="0" lvl="0" marL="0" rtl="0" algn="r">
+            <a:pPr marL="0" lvl="0" indent="0" algn="r" rtl="0">
               <a:spcBef>
                 <a:spcPts val="0"/>
               </a:spcBef>
@@ -5979,7 +6040,7 @@
             </a:pPr>
             <a:fld id="{00000000-1234-1234-1234-123412341234}" type="slidenum">
               <a:rPr lang="es"/>
-              <a:t>‹#›</a:t>
+              <a:t>‹Nº›</a:t>
             </a:fld>
             <a:endParaRPr/>
           </a:p>
@@ -5994,11 +6055,11 @@
 </file>
 
 <file path=ppt/slideLayouts/slideLayout8.xml><?xml version="1.0" encoding="utf-8"?>
-<p:sldLayout xmlns:a="http://schemas.openxmlformats.org/drawingml/2006/main" xmlns:r="http://schemas.openxmlformats.org/officeDocument/2006/relationships" xmlns:mc="http://schemas.openxmlformats.org/markup-compatibility/2006" xmlns:mv="urn:schemas-microsoft-com:mac:vml" xmlns:p="http://schemas.openxmlformats.org/presentationml/2006/main" xmlns:c="http://schemas.openxmlformats.org/drawingml/2006/chart" xmlns:dgm="http://schemas.openxmlformats.org/drawingml/2006/diagram" xmlns:o="urn:schemas-microsoft-com:office:office" xmlns:v="urn:schemas-microsoft-com:vml" xmlns:pvml="urn:schemas-microsoft-com:office:powerpoint" xmlns:com="http://schemas.openxmlformats.org/drawingml/2006/compatibility" xmlns:p14="http://schemas.microsoft.com/office/powerpoint/2010/main" xmlns:p15="http://schemas.microsoft.com/office/powerpoint/2012/main" xmlns:ahyp="http://schemas.microsoft.com/office/drawing/2018/hyperlinkcolor" matchingName="Section title and description">
+<p:sldLayout xmlns:a="http://schemas.openxmlformats.org/drawingml/2006/main" xmlns:r="http://schemas.openxmlformats.org/officeDocument/2006/relationships" xmlns:p="http://schemas.openxmlformats.org/presentationml/2006/main" matchingName="Section title and description">
   <p:cSld name="SECTION_TITLE_AND_DESCRIPTION">
     <p:spTree>
       <p:nvGrpSpPr>
-        <p:cNvPr id="59" name="Shape 59"/>
+        <p:cNvPr id="1" name="Shape 59"/>
         <p:cNvGrpSpPr/>
         <p:nvPr/>
       </p:nvGrpSpPr>
@@ -6032,12 +6093,12 @@
           </a:ln>
         </p:spPr>
         <p:txBody>
-          <a:bodyPr anchorCtr="0" anchor="ctr" bIns="91425" lIns="91425" spcFirstLastPara="1" rIns="91425" wrap="square" tIns="91425">
+          <a:bodyPr spcFirstLastPara="1" wrap="square" lIns="91425" tIns="91425" rIns="91425" bIns="91425" anchor="ctr" anchorCtr="0">
             <a:noAutofit/>
           </a:bodyPr>
           <a:lstStyle/>
           <a:p>
-            <a:pPr indent="0" lvl="0" marL="0" rtl="0" algn="l">
+            <a:pPr marL="0" lvl="0" indent="0" algn="l" rtl="0">
               <a:spcBef>
                 <a:spcPts val="0"/>
               </a:spcBef>
@@ -6046,9 +6107,6 @@
               </a:spcAft>
               <a:buNone/>
             </a:pPr>
-            <a:r>
-              <a:t/>
-            </a:r>
             <a:endParaRPr/>
           </a:p>
         </p:txBody>
@@ -6068,21 +6126,23 @@
             <a:avLst/>
           </a:prstGeom>
           <a:noFill/>
-          <a:ln cap="flat" cmpd="sng" w="19050">
+          <a:ln w="19050" cap="flat" cmpd="sng">
             <a:solidFill>
               <a:schemeClr val="lt1"/>
             </a:solidFill>
             <a:prstDash val="solid"/>
             <a:round/>
-            <a:headEnd len="sm" w="sm" type="none"/>
-            <a:tailEnd len="sm" w="sm" type="none"/>
+            <a:headEnd type="none" w="sm" len="sm"/>
+            <a:tailEnd type="none" w="sm" len="sm"/>
           </a:ln>
         </p:spPr>
       </p:cxnSp>
       <p:sp>
         <p:nvSpPr>
           <p:cNvPr id="62" name="Google Shape;62;p9"/>
-          <p:cNvSpPr txBox="1"/>
+          <p:cNvSpPr txBox="1">
+            <a:spLocks noGrp="1"/>
+          </p:cNvSpPr>
           <p:nvPr>
             <p:ph type="title"/>
           </p:nvPr>
@@ -6097,7 +6157,7 @@
           </a:prstGeom>
         </p:spPr>
         <p:txBody>
-          <a:bodyPr anchorCtr="0" anchor="b" bIns="91425" lIns="91425" spcFirstLastPara="1" rIns="91425" wrap="square" tIns="91425">
+          <a:bodyPr spcFirstLastPara="1" wrap="square" lIns="91425" tIns="91425" rIns="91425" bIns="91425" anchor="b" anchorCtr="0">
             <a:normAutofit/>
           </a:bodyPr>
           <a:lstStyle>
@@ -6201,15 +6261,19 @@
               <a:defRPr sz="4200"/>
             </a:lvl9pPr>
           </a:lstStyle>
-          <a:p/>
+          <a:p>
+            <a:endParaRPr/>
+          </a:p>
         </p:txBody>
       </p:sp>
       <p:sp>
         <p:nvSpPr>
           <p:cNvPr id="63" name="Google Shape;63;p9"/>
-          <p:cNvSpPr txBox="1"/>
+          <p:cNvSpPr txBox="1">
+            <a:spLocks noGrp="1"/>
+          </p:cNvSpPr>
           <p:nvPr>
-            <p:ph idx="1" type="subTitle"/>
+            <p:ph type="subTitle" idx="1"/>
           </p:nvPr>
         </p:nvSpPr>
         <p:spPr>
@@ -6222,7 +6286,7 @@
           </a:prstGeom>
         </p:spPr>
         <p:txBody>
-          <a:bodyPr anchorCtr="0" anchor="t" bIns="91425" lIns="91425" spcFirstLastPara="1" rIns="91425" wrap="square" tIns="91425">
+          <a:bodyPr spcFirstLastPara="1" wrap="square" lIns="91425" tIns="91425" rIns="91425" bIns="91425" anchor="t" anchorCtr="0">
             <a:normAutofit/>
           </a:bodyPr>
           <a:lstStyle>
@@ -6353,15 +6417,19 @@
               <a:defRPr sz="2100"/>
             </a:lvl9pPr>
           </a:lstStyle>
-          <a:p/>
+          <a:p>
+            <a:endParaRPr/>
+          </a:p>
         </p:txBody>
       </p:sp>
       <p:sp>
         <p:nvSpPr>
           <p:cNvPr id="64" name="Google Shape;64;p9"/>
-          <p:cNvSpPr txBox="1"/>
+          <p:cNvSpPr txBox="1">
+            <a:spLocks noGrp="1"/>
+          </p:cNvSpPr>
           <p:nvPr>
-            <p:ph idx="2" type="body"/>
+            <p:ph type="body" idx="2"/>
           </p:nvPr>
         </p:nvSpPr>
         <p:spPr>
@@ -6374,11 +6442,11 @@
           </a:prstGeom>
         </p:spPr>
         <p:txBody>
-          <a:bodyPr anchorCtr="0" anchor="ctr" bIns="91425" lIns="91425" spcFirstLastPara="1" rIns="91425" wrap="square" tIns="91425">
+          <a:bodyPr spcFirstLastPara="1" wrap="square" lIns="91425" tIns="91425" rIns="91425" bIns="91425" anchor="ctr" anchorCtr="0">
             <a:normAutofit/>
           </a:bodyPr>
           <a:lstStyle>
-            <a:lvl1pPr indent="-342900" lvl="0" marL="457200">
+            <a:lvl1pPr marL="457200" lvl="0" indent="-342900">
               <a:spcBef>
                 <a:spcPts val="0"/>
               </a:spcBef>
@@ -6396,7 +6464,7 @@
                 </a:solidFill>
               </a:defRPr>
             </a:lvl1pPr>
-            <a:lvl2pPr indent="-317500" lvl="1" marL="914400">
+            <a:lvl2pPr marL="914400" lvl="1" indent="-317500">
               <a:spcBef>
                 <a:spcPts val="0"/>
               </a:spcBef>
@@ -6414,7 +6482,7 @@
                 </a:solidFill>
               </a:defRPr>
             </a:lvl2pPr>
-            <a:lvl3pPr indent="-317500" lvl="2" marL="1371600">
+            <a:lvl3pPr marL="1371600" lvl="2" indent="-317500">
               <a:spcBef>
                 <a:spcPts val="0"/>
               </a:spcBef>
@@ -6432,7 +6500,7 @@
                 </a:solidFill>
               </a:defRPr>
             </a:lvl3pPr>
-            <a:lvl4pPr indent="-317500" lvl="3" marL="1828800">
+            <a:lvl4pPr marL="1828800" lvl="3" indent="-317500">
               <a:spcBef>
                 <a:spcPts val="0"/>
               </a:spcBef>
@@ -6450,7 +6518,7 @@
                 </a:solidFill>
               </a:defRPr>
             </a:lvl4pPr>
-            <a:lvl5pPr indent="-317500" lvl="4" marL="2286000">
+            <a:lvl5pPr marL="2286000" lvl="4" indent="-317500">
               <a:spcBef>
                 <a:spcPts val="0"/>
               </a:spcBef>
@@ -6468,7 +6536,7 @@
                 </a:solidFill>
               </a:defRPr>
             </a:lvl5pPr>
-            <a:lvl6pPr indent="-317500" lvl="5" marL="2743200">
+            <a:lvl6pPr marL="2743200" lvl="5" indent="-317500">
               <a:spcBef>
                 <a:spcPts val="0"/>
               </a:spcBef>
@@ -6486,7 +6554,7 @@
                 </a:solidFill>
               </a:defRPr>
             </a:lvl6pPr>
-            <a:lvl7pPr indent="-317500" lvl="6" marL="3200400">
+            <a:lvl7pPr marL="3200400" lvl="6" indent="-317500">
               <a:spcBef>
                 <a:spcPts val="0"/>
               </a:spcBef>
@@ -6504,7 +6572,7 @@
                 </a:solidFill>
               </a:defRPr>
             </a:lvl7pPr>
-            <a:lvl8pPr indent="-317500" lvl="7" marL="3657600">
+            <a:lvl8pPr marL="3657600" lvl="7" indent="-317500">
               <a:spcBef>
                 <a:spcPts val="0"/>
               </a:spcBef>
@@ -6522,7 +6590,7 @@
                 </a:solidFill>
               </a:defRPr>
             </a:lvl8pPr>
-            <a:lvl9pPr indent="-317500" lvl="8" marL="4114800">
+            <a:lvl9pPr marL="4114800" lvl="8" indent="-317500">
               <a:spcBef>
                 <a:spcPts val="0"/>
               </a:spcBef>
@@ -6541,15 +6609,19 @@
               </a:defRPr>
             </a:lvl9pPr>
           </a:lstStyle>
-          <a:p/>
+          <a:p>
+            <a:endParaRPr/>
+          </a:p>
         </p:txBody>
       </p:sp>
       <p:sp>
         <p:nvSpPr>
           <p:cNvPr id="65" name="Google Shape;65;p9"/>
-          <p:cNvSpPr txBox="1"/>
+          <p:cNvSpPr txBox="1">
+            <a:spLocks noGrp="1"/>
+          </p:cNvSpPr>
           <p:nvPr>
-            <p:ph idx="12" type="sldNum"/>
+            <p:ph type="sldNum" idx="12"/>
           </p:nvPr>
         </p:nvSpPr>
         <p:spPr>
@@ -6562,7 +6634,7 @@
           </a:prstGeom>
         </p:spPr>
         <p:txBody>
-          <a:bodyPr anchorCtr="0" anchor="ctr" bIns="91425" lIns="91425" spcFirstLastPara="1" rIns="91425" wrap="square" tIns="91425">
+          <a:bodyPr spcFirstLastPara="1" wrap="square" lIns="91425" tIns="91425" rIns="91425" bIns="91425" anchor="ctr" anchorCtr="0">
             <a:normAutofit/>
           </a:bodyPr>
           <a:lstStyle>
@@ -6604,7 +6676,7 @@
             </a:lvl9pPr>
           </a:lstStyle>
           <a:p>
-            <a:pPr indent="0" lvl="0" marL="0" rtl="0" algn="r">
+            <a:pPr marL="0" lvl="0" indent="0" algn="r" rtl="0">
               <a:spcBef>
                 <a:spcPts val="0"/>
               </a:spcBef>
@@ -6615,7 +6687,7 @@
             </a:pPr>
             <a:fld id="{00000000-1234-1234-1234-123412341234}" type="slidenum">
               <a:rPr lang="es"/>
-              <a:t>‹#›</a:t>
+              <a:t>‹Nº›</a:t>
             </a:fld>
             <a:endParaRPr/>
           </a:p>
@@ -6630,11 +6702,11 @@
 </file>
 
 <file path=ppt/slideLayouts/slideLayout9.xml><?xml version="1.0" encoding="utf-8"?>
-<p:sldLayout xmlns:a="http://schemas.openxmlformats.org/drawingml/2006/main" xmlns:r="http://schemas.openxmlformats.org/officeDocument/2006/relationships" xmlns:mc="http://schemas.openxmlformats.org/markup-compatibility/2006" xmlns:mv="urn:schemas-microsoft-com:mac:vml" xmlns:p="http://schemas.openxmlformats.org/presentationml/2006/main" xmlns:c="http://schemas.openxmlformats.org/drawingml/2006/chart" xmlns:dgm="http://schemas.openxmlformats.org/drawingml/2006/diagram" xmlns:o="urn:schemas-microsoft-com:office:office" xmlns:v="urn:schemas-microsoft-com:vml" xmlns:pvml="urn:schemas-microsoft-com:office:powerpoint" xmlns:com="http://schemas.openxmlformats.org/drawingml/2006/compatibility" xmlns:p14="http://schemas.microsoft.com/office/powerpoint/2010/main" xmlns:p15="http://schemas.microsoft.com/office/powerpoint/2012/main" xmlns:ahyp="http://schemas.microsoft.com/office/drawing/2018/hyperlinkcolor" matchingName="Caption">
+<p:sldLayout xmlns:a="http://schemas.openxmlformats.org/drawingml/2006/main" xmlns:r="http://schemas.openxmlformats.org/officeDocument/2006/relationships" xmlns:p="http://schemas.openxmlformats.org/presentationml/2006/main" matchingName="Caption">
   <p:cSld name="CAPTION_ONLY">
     <p:spTree>
       <p:nvGrpSpPr>
-        <p:cNvPr id="66" name="Shape 66"/>
+        <p:cNvPr id="1" name="Shape 66"/>
         <p:cNvGrpSpPr/>
         <p:nvPr/>
       </p:nvGrpSpPr>
@@ -6649,9 +6721,11 @@
       <p:sp>
         <p:nvSpPr>
           <p:cNvPr id="67" name="Google Shape;67;p10"/>
-          <p:cNvSpPr txBox="1"/>
+          <p:cNvSpPr txBox="1">
+            <a:spLocks noGrp="1"/>
+          </p:cNvSpPr>
           <p:nvPr>
-            <p:ph idx="1" type="body"/>
+            <p:ph type="body" idx="1"/>
           </p:nvPr>
         </p:nvSpPr>
         <p:spPr>
@@ -6664,11 +6738,11 @@
           </a:prstGeom>
         </p:spPr>
         <p:txBody>
-          <a:bodyPr anchorCtr="0" anchor="ctr" bIns="91425" lIns="91425" spcFirstLastPara="1" rIns="91425" wrap="square" tIns="91425">
+          <a:bodyPr spcFirstLastPara="1" wrap="square" lIns="91425" tIns="91425" rIns="91425" bIns="91425" anchor="ctr" anchorCtr="0">
             <a:normAutofit/>
           </a:bodyPr>
           <a:lstStyle>
-            <a:lvl1pPr indent="-228600" lvl="0" marL="457200">
+            <a:lvl1pPr marL="457200" lvl="0" indent="-228600">
               <a:lnSpc>
                 <a:spcPct val="100000"/>
               </a:lnSpc>
@@ -6683,15 +6757,19 @@
               <a:defRPr/>
             </a:lvl1pPr>
           </a:lstStyle>
-          <a:p/>
+          <a:p>
+            <a:endParaRPr/>
+          </a:p>
         </p:txBody>
       </p:sp>
       <p:sp>
         <p:nvSpPr>
           <p:cNvPr id="68" name="Google Shape;68;p10"/>
-          <p:cNvSpPr txBox="1"/>
+          <p:cNvSpPr txBox="1">
+            <a:spLocks noGrp="1"/>
+          </p:cNvSpPr>
           <p:nvPr>
-            <p:ph idx="12" type="sldNum"/>
+            <p:ph type="sldNum" idx="12"/>
           </p:nvPr>
         </p:nvSpPr>
         <p:spPr>
@@ -6704,7 +6782,7 @@
           </a:prstGeom>
         </p:spPr>
         <p:txBody>
-          <a:bodyPr anchorCtr="0" anchor="ctr" bIns="91425" lIns="91425" spcFirstLastPara="1" rIns="91425" wrap="square" tIns="91425">
+          <a:bodyPr spcFirstLastPara="1" wrap="square" lIns="91425" tIns="91425" rIns="91425" bIns="91425" anchor="ctr" anchorCtr="0">
             <a:normAutofit/>
           </a:bodyPr>
           <a:lstStyle>
@@ -6782,7 +6860,7 @@
             </a:lvl9pPr>
           </a:lstStyle>
           <a:p>
-            <a:pPr indent="0" lvl="0" marL="0" rtl="0" algn="r">
+            <a:pPr marL="0" lvl="0" indent="0" algn="r" rtl="0">
               <a:spcBef>
                 <a:spcPts val="0"/>
               </a:spcBef>
@@ -6793,7 +6871,7 @@
             </a:pPr>
             <a:fld id="{00000000-1234-1234-1234-123412341234}" type="slidenum">
               <a:rPr lang="es"/>
-              <a:t>‹#›</a:t>
+              <a:t>‹Nº›</a:t>
             </a:fld>
             <a:endParaRPr/>
           </a:p>
@@ -6808,18 +6886,19 @@
 </file>
 
 <file path=ppt/slideMasters/slideMaster1.xml><?xml version="1.0" encoding="utf-8"?>
-<p:sldMaster xmlns:a="http://schemas.openxmlformats.org/drawingml/2006/main" xmlns:r="http://schemas.openxmlformats.org/officeDocument/2006/relationships" xmlns:mc="http://schemas.openxmlformats.org/markup-compatibility/2006" xmlns:mv="urn:schemas-microsoft-com:mac:vml" xmlns:p="http://schemas.openxmlformats.org/presentationml/2006/main" xmlns:c="http://schemas.openxmlformats.org/drawingml/2006/chart" xmlns:dgm="http://schemas.openxmlformats.org/drawingml/2006/diagram" xmlns:o="urn:schemas-microsoft-com:office:office" xmlns:v="urn:schemas-microsoft-com:vml" xmlns:pvml="urn:schemas-microsoft-com:office:powerpoint" xmlns:com="http://schemas.openxmlformats.org/drawingml/2006/compatibility" xmlns:p14="http://schemas.microsoft.com/office/powerpoint/2010/main" xmlns:p15="http://schemas.microsoft.com/office/powerpoint/2012/main" xmlns:ahyp="http://schemas.microsoft.com/office/drawing/2018/hyperlinkcolor">
+<p:sldMaster xmlns:a="http://schemas.openxmlformats.org/drawingml/2006/main" xmlns:r="http://schemas.openxmlformats.org/officeDocument/2006/relationships" xmlns:p="http://schemas.openxmlformats.org/presentationml/2006/main">
   <p:cSld name="geometric">
     <p:bg>
       <p:bgPr>
         <a:solidFill>
           <a:schemeClr val="lt1"/>
         </a:solidFill>
+        <a:effectLst/>
       </p:bgPr>
     </p:bg>
     <p:spTree>
       <p:nvGrpSpPr>
-        <p:cNvPr id="5" name="Shape 5"/>
+        <p:cNvPr id="1" name="Shape 5"/>
         <p:cNvGrpSpPr/>
         <p:nvPr/>
       </p:nvGrpSpPr>
@@ -6834,7 +6913,9 @@
       <p:sp>
         <p:nvSpPr>
           <p:cNvPr id="6" name="Google Shape;6;p1"/>
-          <p:cNvSpPr txBox="1"/>
+          <p:cNvSpPr txBox="1">
+            <a:spLocks noGrp="1"/>
+          </p:cNvSpPr>
           <p:nvPr>
             <p:ph type="title"/>
           </p:nvPr>
@@ -6853,7 +6934,7 @@
           </a:ln>
         </p:spPr>
         <p:txBody>
-          <a:bodyPr anchorCtr="0" anchor="t" bIns="91425" lIns="91425" spcFirstLastPara="1" rIns="91425" wrap="square" tIns="91425">
+          <a:bodyPr spcFirstLastPara="1" wrap="square" lIns="91425" tIns="91425" rIns="91425" bIns="91425" anchor="t" anchorCtr="0">
             <a:normAutofit/>
           </a:bodyPr>
           <a:lstStyle>
@@ -7065,15 +7146,19 @@
               </a:defRPr>
             </a:lvl9pPr>
           </a:lstStyle>
-          <a:p/>
+          <a:p>
+            <a:endParaRPr/>
+          </a:p>
         </p:txBody>
       </p:sp>
       <p:sp>
         <p:nvSpPr>
           <p:cNvPr id="7" name="Google Shape;7;p1"/>
-          <p:cNvSpPr txBox="1"/>
+          <p:cNvSpPr txBox="1">
+            <a:spLocks noGrp="1"/>
+          </p:cNvSpPr>
           <p:nvPr>
-            <p:ph idx="1" type="body"/>
+            <p:ph type="body" idx="1"/>
           </p:nvPr>
         </p:nvSpPr>
         <p:spPr>
@@ -7090,11 +7175,11 @@
           </a:ln>
         </p:spPr>
         <p:txBody>
-          <a:bodyPr anchorCtr="0" anchor="t" bIns="91425" lIns="91425" spcFirstLastPara="1" rIns="91425" wrap="square" tIns="91425">
+          <a:bodyPr spcFirstLastPara="1" wrap="square" lIns="91425" tIns="91425" rIns="91425" bIns="91425" anchor="t" anchorCtr="0">
             <a:normAutofit/>
           </a:bodyPr>
           <a:lstStyle>
-            <a:lvl1pPr indent="-342900" lvl="0" marL="457200">
+            <a:lvl1pPr marL="457200" lvl="0" indent="-342900">
               <a:lnSpc>
                 <a:spcPct val="115000"/>
               </a:lnSpc>
@@ -7120,7 +7205,7 @@
                 <a:sym typeface="Roboto"/>
               </a:defRPr>
             </a:lvl1pPr>
-            <a:lvl2pPr indent="-317500" lvl="1" marL="914400">
+            <a:lvl2pPr marL="914400" lvl="1" indent="-317500">
               <a:lnSpc>
                 <a:spcPct val="115000"/>
               </a:lnSpc>
@@ -7146,7 +7231,7 @@
                 <a:sym typeface="Roboto"/>
               </a:defRPr>
             </a:lvl2pPr>
-            <a:lvl3pPr indent="-317500" lvl="2" marL="1371600">
+            <a:lvl3pPr marL="1371600" lvl="2" indent="-317500">
               <a:lnSpc>
                 <a:spcPct val="115000"/>
               </a:lnSpc>
@@ -7172,7 +7257,7 @@
                 <a:sym typeface="Roboto"/>
               </a:defRPr>
             </a:lvl3pPr>
-            <a:lvl4pPr indent="-317500" lvl="3" marL="1828800">
+            <a:lvl4pPr marL="1828800" lvl="3" indent="-317500">
               <a:lnSpc>
                 <a:spcPct val="115000"/>
               </a:lnSpc>
@@ -7198,7 +7283,7 @@
                 <a:sym typeface="Roboto"/>
               </a:defRPr>
             </a:lvl4pPr>
-            <a:lvl5pPr indent="-317500" lvl="4" marL="2286000">
+            <a:lvl5pPr marL="2286000" lvl="4" indent="-317500">
               <a:lnSpc>
                 <a:spcPct val="115000"/>
               </a:lnSpc>
@@ -7224,7 +7309,7 @@
                 <a:sym typeface="Roboto"/>
               </a:defRPr>
             </a:lvl5pPr>
-            <a:lvl6pPr indent="-317500" lvl="5" marL="2743200">
+            <a:lvl6pPr marL="2743200" lvl="5" indent="-317500">
               <a:lnSpc>
                 <a:spcPct val="115000"/>
               </a:lnSpc>
@@ -7250,7 +7335,7 @@
                 <a:sym typeface="Roboto"/>
               </a:defRPr>
             </a:lvl6pPr>
-            <a:lvl7pPr indent="-317500" lvl="6" marL="3200400">
+            <a:lvl7pPr marL="3200400" lvl="6" indent="-317500">
               <a:lnSpc>
                 <a:spcPct val="115000"/>
               </a:lnSpc>
@@ -7276,7 +7361,7 @@
                 <a:sym typeface="Roboto"/>
               </a:defRPr>
             </a:lvl7pPr>
-            <a:lvl8pPr indent="-317500" lvl="7" marL="3657600">
+            <a:lvl8pPr marL="3657600" lvl="7" indent="-317500">
               <a:lnSpc>
                 <a:spcPct val="115000"/>
               </a:lnSpc>
@@ -7302,7 +7387,7 @@
                 <a:sym typeface="Roboto"/>
               </a:defRPr>
             </a:lvl8pPr>
-            <a:lvl9pPr indent="-317500" lvl="8" marL="4114800">
+            <a:lvl9pPr marL="4114800" lvl="8" indent="-317500">
               <a:lnSpc>
                 <a:spcPct val="115000"/>
               </a:lnSpc>
@@ -7329,15 +7414,19 @@
               </a:defRPr>
             </a:lvl9pPr>
           </a:lstStyle>
-          <a:p/>
+          <a:p>
+            <a:endParaRPr/>
+          </a:p>
         </p:txBody>
       </p:sp>
       <p:sp>
         <p:nvSpPr>
           <p:cNvPr id="8" name="Google Shape;8;p1"/>
-          <p:cNvSpPr txBox="1"/>
+          <p:cNvSpPr txBox="1">
+            <a:spLocks noGrp="1"/>
+          </p:cNvSpPr>
           <p:nvPr>
-            <p:ph idx="12" type="sldNum"/>
+            <p:ph type="sldNum" idx="12"/>
           </p:nvPr>
         </p:nvSpPr>
         <p:spPr>
@@ -7354,7 +7443,7 @@
           </a:ln>
         </p:spPr>
         <p:txBody>
-          <a:bodyPr anchorCtr="0" anchor="ctr" bIns="91425" lIns="91425" spcFirstLastPara="1" rIns="91425" wrap="square" tIns="91425">
+          <a:bodyPr spcFirstLastPara="1" wrap="square" lIns="91425" tIns="91425" rIns="91425" bIns="91425" anchor="ctr" anchorCtr="0">
             <a:normAutofit/>
           </a:bodyPr>
           <a:lstStyle>
@@ -7468,7 +7557,7 @@
             </a:lvl9pPr>
           </a:lstStyle>
           <a:p>
-            <a:pPr indent="0" lvl="0" marL="0" rtl="0" algn="r">
+            <a:pPr marL="0" lvl="0" indent="0" algn="r" rtl="0">
               <a:spcBef>
                 <a:spcPts val="0"/>
               </a:spcBef>
@@ -7479,7 +7568,7 @@
             </a:pPr>
             <a:fld id="{00000000-1234-1234-1234-123412341234}" type="slidenum">
               <a:rPr lang="es"/>
-              <a:t>‹#›</a:t>
+              <a:t>‹Nº›</a:t>
             </a:fld>
             <a:endParaRPr/>
           </a:p>
@@ -7487,7 +7576,7 @@
       </p:sp>
     </p:spTree>
   </p:cSld>
-  <p:clrMap accent1="accent1" accent2="accent2" accent3="accent3" accent4="accent4" accent5="accent5" accent6="accent6" bg1="lt1" bg2="dk2" tx1="dk1" tx2="lt2" folHlink="folHlink" hlink="hlink"/>
+  <p:clrMap bg1="lt1" tx1="dk1" bg2="dk2" tx2="lt2" accent1="accent1" accent2="accent2" accent3="accent3" accent4="accent4" accent5="accent5" accent6="accent6" hlink="hlink" folHlink="folHlink"/>
   <p:sldLayoutIdLst>
     <p:sldLayoutId id="2147483648" r:id="rId1"/>
     <p:sldLayoutId id="2147483649" r:id="rId2"/>
@@ -7501,10 +7590,10 @@
     <p:sldLayoutId id="2147483657" r:id="rId10"/>
     <p:sldLayoutId id="2147483658" r:id="rId11"/>
   </p:sldLayoutIdLst>
-  <p:hf dt="0" ftr="0" hdr="0" sldNum="0"/>
+  <p:hf sldNum="0" hdr="0" ftr="0" dt="0"/>
   <p:txStyles>
     <p:titleStyle>
-      <a:defPPr lvl="0" marR="0" rtl="0" algn="l">
+      <a:defPPr marR="0" lvl="0" algn="l" rtl="0">
         <a:lnSpc>
           <a:spcPct val="100000"/>
         </a:lnSpc>
@@ -7515,7 +7604,7 @@
           <a:spcPts val="0"/>
         </a:spcAft>
       </a:defPPr>
-      <a:lvl1pPr lvl="0" marR="0" rtl="0" algn="l">
+      <a:lvl1pPr marR="0" lvl="0" algn="l" rtl="0">
         <a:lnSpc>
           <a:spcPct val="100000"/>
         </a:lnSpc>
@@ -7529,7 +7618,7 @@
           <a:srgbClr val="000000"/>
         </a:buClr>
         <a:buFont typeface="Arial"/>
-        <a:defRPr b="0" i="0" sz="1400" u="none" cap="none" strike="noStrike">
+        <a:defRPr sz="1400" b="0" i="0" u="none" strike="noStrike" cap="none">
           <a:solidFill>
             <a:srgbClr val="000000"/>
           </a:solidFill>
@@ -7539,7 +7628,7 @@
           <a:sym typeface="Arial"/>
         </a:defRPr>
       </a:lvl1pPr>
-      <a:lvl2pPr lvl="1" marR="0" rtl="0" algn="l">
+      <a:lvl2pPr marR="0" lvl="1" algn="l" rtl="0">
         <a:lnSpc>
           <a:spcPct val="100000"/>
         </a:lnSpc>
@@ -7553,7 +7642,7 @@
           <a:srgbClr val="000000"/>
         </a:buClr>
         <a:buFont typeface="Arial"/>
-        <a:defRPr b="0" i="0" sz="1400" u="none" cap="none" strike="noStrike">
+        <a:defRPr sz="1400" b="0" i="0" u="none" strike="noStrike" cap="none">
           <a:solidFill>
             <a:srgbClr val="000000"/>
           </a:solidFill>
@@ -7563,7 +7652,7 @@
           <a:sym typeface="Arial"/>
         </a:defRPr>
       </a:lvl2pPr>
-      <a:lvl3pPr lvl="2" marR="0" rtl="0" algn="l">
+      <a:lvl3pPr marR="0" lvl="2" algn="l" rtl="0">
         <a:lnSpc>
           <a:spcPct val="100000"/>
         </a:lnSpc>
@@ -7577,7 +7666,7 @@
           <a:srgbClr val="000000"/>
         </a:buClr>
         <a:buFont typeface="Arial"/>
-        <a:defRPr b="0" i="0" sz="1400" u="none" cap="none" strike="noStrike">
+        <a:defRPr sz="1400" b="0" i="0" u="none" strike="noStrike" cap="none">
           <a:solidFill>
             <a:srgbClr val="000000"/>
           </a:solidFill>
@@ -7587,7 +7676,7 @@
           <a:sym typeface="Arial"/>
         </a:defRPr>
       </a:lvl3pPr>
-      <a:lvl4pPr lvl="3" marR="0" rtl="0" algn="l">
+      <a:lvl4pPr marR="0" lvl="3" algn="l" rtl="0">
         <a:lnSpc>
           <a:spcPct val="100000"/>
         </a:lnSpc>
@@ -7601,7 +7690,7 @@
           <a:srgbClr val="000000"/>
         </a:buClr>
         <a:buFont typeface="Arial"/>
-        <a:defRPr b="0" i="0" sz="1400" u="none" cap="none" strike="noStrike">
+        <a:defRPr sz="1400" b="0" i="0" u="none" strike="noStrike" cap="none">
           <a:solidFill>
             <a:srgbClr val="000000"/>
           </a:solidFill>
@@ -7611,7 +7700,7 @@
           <a:sym typeface="Arial"/>
         </a:defRPr>
       </a:lvl4pPr>
-      <a:lvl5pPr lvl="4" marR="0" rtl="0" algn="l">
+      <a:lvl5pPr marR="0" lvl="4" algn="l" rtl="0">
         <a:lnSpc>
           <a:spcPct val="100000"/>
         </a:lnSpc>
@@ -7625,7 +7714,7 @@
           <a:srgbClr val="000000"/>
         </a:buClr>
         <a:buFont typeface="Arial"/>
-        <a:defRPr b="0" i="0" sz="1400" u="none" cap="none" strike="noStrike">
+        <a:defRPr sz="1400" b="0" i="0" u="none" strike="noStrike" cap="none">
           <a:solidFill>
             <a:srgbClr val="000000"/>
           </a:solidFill>
@@ -7635,7 +7724,7 @@
           <a:sym typeface="Arial"/>
         </a:defRPr>
       </a:lvl5pPr>
-      <a:lvl6pPr lvl="5" marR="0" rtl="0" algn="l">
+      <a:lvl6pPr marR="0" lvl="5" algn="l" rtl="0">
         <a:lnSpc>
           <a:spcPct val="100000"/>
         </a:lnSpc>
@@ -7649,7 +7738,7 @@
           <a:srgbClr val="000000"/>
         </a:buClr>
         <a:buFont typeface="Arial"/>
-        <a:defRPr b="0" i="0" sz="1400" u="none" cap="none" strike="noStrike">
+        <a:defRPr sz="1400" b="0" i="0" u="none" strike="noStrike" cap="none">
           <a:solidFill>
             <a:srgbClr val="000000"/>
           </a:solidFill>
@@ -7659,7 +7748,7 @@
           <a:sym typeface="Arial"/>
         </a:defRPr>
       </a:lvl6pPr>
-      <a:lvl7pPr lvl="6" marR="0" rtl="0" algn="l">
+      <a:lvl7pPr marR="0" lvl="6" algn="l" rtl="0">
         <a:lnSpc>
           <a:spcPct val="100000"/>
         </a:lnSpc>
@@ -7673,7 +7762,7 @@
           <a:srgbClr val="000000"/>
         </a:buClr>
         <a:buFont typeface="Arial"/>
-        <a:defRPr b="0" i="0" sz="1400" u="none" cap="none" strike="noStrike">
+        <a:defRPr sz="1400" b="0" i="0" u="none" strike="noStrike" cap="none">
           <a:solidFill>
             <a:srgbClr val="000000"/>
           </a:solidFill>
@@ -7683,7 +7772,7 @@
           <a:sym typeface="Arial"/>
         </a:defRPr>
       </a:lvl7pPr>
-      <a:lvl8pPr lvl="7" marR="0" rtl="0" algn="l">
+      <a:lvl8pPr marR="0" lvl="7" algn="l" rtl="0">
         <a:lnSpc>
           <a:spcPct val="100000"/>
         </a:lnSpc>
@@ -7697,7 +7786,7 @@
           <a:srgbClr val="000000"/>
         </a:buClr>
         <a:buFont typeface="Arial"/>
-        <a:defRPr b="0" i="0" sz="1400" u="none" cap="none" strike="noStrike">
+        <a:defRPr sz="1400" b="0" i="0" u="none" strike="noStrike" cap="none">
           <a:solidFill>
             <a:srgbClr val="000000"/>
           </a:solidFill>
@@ -7707,7 +7796,7 @@
           <a:sym typeface="Arial"/>
         </a:defRPr>
       </a:lvl8pPr>
-      <a:lvl9pPr lvl="8" marR="0" rtl="0" algn="l">
+      <a:lvl9pPr marR="0" lvl="8" algn="l" rtl="0">
         <a:lnSpc>
           <a:spcPct val="100000"/>
         </a:lnSpc>
@@ -7721,7 +7810,7 @@
           <a:srgbClr val="000000"/>
         </a:buClr>
         <a:buFont typeface="Arial"/>
-        <a:defRPr b="0" i="0" sz="1400" u="none" cap="none" strike="noStrike">
+        <a:defRPr sz="1400" b="0" i="0" u="none" strike="noStrike" cap="none">
           <a:solidFill>
             <a:srgbClr val="000000"/>
           </a:solidFill>
@@ -7733,7 +7822,7 @@
       </a:lvl9pPr>
     </p:titleStyle>
     <p:bodyStyle>
-      <a:defPPr lvl="0" marR="0" rtl="0" algn="l">
+      <a:defPPr marR="0" lvl="0" algn="l" rtl="0">
         <a:lnSpc>
           <a:spcPct val="100000"/>
         </a:lnSpc>
@@ -7744,7 +7833,7 @@
           <a:spcPts val="0"/>
         </a:spcAft>
       </a:defPPr>
-      <a:lvl1pPr lvl="0" marR="0" rtl="0" algn="l">
+      <a:lvl1pPr marR="0" lvl="0" algn="l" rtl="0">
         <a:lnSpc>
           <a:spcPct val="100000"/>
         </a:lnSpc>
@@ -7758,7 +7847,7 @@
           <a:srgbClr val="000000"/>
         </a:buClr>
         <a:buFont typeface="Arial"/>
-        <a:defRPr b="0" i="0" sz="1400" u="none" cap="none" strike="noStrike">
+        <a:defRPr sz="1400" b="0" i="0" u="none" strike="noStrike" cap="none">
           <a:solidFill>
             <a:srgbClr val="000000"/>
           </a:solidFill>
@@ -7768,7 +7857,7 @@
           <a:sym typeface="Arial"/>
         </a:defRPr>
       </a:lvl1pPr>
-      <a:lvl2pPr lvl="1" marR="0" rtl="0" algn="l">
+      <a:lvl2pPr marR="0" lvl="1" algn="l" rtl="0">
         <a:lnSpc>
           <a:spcPct val="100000"/>
         </a:lnSpc>
@@ -7782,7 +7871,7 @@
           <a:srgbClr val="000000"/>
         </a:buClr>
         <a:buFont typeface="Arial"/>
-        <a:defRPr b="0" i="0" sz="1400" u="none" cap="none" strike="noStrike">
+        <a:defRPr sz="1400" b="0" i="0" u="none" strike="noStrike" cap="none">
           <a:solidFill>
             <a:srgbClr val="000000"/>
           </a:solidFill>
@@ -7792,7 +7881,7 @@
           <a:sym typeface="Arial"/>
         </a:defRPr>
       </a:lvl2pPr>
-      <a:lvl3pPr lvl="2" marR="0" rtl="0" algn="l">
+      <a:lvl3pPr marR="0" lvl="2" algn="l" rtl="0">
         <a:lnSpc>
           <a:spcPct val="100000"/>
         </a:lnSpc>
@@ -7806,7 +7895,7 @@
           <a:srgbClr val="000000"/>
         </a:buClr>
         <a:buFont typeface="Arial"/>
-        <a:defRPr b="0" i="0" sz="1400" u="none" cap="none" strike="noStrike">
+        <a:defRPr sz="1400" b="0" i="0" u="none" strike="noStrike" cap="none">
           <a:solidFill>
             <a:srgbClr val="000000"/>
           </a:solidFill>
@@ -7816,7 +7905,7 @@
           <a:sym typeface="Arial"/>
         </a:defRPr>
       </a:lvl3pPr>
-      <a:lvl4pPr lvl="3" marR="0" rtl="0" algn="l">
+      <a:lvl4pPr marR="0" lvl="3" algn="l" rtl="0">
         <a:lnSpc>
           <a:spcPct val="100000"/>
         </a:lnSpc>
@@ -7830,7 +7919,7 @@
           <a:srgbClr val="000000"/>
         </a:buClr>
         <a:buFont typeface="Arial"/>
-        <a:defRPr b="0" i="0" sz="1400" u="none" cap="none" strike="noStrike">
+        <a:defRPr sz="1400" b="0" i="0" u="none" strike="noStrike" cap="none">
           <a:solidFill>
             <a:srgbClr val="000000"/>
           </a:solidFill>
@@ -7840,7 +7929,7 @@
           <a:sym typeface="Arial"/>
         </a:defRPr>
       </a:lvl4pPr>
-      <a:lvl5pPr lvl="4" marR="0" rtl="0" algn="l">
+      <a:lvl5pPr marR="0" lvl="4" algn="l" rtl="0">
         <a:lnSpc>
           <a:spcPct val="100000"/>
         </a:lnSpc>
@@ -7854,7 +7943,7 @@
           <a:srgbClr val="000000"/>
         </a:buClr>
         <a:buFont typeface="Arial"/>
-        <a:defRPr b="0" i="0" sz="1400" u="none" cap="none" strike="noStrike">
+        <a:defRPr sz="1400" b="0" i="0" u="none" strike="noStrike" cap="none">
           <a:solidFill>
             <a:srgbClr val="000000"/>
           </a:solidFill>
@@ -7864,7 +7953,7 @@
           <a:sym typeface="Arial"/>
         </a:defRPr>
       </a:lvl5pPr>
-      <a:lvl6pPr lvl="5" marR="0" rtl="0" algn="l">
+      <a:lvl6pPr marR="0" lvl="5" algn="l" rtl="0">
         <a:lnSpc>
           <a:spcPct val="100000"/>
         </a:lnSpc>
@@ -7878,7 +7967,7 @@
           <a:srgbClr val="000000"/>
         </a:buClr>
         <a:buFont typeface="Arial"/>
-        <a:defRPr b="0" i="0" sz="1400" u="none" cap="none" strike="noStrike">
+        <a:defRPr sz="1400" b="0" i="0" u="none" strike="noStrike" cap="none">
           <a:solidFill>
             <a:srgbClr val="000000"/>
           </a:solidFill>
@@ -7888,7 +7977,7 @@
           <a:sym typeface="Arial"/>
         </a:defRPr>
       </a:lvl6pPr>
-      <a:lvl7pPr lvl="6" marR="0" rtl="0" algn="l">
+      <a:lvl7pPr marR="0" lvl="6" algn="l" rtl="0">
         <a:lnSpc>
           <a:spcPct val="100000"/>
         </a:lnSpc>
@@ -7902,7 +7991,7 @@
           <a:srgbClr val="000000"/>
         </a:buClr>
         <a:buFont typeface="Arial"/>
-        <a:defRPr b="0" i="0" sz="1400" u="none" cap="none" strike="noStrike">
+        <a:defRPr sz="1400" b="0" i="0" u="none" strike="noStrike" cap="none">
           <a:solidFill>
             <a:srgbClr val="000000"/>
           </a:solidFill>
@@ -7912,7 +8001,7 @@
           <a:sym typeface="Arial"/>
         </a:defRPr>
       </a:lvl7pPr>
-      <a:lvl8pPr lvl="7" marR="0" rtl="0" algn="l">
+      <a:lvl8pPr marR="0" lvl="7" algn="l" rtl="0">
         <a:lnSpc>
           <a:spcPct val="100000"/>
         </a:lnSpc>
@@ -7926,7 +8015,7 @@
           <a:srgbClr val="000000"/>
         </a:buClr>
         <a:buFont typeface="Arial"/>
-        <a:defRPr b="0" i="0" sz="1400" u="none" cap="none" strike="noStrike">
+        <a:defRPr sz="1400" b="0" i="0" u="none" strike="noStrike" cap="none">
           <a:solidFill>
             <a:srgbClr val="000000"/>
           </a:solidFill>
@@ -7936,7 +8025,7 @@
           <a:sym typeface="Arial"/>
         </a:defRPr>
       </a:lvl8pPr>
-      <a:lvl9pPr lvl="8" marR="0" rtl="0" algn="l">
+      <a:lvl9pPr marR="0" lvl="8" algn="l" rtl="0">
         <a:lnSpc>
           <a:spcPct val="100000"/>
         </a:lnSpc>
@@ -7950,7 +8039,7 @@
           <a:srgbClr val="000000"/>
         </a:buClr>
         <a:buFont typeface="Arial"/>
-        <a:defRPr b="0" i="0" sz="1400" u="none" cap="none" strike="noStrike">
+        <a:defRPr sz="1400" b="0" i="0" u="none" strike="noStrike" cap="none">
           <a:solidFill>
             <a:srgbClr val="000000"/>
           </a:solidFill>
@@ -7962,7 +8051,7 @@
       </a:lvl9pPr>
     </p:bodyStyle>
     <p:otherStyle>
-      <a:defPPr lvl="0" marR="0" rtl="0" algn="l">
+      <a:defPPr marR="0" lvl="0" algn="l" rtl="0">
         <a:lnSpc>
           <a:spcPct val="100000"/>
         </a:lnSpc>
@@ -7973,7 +8062,7 @@
           <a:spcPts val="0"/>
         </a:spcAft>
       </a:defPPr>
-      <a:lvl1pPr lvl="0" marR="0" rtl="0" algn="l">
+      <a:lvl1pPr marR="0" lvl="0" algn="l" rtl="0">
         <a:lnSpc>
           <a:spcPct val="100000"/>
         </a:lnSpc>
@@ -7987,7 +8076,7 @@
           <a:srgbClr val="000000"/>
         </a:buClr>
         <a:buFont typeface="Arial"/>
-        <a:defRPr b="0" i="0" sz="1400" u="none" cap="none" strike="noStrike">
+        <a:defRPr sz="1400" b="0" i="0" u="none" strike="noStrike" cap="none">
           <a:solidFill>
             <a:srgbClr val="000000"/>
           </a:solidFill>
@@ -7997,7 +8086,7 @@
           <a:sym typeface="Arial"/>
         </a:defRPr>
       </a:lvl1pPr>
-      <a:lvl2pPr lvl="1" marR="0" rtl="0" algn="l">
+      <a:lvl2pPr marR="0" lvl="1" algn="l" rtl="0">
         <a:lnSpc>
           <a:spcPct val="100000"/>
         </a:lnSpc>
@@ -8011,7 +8100,7 @@
           <a:srgbClr val="000000"/>
         </a:buClr>
         <a:buFont typeface="Arial"/>
-        <a:defRPr b="0" i="0" sz="1400" u="none" cap="none" strike="noStrike">
+        <a:defRPr sz="1400" b="0" i="0" u="none" strike="noStrike" cap="none">
           <a:solidFill>
             <a:srgbClr val="000000"/>
           </a:solidFill>
@@ -8021,7 +8110,7 @@
           <a:sym typeface="Arial"/>
         </a:defRPr>
       </a:lvl2pPr>
-      <a:lvl3pPr lvl="2" marR="0" rtl="0" algn="l">
+      <a:lvl3pPr marR="0" lvl="2" algn="l" rtl="0">
         <a:lnSpc>
           <a:spcPct val="100000"/>
         </a:lnSpc>
@@ -8035,7 +8124,7 @@
           <a:srgbClr val="000000"/>
         </a:buClr>
         <a:buFont typeface="Arial"/>
-        <a:defRPr b="0" i="0" sz="1400" u="none" cap="none" strike="noStrike">
+        <a:defRPr sz="1400" b="0" i="0" u="none" strike="noStrike" cap="none">
           <a:solidFill>
             <a:srgbClr val="000000"/>
           </a:solidFill>
@@ -8045,7 +8134,7 @@
           <a:sym typeface="Arial"/>
         </a:defRPr>
       </a:lvl3pPr>
-      <a:lvl4pPr lvl="3" marR="0" rtl="0" algn="l">
+      <a:lvl4pPr marR="0" lvl="3" algn="l" rtl="0">
         <a:lnSpc>
           <a:spcPct val="100000"/>
         </a:lnSpc>
@@ -8059,7 +8148,7 @@
           <a:srgbClr val="000000"/>
         </a:buClr>
         <a:buFont typeface="Arial"/>
-        <a:defRPr b="0" i="0" sz="1400" u="none" cap="none" strike="noStrike">
+        <a:defRPr sz="1400" b="0" i="0" u="none" strike="noStrike" cap="none">
           <a:solidFill>
             <a:srgbClr val="000000"/>
           </a:solidFill>
@@ -8069,7 +8158,7 @@
           <a:sym typeface="Arial"/>
         </a:defRPr>
       </a:lvl4pPr>
-      <a:lvl5pPr lvl="4" marR="0" rtl="0" algn="l">
+      <a:lvl5pPr marR="0" lvl="4" algn="l" rtl="0">
         <a:lnSpc>
           <a:spcPct val="100000"/>
         </a:lnSpc>
@@ -8083,7 +8172,7 @@
           <a:srgbClr val="000000"/>
         </a:buClr>
         <a:buFont typeface="Arial"/>
-        <a:defRPr b="0" i="0" sz="1400" u="none" cap="none" strike="noStrike">
+        <a:defRPr sz="1400" b="0" i="0" u="none" strike="noStrike" cap="none">
           <a:solidFill>
             <a:srgbClr val="000000"/>
           </a:solidFill>
@@ -8093,7 +8182,7 @@
           <a:sym typeface="Arial"/>
         </a:defRPr>
       </a:lvl5pPr>
-      <a:lvl6pPr lvl="5" marR="0" rtl="0" algn="l">
+      <a:lvl6pPr marR="0" lvl="5" algn="l" rtl="0">
         <a:lnSpc>
           <a:spcPct val="100000"/>
         </a:lnSpc>
@@ -8107,7 +8196,7 @@
           <a:srgbClr val="000000"/>
         </a:buClr>
         <a:buFont typeface="Arial"/>
-        <a:defRPr b="0" i="0" sz="1400" u="none" cap="none" strike="noStrike">
+        <a:defRPr sz="1400" b="0" i="0" u="none" strike="noStrike" cap="none">
           <a:solidFill>
             <a:srgbClr val="000000"/>
           </a:solidFill>
@@ -8117,7 +8206,7 @@
           <a:sym typeface="Arial"/>
         </a:defRPr>
       </a:lvl6pPr>
-      <a:lvl7pPr lvl="6" marR="0" rtl="0" algn="l">
+      <a:lvl7pPr marR="0" lvl="6" algn="l" rtl="0">
         <a:lnSpc>
           <a:spcPct val="100000"/>
         </a:lnSpc>
@@ -8131,7 +8220,7 @@
           <a:srgbClr val="000000"/>
         </a:buClr>
         <a:buFont typeface="Arial"/>
-        <a:defRPr b="0" i="0" sz="1400" u="none" cap="none" strike="noStrike">
+        <a:defRPr sz="1400" b="0" i="0" u="none" strike="noStrike" cap="none">
           <a:solidFill>
             <a:srgbClr val="000000"/>
           </a:solidFill>
@@ -8141,7 +8230,7 @@
           <a:sym typeface="Arial"/>
         </a:defRPr>
       </a:lvl7pPr>
-      <a:lvl8pPr lvl="7" marR="0" rtl="0" algn="l">
+      <a:lvl8pPr marR="0" lvl="7" algn="l" rtl="0">
         <a:lnSpc>
           <a:spcPct val="100000"/>
         </a:lnSpc>
@@ -8155,7 +8244,7 @@
           <a:srgbClr val="000000"/>
         </a:buClr>
         <a:buFont typeface="Arial"/>
-        <a:defRPr b="0" i="0" sz="1400" u="none" cap="none" strike="noStrike">
+        <a:defRPr sz="1400" b="0" i="0" u="none" strike="noStrike" cap="none">
           <a:solidFill>
             <a:srgbClr val="000000"/>
           </a:solidFill>
@@ -8165,7 +8254,7 @@
           <a:sym typeface="Arial"/>
         </a:defRPr>
       </a:lvl8pPr>
-      <a:lvl9pPr lvl="8" marR="0" rtl="0" algn="l">
+      <a:lvl9pPr marR="0" lvl="8" algn="l" rtl="0">
         <a:lnSpc>
           <a:spcPct val="100000"/>
         </a:lnSpc>
@@ -8179,7 +8268,7 @@
           <a:srgbClr val="000000"/>
         </a:buClr>
         <a:buFont typeface="Arial"/>
-        <a:defRPr b="0" i="0" sz="1400" u="none" cap="none" strike="noStrike">
+        <a:defRPr sz="1400" b="0" i="0" u="none" strike="noStrike" cap="none">
           <a:solidFill>
             <a:srgbClr val="000000"/>
           </a:solidFill>
@@ -8195,11 +8284,11 @@
 </file>
 
 <file path=ppt/slides/slide1.xml><?xml version="1.0" encoding="utf-8"?>
-<p:sld xmlns:a="http://schemas.openxmlformats.org/drawingml/2006/main" xmlns:r="http://schemas.openxmlformats.org/officeDocument/2006/relationships" xmlns:mc="http://schemas.openxmlformats.org/markup-compatibility/2006" xmlns:mv="urn:schemas-microsoft-com:mac:vml" xmlns:p="http://schemas.openxmlformats.org/presentationml/2006/main" xmlns:c="http://schemas.openxmlformats.org/drawingml/2006/chart" xmlns:dgm="http://schemas.openxmlformats.org/drawingml/2006/diagram" xmlns:o="urn:schemas-microsoft-com:office:office" xmlns:v="urn:schemas-microsoft-com:vml" xmlns:pvml="urn:schemas-microsoft-com:office:powerpoint" xmlns:com="http://schemas.openxmlformats.org/drawingml/2006/compatibility" xmlns:p14="http://schemas.microsoft.com/office/powerpoint/2010/main" xmlns:p15="http://schemas.microsoft.com/office/powerpoint/2012/main" xmlns:ahyp="http://schemas.microsoft.com/office/drawing/2018/hyperlinkcolor">
+<p:sld xmlns:a="http://schemas.openxmlformats.org/drawingml/2006/main" xmlns:r="http://schemas.openxmlformats.org/officeDocument/2006/relationships" xmlns:p="http://schemas.openxmlformats.org/presentationml/2006/main">
   <p:cSld>
     <p:spTree>
       <p:nvGrpSpPr>
-        <p:cNvPr id="84" name="Shape 84"/>
+        <p:cNvPr id="1" name="Shape 84"/>
         <p:cNvGrpSpPr/>
         <p:nvPr/>
       </p:nvGrpSpPr>
@@ -8214,7 +8303,9 @@
       <p:sp>
         <p:nvSpPr>
           <p:cNvPr id="85" name="Google Shape;85;p13"/>
-          <p:cNvSpPr txBox="1"/>
+          <p:cNvSpPr txBox="1">
+            <a:spLocks noGrp="1"/>
+          </p:cNvSpPr>
           <p:nvPr>
             <p:ph type="ctrTitle"/>
           </p:nvPr>
@@ -8229,12 +8320,12 @@
           </a:prstGeom>
         </p:spPr>
         <p:txBody>
-          <a:bodyPr anchorCtr="0" anchor="b" bIns="91425" lIns="91425" spcFirstLastPara="1" rIns="91425" wrap="square" tIns="91425">
+          <a:bodyPr spcFirstLastPara="1" wrap="square" lIns="91425" tIns="91425" rIns="91425" bIns="91425" anchor="b" anchorCtr="0">
             <a:normAutofit fontScale="90000"/>
           </a:bodyPr>
           <a:lstStyle/>
           <a:p>
-            <a:pPr indent="0" lvl="0" marL="0" rtl="0" algn="l">
+            <a:pPr marL="0" lvl="0" indent="0" algn="l" rtl="0">
               <a:spcBef>
                 <a:spcPts val="0"/>
               </a:spcBef>
@@ -8250,7 +8341,7 @@
             <a:endParaRPr sz="3000"/>
           </a:p>
           <a:p>
-            <a:pPr indent="0" lvl="0" marL="0" rtl="0" algn="l">
+            <a:pPr marL="0" lvl="0" indent="0" algn="l" rtl="0">
               <a:spcBef>
                 <a:spcPts val="0"/>
               </a:spcBef>
@@ -8261,11 +8352,7 @@
             </a:pPr>
             <a:r>
               <a:rPr lang="es"/>
-              <a:t>Grup 4 - P</a:t>
-            </a:r>
-            <a:r>
-              <a:rPr lang="es"/>
-              <a:t>ortes</a:t>
+              <a:t>Grup 4 - Portes</a:t>
             </a:r>
             <a:endParaRPr/>
           </a:p>
@@ -8274,9 +8361,11 @@
       <p:sp>
         <p:nvSpPr>
           <p:cNvPr id="86" name="Google Shape;86;p13"/>
-          <p:cNvSpPr txBox="1"/>
+          <p:cNvSpPr txBox="1">
+            <a:spLocks noGrp="1"/>
+          </p:cNvSpPr>
           <p:nvPr>
-            <p:ph idx="1" type="subTitle"/>
+            <p:ph type="subTitle" idx="1"/>
           </p:nvPr>
         </p:nvSpPr>
         <p:spPr>
@@ -8289,12 +8378,12 @@
           </a:prstGeom>
         </p:spPr>
         <p:txBody>
-          <a:bodyPr anchorCtr="0" anchor="t" bIns="91425" lIns="91425" spcFirstLastPara="1" rIns="91425" wrap="square" tIns="91425">
+          <a:bodyPr spcFirstLastPara="1" wrap="square" lIns="91425" tIns="91425" rIns="91425" bIns="91425" anchor="t" anchorCtr="0">
             <a:normAutofit/>
           </a:bodyPr>
           <a:lstStyle/>
           <a:p>
-            <a:pPr indent="0" lvl="0" marL="0" rtl="0" algn="l">
+            <a:pPr marL="0" lvl="0" indent="0" algn="l" rtl="0">
               <a:spcBef>
                 <a:spcPts val="0"/>
               </a:spcBef>
@@ -8310,7 +8399,7 @@
             <a:endParaRPr/>
           </a:p>
           <a:p>
-            <a:pPr indent="0" lvl="0" marL="0" rtl="0" algn="l">
+            <a:pPr marL="0" lvl="0" indent="0" algn="l" rtl="0">
               <a:spcBef>
                 <a:spcPts val="0"/>
               </a:spcBef>
@@ -8326,7 +8415,7 @@
             <a:endParaRPr/>
           </a:p>
           <a:p>
-            <a:pPr indent="0" lvl="0" marL="0" rtl="0" algn="l">
+            <a:pPr marL="0" lvl="0" indent="0" algn="l" rtl="0">
               <a:spcBef>
                 <a:spcPts val="0"/>
               </a:spcBef>
@@ -8352,11 +8441,11 @@
 </file>
 
 <file path=ppt/slides/slide2.xml><?xml version="1.0" encoding="utf-8"?>
-<p:sld xmlns:a="http://schemas.openxmlformats.org/drawingml/2006/main" xmlns:r="http://schemas.openxmlformats.org/officeDocument/2006/relationships" xmlns:mc="http://schemas.openxmlformats.org/markup-compatibility/2006" xmlns:mv="urn:schemas-microsoft-com:mac:vml" xmlns:p="http://schemas.openxmlformats.org/presentationml/2006/main" xmlns:c="http://schemas.openxmlformats.org/drawingml/2006/chart" xmlns:dgm="http://schemas.openxmlformats.org/drawingml/2006/diagram" xmlns:o="urn:schemas-microsoft-com:office:office" xmlns:v="urn:schemas-microsoft-com:vml" xmlns:pvml="urn:schemas-microsoft-com:office:powerpoint" xmlns:com="http://schemas.openxmlformats.org/drawingml/2006/compatibility" xmlns:p14="http://schemas.microsoft.com/office/powerpoint/2010/main" xmlns:p15="http://schemas.microsoft.com/office/powerpoint/2012/main" xmlns:ahyp="http://schemas.microsoft.com/office/drawing/2018/hyperlinkcolor">
+<p:sld xmlns:a="http://schemas.openxmlformats.org/drawingml/2006/main" xmlns:r="http://schemas.openxmlformats.org/officeDocument/2006/relationships" xmlns:p="http://schemas.openxmlformats.org/presentationml/2006/main">
   <p:cSld>
     <p:spTree>
       <p:nvGrpSpPr>
-        <p:cNvPr id="90" name="Shape 90"/>
+        <p:cNvPr id="1" name="Shape 90"/>
         <p:cNvGrpSpPr/>
         <p:nvPr/>
       </p:nvGrpSpPr>
@@ -8371,7 +8460,9 @@
       <p:sp>
         <p:nvSpPr>
           <p:cNvPr id="91" name="Google Shape;91;p14"/>
-          <p:cNvSpPr txBox="1"/>
+          <p:cNvSpPr txBox="1">
+            <a:spLocks noGrp="1"/>
+          </p:cNvSpPr>
           <p:nvPr>
             <p:ph type="title"/>
           </p:nvPr>
@@ -8386,12 +8477,12 @@
           </a:prstGeom>
         </p:spPr>
         <p:txBody>
-          <a:bodyPr anchorCtr="0" anchor="t" bIns="91425" lIns="91425" spcFirstLastPara="1" rIns="91425" wrap="square" tIns="91425">
+          <a:bodyPr spcFirstLastPara="1" wrap="square" lIns="91425" tIns="91425" rIns="91425" bIns="91425" anchor="t" anchorCtr="0">
             <a:normAutofit fontScale="90000"/>
           </a:bodyPr>
           <a:lstStyle/>
           <a:p>
-            <a:pPr indent="0" lvl="0" marL="0" rtl="0" algn="l">
+            <a:pPr marL="0" lvl="0" indent="0" algn="l" rtl="0">
               <a:spcBef>
                 <a:spcPts val="0"/>
               </a:spcBef>
@@ -8411,9 +8502,11 @@
       <p:sp>
         <p:nvSpPr>
           <p:cNvPr id="92" name="Google Shape;92;p14"/>
-          <p:cNvSpPr txBox="1"/>
+          <p:cNvSpPr txBox="1">
+            <a:spLocks noGrp="1"/>
+          </p:cNvSpPr>
           <p:nvPr>
-            <p:ph idx="1" type="body"/>
+            <p:ph type="body" idx="1"/>
           </p:nvPr>
         </p:nvSpPr>
         <p:spPr>
@@ -8426,12 +8519,12 @@
           </a:prstGeom>
         </p:spPr>
         <p:txBody>
-          <a:bodyPr anchorCtr="0" anchor="t" bIns="91425" lIns="91425" spcFirstLastPara="1" rIns="91425" wrap="square" tIns="91425">
+          <a:bodyPr spcFirstLastPara="1" wrap="square" lIns="91425" tIns="91425" rIns="91425" bIns="91425" anchor="t" anchorCtr="0">
             <a:normAutofit/>
           </a:bodyPr>
           <a:lstStyle/>
           <a:p>
-            <a:pPr indent="-342900" lvl="0" marL="457200" rtl="0" algn="l">
+            <a:pPr marL="457200" lvl="0" indent="-342900" algn="l" rtl="0">
               <a:spcBef>
                 <a:spcPts val="0"/>
               </a:spcBef>
@@ -8448,7 +8541,7 @@
             <a:endParaRPr/>
           </a:p>
           <a:p>
-            <a:pPr indent="-342900" lvl="0" marL="457200" rtl="0" algn="l">
+            <a:pPr marL="457200" lvl="0" indent="-342900" algn="l" rtl="0">
               <a:spcBef>
                 <a:spcPts val="0"/>
               </a:spcBef>
@@ -8465,7 +8558,7 @@
             <a:endParaRPr/>
           </a:p>
           <a:p>
-            <a:pPr indent="-342900" lvl="0" marL="457200" rtl="0" algn="l">
+            <a:pPr marL="457200" lvl="0" indent="-342900" algn="l" rtl="0">
               <a:spcBef>
                 <a:spcPts val="0"/>
               </a:spcBef>
@@ -8492,11 +8585,11 @@
 </file>
 
 <file path=ppt/slides/slide3.xml><?xml version="1.0" encoding="utf-8"?>
-<p:sld xmlns:a="http://schemas.openxmlformats.org/drawingml/2006/main" xmlns:r="http://schemas.openxmlformats.org/officeDocument/2006/relationships" xmlns:mc="http://schemas.openxmlformats.org/markup-compatibility/2006" xmlns:mv="urn:schemas-microsoft-com:mac:vml" xmlns:p="http://schemas.openxmlformats.org/presentationml/2006/main" xmlns:c="http://schemas.openxmlformats.org/drawingml/2006/chart" xmlns:dgm="http://schemas.openxmlformats.org/drawingml/2006/diagram" xmlns:o="urn:schemas-microsoft-com:office:office" xmlns:v="urn:schemas-microsoft-com:vml" xmlns:pvml="urn:schemas-microsoft-com:office:powerpoint" xmlns:com="http://schemas.openxmlformats.org/drawingml/2006/compatibility" xmlns:p14="http://schemas.microsoft.com/office/powerpoint/2010/main" xmlns:p15="http://schemas.microsoft.com/office/powerpoint/2012/main" xmlns:ahyp="http://schemas.microsoft.com/office/drawing/2018/hyperlinkcolor">
+<p:sld xmlns:a="http://schemas.openxmlformats.org/drawingml/2006/main" xmlns:r="http://schemas.openxmlformats.org/officeDocument/2006/relationships" xmlns:p="http://schemas.openxmlformats.org/presentationml/2006/main">
   <p:cSld>
     <p:spTree>
       <p:nvGrpSpPr>
-        <p:cNvPr id="96" name="Shape 96"/>
+        <p:cNvPr id="1" name="Shape 96"/>
         <p:cNvGrpSpPr/>
         <p:nvPr/>
       </p:nvGrpSpPr>
@@ -8511,7 +8604,9 @@
       <p:sp>
         <p:nvSpPr>
           <p:cNvPr id="97" name="Google Shape;97;p15"/>
-          <p:cNvSpPr txBox="1"/>
+          <p:cNvSpPr txBox="1">
+            <a:spLocks noGrp="1"/>
+          </p:cNvSpPr>
           <p:nvPr>
             <p:ph type="title"/>
           </p:nvPr>
@@ -8526,12 +8621,12 @@
           </a:prstGeom>
         </p:spPr>
         <p:txBody>
-          <a:bodyPr anchorCtr="0" anchor="t" bIns="91425" lIns="91425" spcFirstLastPara="1" rIns="91425" wrap="square" tIns="91425">
+          <a:bodyPr spcFirstLastPara="1" wrap="square" lIns="91425" tIns="91425" rIns="91425" bIns="91425" anchor="t" anchorCtr="0">
             <a:normAutofit fontScale="90000"/>
           </a:bodyPr>
           <a:lstStyle/>
           <a:p>
-            <a:pPr indent="0" lvl="0" marL="0" rtl="0" algn="l">
+            <a:pPr marL="0" lvl="0" indent="0" algn="l" rtl="0">
               <a:spcBef>
                 <a:spcPts val="0"/>
               </a:spcBef>
@@ -8585,11 +8680,11 @@
 </file>
 
 <file path=ppt/slides/slide4.xml><?xml version="1.0" encoding="utf-8"?>
-<p:sld xmlns:a="http://schemas.openxmlformats.org/drawingml/2006/main" xmlns:r="http://schemas.openxmlformats.org/officeDocument/2006/relationships" xmlns:mc="http://schemas.openxmlformats.org/markup-compatibility/2006" xmlns:mv="urn:schemas-microsoft-com:mac:vml" xmlns:p="http://schemas.openxmlformats.org/presentationml/2006/main" xmlns:c="http://schemas.openxmlformats.org/drawingml/2006/chart" xmlns:dgm="http://schemas.openxmlformats.org/drawingml/2006/diagram" xmlns:o="urn:schemas-microsoft-com:office:office" xmlns:v="urn:schemas-microsoft-com:vml" xmlns:pvml="urn:schemas-microsoft-com:office:powerpoint" xmlns:com="http://schemas.openxmlformats.org/drawingml/2006/compatibility" xmlns:p14="http://schemas.microsoft.com/office/powerpoint/2010/main" xmlns:p15="http://schemas.microsoft.com/office/powerpoint/2012/main" xmlns:ahyp="http://schemas.microsoft.com/office/drawing/2018/hyperlinkcolor">
+<p:sld xmlns:a="http://schemas.openxmlformats.org/drawingml/2006/main" xmlns:r="http://schemas.openxmlformats.org/officeDocument/2006/relationships" xmlns:p="http://schemas.openxmlformats.org/presentationml/2006/main">
   <p:cSld>
     <p:spTree>
       <p:nvGrpSpPr>
-        <p:cNvPr id="102" name="Shape 102"/>
+        <p:cNvPr id="1" name="Shape 102"/>
         <p:cNvGrpSpPr/>
         <p:nvPr/>
       </p:nvGrpSpPr>
@@ -8604,7 +8699,9 @@
       <p:sp>
         <p:nvSpPr>
           <p:cNvPr id="103" name="Google Shape;103;p16"/>
-          <p:cNvSpPr txBox="1"/>
+          <p:cNvSpPr txBox="1">
+            <a:spLocks noGrp="1"/>
+          </p:cNvSpPr>
           <p:nvPr>
             <p:ph type="title"/>
           </p:nvPr>
@@ -8619,12 +8716,12 @@
           </a:prstGeom>
         </p:spPr>
         <p:txBody>
-          <a:bodyPr anchorCtr="0" anchor="t" bIns="91425" lIns="91425" spcFirstLastPara="1" rIns="91425" wrap="square" tIns="91425">
+          <a:bodyPr spcFirstLastPara="1" wrap="square" lIns="91425" tIns="91425" rIns="91425" bIns="91425" anchor="t" anchorCtr="0">
             <a:normAutofit fontScale="90000"/>
           </a:bodyPr>
           <a:lstStyle/>
           <a:p>
-            <a:pPr indent="0" lvl="0" marL="0" rtl="0" algn="l">
+            <a:pPr marL="0" lvl="0" indent="0" algn="l" rtl="0">
               <a:spcBef>
                 <a:spcPts val="0"/>
               </a:spcBef>
@@ -8678,11 +8775,11 @@
 </file>
 
 <file path=ppt/slides/slide5.xml><?xml version="1.0" encoding="utf-8"?>
-<p:sld xmlns:a="http://schemas.openxmlformats.org/drawingml/2006/main" xmlns:r="http://schemas.openxmlformats.org/officeDocument/2006/relationships" xmlns:mc="http://schemas.openxmlformats.org/markup-compatibility/2006" xmlns:mv="urn:schemas-microsoft-com:mac:vml" xmlns:p="http://schemas.openxmlformats.org/presentationml/2006/main" xmlns:c="http://schemas.openxmlformats.org/drawingml/2006/chart" xmlns:dgm="http://schemas.openxmlformats.org/drawingml/2006/diagram" xmlns:o="urn:schemas-microsoft-com:office:office" xmlns:v="urn:schemas-microsoft-com:vml" xmlns:pvml="urn:schemas-microsoft-com:office:powerpoint" xmlns:com="http://schemas.openxmlformats.org/drawingml/2006/compatibility" xmlns:p14="http://schemas.microsoft.com/office/powerpoint/2010/main" xmlns:p15="http://schemas.microsoft.com/office/powerpoint/2012/main" xmlns:ahyp="http://schemas.microsoft.com/office/drawing/2018/hyperlinkcolor">
+<p:sld xmlns:a="http://schemas.openxmlformats.org/drawingml/2006/main" xmlns:r="http://schemas.openxmlformats.org/officeDocument/2006/relationships" xmlns:p="http://schemas.openxmlformats.org/presentationml/2006/main">
   <p:cSld>
     <p:spTree>
       <p:nvGrpSpPr>
-        <p:cNvPr id="108" name="Shape 108"/>
+        <p:cNvPr id="1" name="Shape 108"/>
         <p:cNvGrpSpPr/>
         <p:nvPr/>
       </p:nvGrpSpPr>
@@ -8697,7 +8794,9 @@
       <p:sp>
         <p:nvSpPr>
           <p:cNvPr id="109" name="Google Shape;109;p17"/>
-          <p:cNvSpPr txBox="1"/>
+          <p:cNvSpPr txBox="1">
+            <a:spLocks noGrp="1"/>
+          </p:cNvSpPr>
           <p:nvPr>
             <p:ph type="title"/>
           </p:nvPr>
@@ -8712,12 +8811,12 @@
           </a:prstGeom>
         </p:spPr>
         <p:txBody>
-          <a:bodyPr anchorCtr="0" anchor="t" bIns="91425" lIns="91425" spcFirstLastPara="1" rIns="91425" wrap="square" tIns="91425">
+          <a:bodyPr spcFirstLastPara="1" wrap="square" lIns="91425" tIns="91425" rIns="91425" bIns="91425" anchor="t" anchorCtr="0">
             <a:normAutofit fontScale="90000"/>
           </a:bodyPr>
           <a:lstStyle/>
           <a:p>
-            <a:pPr indent="0" lvl="0" marL="0" rtl="0" algn="l">
+            <a:pPr marL="0" lvl="0" indent="0" algn="l" rtl="0">
               <a:spcBef>
                 <a:spcPts val="0"/>
               </a:spcBef>
@@ -8771,11 +8870,11 @@
 </file>
 
 <file path=ppt/slides/slide6.xml><?xml version="1.0" encoding="utf-8"?>
-<p:sld xmlns:a="http://schemas.openxmlformats.org/drawingml/2006/main" xmlns:r="http://schemas.openxmlformats.org/officeDocument/2006/relationships" xmlns:mc="http://schemas.openxmlformats.org/markup-compatibility/2006" xmlns:mv="urn:schemas-microsoft-com:mac:vml" xmlns:p="http://schemas.openxmlformats.org/presentationml/2006/main" xmlns:c="http://schemas.openxmlformats.org/drawingml/2006/chart" xmlns:dgm="http://schemas.openxmlformats.org/drawingml/2006/diagram" xmlns:o="urn:schemas-microsoft-com:office:office" xmlns:v="urn:schemas-microsoft-com:vml" xmlns:pvml="urn:schemas-microsoft-com:office:powerpoint" xmlns:com="http://schemas.openxmlformats.org/drawingml/2006/compatibility" xmlns:p14="http://schemas.microsoft.com/office/powerpoint/2010/main" xmlns:p15="http://schemas.microsoft.com/office/powerpoint/2012/main" xmlns:ahyp="http://schemas.microsoft.com/office/drawing/2018/hyperlinkcolor">
+<p:sld xmlns:a="http://schemas.openxmlformats.org/drawingml/2006/main" xmlns:r="http://schemas.openxmlformats.org/officeDocument/2006/relationships" xmlns:p="http://schemas.openxmlformats.org/presentationml/2006/main">
   <p:cSld>
     <p:spTree>
       <p:nvGrpSpPr>
-        <p:cNvPr id="114" name="Shape 114"/>
+        <p:cNvPr id="1" name="Shape 114"/>
         <p:cNvGrpSpPr/>
         <p:nvPr/>
       </p:nvGrpSpPr>
@@ -8790,7 +8889,9 @@
       <p:sp>
         <p:nvSpPr>
           <p:cNvPr id="115" name="Google Shape;115;p18"/>
-          <p:cNvSpPr txBox="1"/>
+          <p:cNvSpPr txBox="1">
+            <a:spLocks noGrp="1"/>
+          </p:cNvSpPr>
           <p:nvPr>
             <p:ph type="title"/>
           </p:nvPr>
@@ -8805,12 +8906,12 @@
           </a:prstGeom>
         </p:spPr>
         <p:txBody>
-          <a:bodyPr anchorCtr="0" anchor="t" bIns="91425" lIns="91425" spcFirstLastPara="1" rIns="91425" wrap="square" tIns="91425">
+          <a:bodyPr spcFirstLastPara="1" wrap="square" lIns="91425" tIns="91425" rIns="91425" bIns="91425" anchor="t" anchorCtr="0">
             <a:normAutofit fontScale="90000"/>
           </a:bodyPr>
           <a:lstStyle/>
           <a:p>
-            <a:pPr indent="0" lvl="0" marL="0" rtl="0" algn="l">
+            <a:pPr marL="0" lvl="0" indent="0" algn="l" rtl="0">
               <a:spcBef>
                 <a:spcPts val="0"/>
               </a:spcBef>
@@ -8892,11 +8993,11 @@
 </file>
 
 <file path=ppt/slides/slide7.xml><?xml version="1.0" encoding="utf-8"?>
-<p:sld xmlns:a="http://schemas.openxmlformats.org/drawingml/2006/main" xmlns:r="http://schemas.openxmlformats.org/officeDocument/2006/relationships" xmlns:mc="http://schemas.openxmlformats.org/markup-compatibility/2006" xmlns:mv="urn:schemas-microsoft-com:mac:vml" xmlns:p="http://schemas.openxmlformats.org/presentationml/2006/main" xmlns:c="http://schemas.openxmlformats.org/drawingml/2006/chart" xmlns:dgm="http://schemas.openxmlformats.org/drawingml/2006/diagram" xmlns:o="urn:schemas-microsoft-com:office:office" xmlns:v="urn:schemas-microsoft-com:vml" xmlns:pvml="urn:schemas-microsoft-com:office:powerpoint" xmlns:com="http://schemas.openxmlformats.org/drawingml/2006/compatibility" xmlns:p14="http://schemas.microsoft.com/office/powerpoint/2010/main" xmlns:p15="http://schemas.microsoft.com/office/powerpoint/2012/main" xmlns:ahyp="http://schemas.microsoft.com/office/drawing/2018/hyperlinkcolor">
+<p:sld xmlns:a="http://schemas.openxmlformats.org/drawingml/2006/main" xmlns:r="http://schemas.openxmlformats.org/officeDocument/2006/relationships" xmlns:p="http://schemas.openxmlformats.org/presentationml/2006/main">
   <p:cSld>
     <p:spTree>
       <p:nvGrpSpPr>
-        <p:cNvPr id="121" name="Shape 121"/>
+        <p:cNvPr id="1" name="Shape 121"/>
         <p:cNvGrpSpPr/>
         <p:nvPr/>
       </p:nvGrpSpPr>
@@ -8911,7 +9012,9 @@
       <p:sp>
         <p:nvSpPr>
           <p:cNvPr id="122" name="Google Shape;122;p19"/>
-          <p:cNvSpPr txBox="1"/>
+          <p:cNvSpPr txBox="1">
+            <a:spLocks noGrp="1"/>
+          </p:cNvSpPr>
           <p:nvPr>
             <p:ph type="title"/>
           </p:nvPr>
@@ -8926,12 +9029,12 @@
           </a:prstGeom>
         </p:spPr>
         <p:txBody>
-          <a:bodyPr anchorCtr="0" anchor="t" bIns="91425" lIns="91425" spcFirstLastPara="1" rIns="91425" wrap="square" tIns="91425">
+          <a:bodyPr spcFirstLastPara="1" wrap="square" lIns="91425" tIns="91425" rIns="91425" bIns="91425" anchor="t" anchorCtr="0">
             <a:normAutofit fontScale="90000"/>
           </a:bodyPr>
           <a:lstStyle/>
           <a:p>
-            <a:pPr indent="0" lvl="0" marL="0" rtl="0" algn="l">
+            <a:pPr marL="0" lvl="0" indent="0" algn="l" rtl="0">
               <a:spcBef>
                 <a:spcPts val="0"/>
               </a:spcBef>
@@ -9013,11 +9116,11 @@
 </file>
 
 <file path=ppt/slides/slide8.xml><?xml version="1.0" encoding="utf-8"?>
-<p:sld xmlns:a="http://schemas.openxmlformats.org/drawingml/2006/main" xmlns:r="http://schemas.openxmlformats.org/officeDocument/2006/relationships" xmlns:mc="http://schemas.openxmlformats.org/markup-compatibility/2006" xmlns:mv="urn:schemas-microsoft-com:mac:vml" xmlns:p="http://schemas.openxmlformats.org/presentationml/2006/main" xmlns:c="http://schemas.openxmlformats.org/drawingml/2006/chart" xmlns:dgm="http://schemas.openxmlformats.org/drawingml/2006/diagram" xmlns:o="urn:schemas-microsoft-com:office:office" xmlns:v="urn:schemas-microsoft-com:vml" xmlns:pvml="urn:schemas-microsoft-com:office:powerpoint" xmlns:com="http://schemas.openxmlformats.org/drawingml/2006/compatibility" xmlns:p14="http://schemas.microsoft.com/office/powerpoint/2010/main" xmlns:p15="http://schemas.microsoft.com/office/powerpoint/2012/main" xmlns:ahyp="http://schemas.microsoft.com/office/drawing/2018/hyperlinkcolor">
+<p:sld xmlns:a="http://schemas.openxmlformats.org/drawingml/2006/main" xmlns:r="http://schemas.openxmlformats.org/officeDocument/2006/relationships" xmlns:p="http://schemas.openxmlformats.org/presentationml/2006/main">
   <p:cSld>
     <p:spTree>
       <p:nvGrpSpPr>
-        <p:cNvPr id="128" name="Shape 128"/>
+        <p:cNvPr id="1" name="Shape 128"/>
         <p:cNvGrpSpPr/>
         <p:nvPr/>
       </p:nvGrpSpPr>
@@ -9032,7 +9135,9 @@
       <p:sp>
         <p:nvSpPr>
           <p:cNvPr id="129" name="Google Shape;129;p20"/>
-          <p:cNvSpPr txBox="1"/>
+          <p:cNvSpPr txBox="1">
+            <a:spLocks noGrp="1"/>
+          </p:cNvSpPr>
           <p:nvPr>
             <p:ph type="title"/>
           </p:nvPr>
@@ -9047,12 +9152,12 @@
           </a:prstGeom>
         </p:spPr>
         <p:txBody>
-          <a:bodyPr anchorCtr="0" anchor="t" bIns="91425" lIns="91425" spcFirstLastPara="1" rIns="91425" wrap="square" tIns="91425">
+          <a:bodyPr spcFirstLastPara="1" wrap="square" lIns="91425" tIns="91425" rIns="91425" bIns="91425" anchor="t" anchorCtr="0">
             <a:normAutofit fontScale="90000"/>
           </a:bodyPr>
           <a:lstStyle/>
           <a:p>
-            <a:pPr indent="0" lvl="0" marL="0" rtl="0" algn="l">
+            <a:pPr marL="0" lvl="0" indent="0" algn="l" rtl="0">
               <a:spcBef>
                 <a:spcPts val="0"/>
               </a:spcBef>
@@ -9134,11 +9239,11 @@
 </file>
 
 <file path=ppt/slides/slide9.xml><?xml version="1.0" encoding="utf-8"?>
-<p:sld xmlns:a="http://schemas.openxmlformats.org/drawingml/2006/main" xmlns:r="http://schemas.openxmlformats.org/officeDocument/2006/relationships" xmlns:mc="http://schemas.openxmlformats.org/markup-compatibility/2006" xmlns:mv="urn:schemas-microsoft-com:mac:vml" xmlns:p="http://schemas.openxmlformats.org/presentationml/2006/main" xmlns:c="http://schemas.openxmlformats.org/drawingml/2006/chart" xmlns:dgm="http://schemas.openxmlformats.org/drawingml/2006/diagram" xmlns:o="urn:schemas-microsoft-com:office:office" xmlns:v="urn:schemas-microsoft-com:vml" xmlns:pvml="urn:schemas-microsoft-com:office:powerpoint" xmlns:com="http://schemas.openxmlformats.org/drawingml/2006/compatibility" xmlns:p14="http://schemas.microsoft.com/office/powerpoint/2010/main" xmlns:p15="http://schemas.microsoft.com/office/powerpoint/2012/main" xmlns:ahyp="http://schemas.microsoft.com/office/drawing/2018/hyperlinkcolor">
+<p:sld xmlns:a="http://schemas.openxmlformats.org/drawingml/2006/main" xmlns:r="http://schemas.openxmlformats.org/officeDocument/2006/relationships" xmlns:p="http://schemas.openxmlformats.org/presentationml/2006/main">
   <p:cSld>
     <p:spTree>
       <p:nvGrpSpPr>
-        <p:cNvPr id="135" name="Shape 135"/>
+        <p:cNvPr id="1" name="Shape 135"/>
         <p:cNvGrpSpPr/>
         <p:nvPr/>
       </p:nvGrpSpPr>
@@ -9153,7 +9258,9 @@
       <p:sp>
         <p:nvSpPr>
           <p:cNvPr id="136" name="Google Shape;136;p21"/>
-          <p:cNvSpPr txBox="1"/>
+          <p:cNvSpPr txBox="1">
+            <a:spLocks noGrp="1"/>
+          </p:cNvSpPr>
           <p:nvPr>
             <p:ph type="title"/>
           </p:nvPr>
@@ -9168,12 +9275,12 @@
           </a:prstGeom>
         </p:spPr>
         <p:txBody>
-          <a:bodyPr anchorCtr="0" anchor="t" bIns="91425" lIns="91425" spcFirstLastPara="1" rIns="91425" wrap="square" tIns="91425">
+          <a:bodyPr spcFirstLastPara="1" wrap="square" lIns="91425" tIns="91425" rIns="91425" bIns="91425" anchor="t" anchorCtr="0">
             <a:normAutofit fontScale="90000"/>
           </a:bodyPr>
           <a:lstStyle/>
           <a:p>
-            <a:pPr indent="0" lvl="0" marL="0" rtl="0" algn="l">
+            <a:pPr marL="0" lvl="0" indent="0" algn="l" rtl="0">
               <a:spcBef>
                 <a:spcPts val="0"/>
               </a:spcBef>
@@ -9206,8 +9313,8 @@
         </p:blipFill>
         <p:spPr>
           <a:xfrm>
-            <a:off x="4697574" y="1371249"/>
-            <a:ext cx="4278528" cy="3208900"/>
+            <a:off x="4572002" y="1301176"/>
+            <a:ext cx="4465398" cy="3349047"/>
           </a:xfrm>
           <a:prstGeom prst="rect">
             <a:avLst/>
@@ -9255,7 +9362,7 @@
 </file>
 
 <file path=ppt/theme/theme1.xml><?xml version="1.0" encoding="utf-8"?>
-<a:theme xmlns:a="http://schemas.openxmlformats.org/drawingml/2006/main" xmlns:r="http://schemas.openxmlformats.org/officeDocument/2006/relationships" name="Geometric">
+<a:theme xmlns:a="http://schemas.openxmlformats.org/drawingml/2006/main" name="Geometric">
   <a:themeElements>
     <a:clrScheme name="Geometric">
       <a:dk1>
@@ -9530,11 +9637,13 @@
       </a:bgFillStyleLst>
     </a:fmtScheme>
   </a:themeElements>
+  <a:objectDefaults/>
+  <a:extraClrSchemeLst/>
 </a:theme>
 </file>
 
 <file path=ppt/theme/theme2.xml><?xml version="1.0" encoding="utf-8"?>
-<a:theme xmlns:a="http://schemas.openxmlformats.org/drawingml/2006/main" xmlns:r="http://schemas.openxmlformats.org/officeDocument/2006/relationships">
+<a:theme xmlns:a="http://schemas.openxmlformats.org/drawingml/2006/main">
   <a:themeElements>
     <a:clrScheme name="Default">
       <a:dk1>
@@ -9809,5 +9918,7 @@
       </a:bgFillStyleLst>
     </a:fmtScheme>
   </a:themeElements>
+  <a:objectDefaults/>
+  <a:extraClrSchemeLst/>
 </a:theme>
 </file>